--- a/PWA.pptx
+++ b/PWA.pptx
@@ -5,14 +5,17 @@
     <p:sldMasterId id="2147483648" r:id="rId1"/>
   </p:sldMasterIdLst>
   <p:notesMasterIdLst>
-    <p:notesMasterId r:id="rId7"/>
+    <p:notesMasterId r:id="rId10"/>
   </p:notesMasterIdLst>
   <p:sldIdLst>
-    <p:sldId id="264" r:id="rId2"/>
-    <p:sldId id="266" r:id="rId3"/>
-    <p:sldId id="269" r:id="rId4"/>
-    <p:sldId id="300" r:id="rId5"/>
-    <p:sldId id="279" r:id="rId6"/>
+    <p:sldId id="315" r:id="rId2"/>
+    <p:sldId id="264" r:id="rId3"/>
+    <p:sldId id="266" r:id="rId4"/>
+    <p:sldId id="316" r:id="rId5"/>
+    <p:sldId id="317" r:id="rId6"/>
+    <p:sldId id="318" r:id="rId7"/>
+    <p:sldId id="319" r:id="rId8"/>
+    <p:sldId id="279" r:id="rId9"/>
   </p:sldIdLst>
   <p:sldSz cx="12192000" cy="6858000"/>
   <p:notesSz cx="6858000" cy="9144000"/>
@@ -116,10 +119,13 @@
       <p14:sectionLst xmlns:p14="http://schemas.microsoft.com/office/powerpoint/2010/main">
         <p14:section name="Untitled Section" id="{83089785-02FD-4019-B97A-DDFCEAF7B530}">
           <p14:sldIdLst>
+            <p14:sldId id="315"/>
             <p14:sldId id="264"/>
             <p14:sldId id="266"/>
-            <p14:sldId id="269"/>
-            <p14:sldId id="300"/>
+            <p14:sldId id="316"/>
+            <p14:sldId id="317"/>
+            <p14:sldId id="318"/>
+            <p14:sldId id="319"/>
             <p14:sldId id="279"/>
           </p14:sldIdLst>
         </p14:section>
@@ -225,7 +231,7 @@
           <a:p>
             <a:fld id="{70FE56F2-0B60-44FC-AC55-491897A4F355}" type="datetimeFigureOut">
               <a:rPr lang="en-GB" smtClean="0"/>
-              <a:t>05/05/2020</a:t>
+              <a:t>04/06/2020</a:t>
             </a:fld>
             <a:endParaRPr lang="en-GB"/>
           </a:p>
@@ -642,7 +648,7 @@
           <a:p>
             <a:fld id="{4D723AB6-704A-42C8-AB51-31B091223600}" type="datetimeFigureOut">
               <a:rPr lang="en-GB" smtClean="0"/>
-              <a:t>05/05/2020</a:t>
+              <a:t>04/06/2020</a:t>
             </a:fld>
             <a:endParaRPr lang="en-GB"/>
           </a:p>
@@ -842,7 +848,7 @@
           <a:p>
             <a:fld id="{4D723AB6-704A-42C8-AB51-31B091223600}" type="datetimeFigureOut">
               <a:rPr lang="en-GB" smtClean="0"/>
-              <a:t>05/05/2020</a:t>
+              <a:t>04/06/2020</a:t>
             </a:fld>
             <a:endParaRPr lang="en-GB"/>
           </a:p>
@@ -1052,7 +1058,7 @@
           <a:p>
             <a:fld id="{4D723AB6-704A-42C8-AB51-31B091223600}" type="datetimeFigureOut">
               <a:rPr lang="en-GB" smtClean="0"/>
-              <a:t>05/05/2020</a:t>
+              <a:t>04/06/2020</a:t>
             </a:fld>
             <a:endParaRPr lang="en-GB"/>
           </a:p>
@@ -1252,7 +1258,7 @@
           <a:p>
             <a:fld id="{4D723AB6-704A-42C8-AB51-31B091223600}" type="datetimeFigureOut">
               <a:rPr lang="en-GB" smtClean="0"/>
-              <a:t>05/05/2020</a:t>
+              <a:t>04/06/2020</a:t>
             </a:fld>
             <a:endParaRPr lang="en-GB"/>
           </a:p>
@@ -1528,7 +1534,7 @@
           <a:p>
             <a:fld id="{4D723AB6-704A-42C8-AB51-31B091223600}" type="datetimeFigureOut">
               <a:rPr lang="en-GB" smtClean="0"/>
-              <a:t>05/05/2020</a:t>
+              <a:t>04/06/2020</a:t>
             </a:fld>
             <a:endParaRPr lang="en-GB"/>
           </a:p>
@@ -1796,7 +1802,7 @@
           <a:p>
             <a:fld id="{4D723AB6-704A-42C8-AB51-31B091223600}" type="datetimeFigureOut">
               <a:rPr lang="en-GB" smtClean="0"/>
-              <a:t>05/05/2020</a:t>
+              <a:t>04/06/2020</a:t>
             </a:fld>
             <a:endParaRPr lang="en-GB"/>
           </a:p>
@@ -2211,7 +2217,7 @@
           <a:p>
             <a:fld id="{4D723AB6-704A-42C8-AB51-31B091223600}" type="datetimeFigureOut">
               <a:rPr lang="en-GB" smtClean="0"/>
-              <a:t>05/05/2020</a:t>
+              <a:t>04/06/2020</a:t>
             </a:fld>
             <a:endParaRPr lang="en-GB"/>
           </a:p>
@@ -2353,7 +2359,7 @@
           <a:p>
             <a:fld id="{4D723AB6-704A-42C8-AB51-31B091223600}" type="datetimeFigureOut">
               <a:rPr lang="en-GB" smtClean="0"/>
-              <a:t>05/05/2020</a:t>
+              <a:t>04/06/2020</a:t>
             </a:fld>
             <a:endParaRPr lang="en-GB"/>
           </a:p>
@@ -2466,7 +2472,7 @@
           <a:p>
             <a:fld id="{4D723AB6-704A-42C8-AB51-31B091223600}" type="datetimeFigureOut">
               <a:rPr lang="en-GB" smtClean="0"/>
-              <a:t>05/05/2020</a:t>
+              <a:t>04/06/2020</a:t>
             </a:fld>
             <a:endParaRPr lang="en-GB"/>
           </a:p>
@@ -2779,7 +2785,7 @@
           <a:p>
             <a:fld id="{4D723AB6-704A-42C8-AB51-31B091223600}" type="datetimeFigureOut">
               <a:rPr lang="en-GB" smtClean="0"/>
-              <a:t>05/05/2020</a:t>
+              <a:t>04/06/2020</a:t>
             </a:fld>
             <a:endParaRPr lang="en-GB"/>
           </a:p>
@@ -3068,7 +3074,7 @@
           <a:p>
             <a:fld id="{4D723AB6-704A-42C8-AB51-31B091223600}" type="datetimeFigureOut">
               <a:rPr lang="en-GB" smtClean="0"/>
-              <a:t>05/05/2020</a:t>
+              <a:t>04/06/2020</a:t>
             </a:fld>
             <a:endParaRPr lang="en-GB"/>
           </a:p>
@@ -3311,7 +3317,7 @@
           <a:p>
             <a:fld id="{4D723AB6-704A-42C8-AB51-31B091223600}" type="datetimeFigureOut">
               <a:rPr lang="en-GB" smtClean="0"/>
-              <a:t>05/05/2020</a:t>
+              <a:t>04/06/2020</a:t>
             </a:fld>
             <a:endParaRPr lang="en-GB"/>
           </a:p>
@@ -3792,7 +3798,7 @@
         <p:spPr>
           <a:xfrm>
             <a:off x="838200" y="1325563"/>
-            <a:ext cx="10515600" cy="5326907"/>
+            <a:ext cx="10515600" cy="4919125"/>
           </a:xfrm>
         </p:spPr>
         <p:txBody>
@@ -3804,31 +3810,7 @@
             <a:pPr marL="457200" lvl="1" indent="0">
               <a:buNone/>
             </a:pPr>
-            <a:endParaRPr lang="en-GB" sz="1600" dirty="0">
-              <a:latin typeface="Segoe UI" panose="020B0502040204020203" pitchFamily="34" charset="0"/>
-              <a:cs typeface="Segoe UI" panose="020B0502040204020203" pitchFamily="34" charset="0"/>
-            </a:endParaRPr>
-          </a:p>
-          <a:p>
-            <a:pPr marL="457200" lvl="1" indent="0">
-              <a:buNone/>
-            </a:pPr>
-            <a:r>
-              <a:rPr lang="en-GB" sz="4300" dirty="0">
-                <a:solidFill>
-                  <a:srgbClr val="2196F3"/>
-                </a:solidFill>
-                <a:latin typeface="Segoe UI" panose="020B0502040204020203" pitchFamily="34" charset="0"/>
-                <a:cs typeface="Segoe UI" panose="020B0502040204020203" pitchFamily="34" charset="0"/>
-              </a:rPr>
-              <a:t>Regular websites with features added progressively, defaulting to SAFE if not available in the user’s browser.</a:t>
-            </a:r>
-          </a:p>
-          <a:p>
-            <a:pPr marL="457200" lvl="1" indent="0">
-              <a:buNone/>
-            </a:pPr>
-            <a:endParaRPr lang="en-GB" sz="1800" dirty="0">
+            <a:endParaRPr lang="en-GB" sz="300" dirty="0">
               <a:solidFill>
                 <a:srgbClr val="2196F3"/>
               </a:solidFill>
@@ -3841,21 +3823,16 @@
               <a:buNone/>
             </a:pPr>
             <a:r>
-              <a:rPr lang="en-GB" sz="4300" dirty="0">
+              <a:rPr lang="en-GB" sz="4800" dirty="0">
                 <a:solidFill>
                   <a:srgbClr val="2196F3"/>
                 </a:solidFill>
                 <a:latin typeface="Segoe UI" panose="020B0502040204020203" pitchFamily="34" charset="0"/>
                 <a:cs typeface="Segoe UI" panose="020B0502040204020203" pitchFamily="34" charset="0"/>
               </a:rPr>
-              <a:t>Creates a native app look.</a:t>
-            </a:r>
-          </a:p>
-          <a:p>
-            <a:pPr marL="457200" lvl="1" indent="0">
-              <a:buNone/>
-            </a:pPr>
-            <a:endParaRPr lang="en-GB" sz="1800" dirty="0">
+              <a:t>Craig West</a:t>
+            </a:r>
+            <a:endParaRPr lang="en-GB" sz="1100" dirty="0">
               <a:solidFill>
                 <a:srgbClr val="2196F3"/>
               </a:solidFill>
@@ -3868,18 +3845,139 @@
               <a:buNone/>
             </a:pPr>
             <a:r>
-              <a:rPr lang="en-GB" sz="4300" dirty="0">
+              <a:rPr lang="en-GB" sz="4000" dirty="0">
                 <a:solidFill>
                   <a:srgbClr val="2196F3"/>
                 </a:solidFill>
                 <a:latin typeface="Segoe UI" panose="020B0502040204020203" pitchFamily="34" charset="0"/>
                 <a:cs typeface="Segoe UI" panose="020B0502040204020203" pitchFamily="34" charset="0"/>
               </a:rPr>
-              <a:t>Enable offline use.</a:t>
-            </a:r>
-            <a:endParaRPr lang="en-GB" sz="3600" dirty="0">
+              <a:t>Feel free to contact me: </a:t>
+            </a:r>
+            <a:r>
+              <a:rPr lang="en-GB" sz="4000" b="1" dirty="0">
+                <a:solidFill>
+                  <a:srgbClr val="FFC000"/>
+                </a:solidFill>
+                <a:latin typeface="Segoe UI" panose="020B0502040204020203" pitchFamily="34" charset="0"/>
+                <a:cs typeface="Segoe UI" panose="020B0502040204020203" pitchFamily="34" charset="0"/>
+                <a:hlinkClick r:id="rId2"/>
+              </a:rPr>
+              <a:t>craig@wpjs.co.uk</a:t>
+            </a:r>
+            <a:endParaRPr lang="en-GB" sz="600" b="1" dirty="0">
+              <a:solidFill>
+                <a:srgbClr val="FFC000"/>
+              </a:solidFill>
+              <a:latin typeface="Segoe UI" panose="020B0502040204020203" pitchFamily="34" charset="0"/>
+              <a:cs typeface="Segoe UI" panose="020B0502040204020203" pitchFamily="34" charset="0"/>
+            </a:endParaRPr>
+          </a:p>
+          <a:p>
+            <a:pPr marL="457200" lvl="1" indent="0">
+              <a:buNone/>
+            </a:pPr>
+            <a:endParaRPr lang="en-GB" sz="300" dirty="0">
               <a:solidFill>
                 <a:srgbClr val="2196F3"/>
+              </a:solidFill>
+              <a:latin typeface="Segoe UI" panose="020B0502040204020203" pitchFamily="34" charset="0"/>
+              <a:cs typeface="Segoe UI" panose="020B0502040204020203" pitchFamily="34" charset="0"/>
+            </a:endParaRPr>
+          </a:p>
+          <a:p>
+            <a:pPr marL="457200" lvl="1" indent="0">
+              <a:buNone/>
+            </a:pPr>
+            <a:endParaRPr lang="en-GB" b="1">
+              <a:solidFill>
+                <a:srgbClr val="2196F3"/>
+              </a:solidFill>
+              <a:latin typeface="Segoe UI" panose="020B0502040204020203" pitchFamily="34" charset="0"/>
+              <a:cs typeface="Segoe UI" panose="020B0502040204020203" pitchFamily="34" charset="0"/>
+            </a:endParaRPr>
+          </a:p>
+          <a:p>
+            <a:pPr marL="457200" lvl="1" indent="0">
+              <a:buNone/>
+            </a:pPr>
+            <a:r>
+              <a:rPr lang="en-GB" b="1">
+                <a:solidFill>
+                  <a:srgbClr val="2196F3"/>
+                </a:solidFill>
+                <a:latin typeface="Segoe UI" panose="020B0502040204020203" pitchFamily="34" charset="0"/>
+                <a:cs typeface="Segoe UI" panose="020B0502040204020203" pitchFamily="34" charset="0"/>
+              </a:rPr>
+              <a:t>RESOURCE </a:t>
+            </a:r>
+            <a:r>
+              <a:rPr lang="en-GB" b="1" dirty="0">
+                <a:solidFill>
+                  <a:srgbClr val="2196F3"/>
+                </a:solidFill>
+                <a:latin typeface="Segoe UI" panose="020B0502040204020203" pitchFamily="34" charset="0"/>
+                <a:cs typeface="Segoe UI" panose="020B0502040204020203" pitchFamily="34" charset="0"/>
+              </a:rPr>
+              <a:t>PACK with course files, handbook, slides:</a:t>
+            </a:r>
+          </a:p>
+          <a:p>
+            <a:pPr marL="457200" lvl="1" indent="0">
+              <a:buNone/>
+            </a:pPr>
+            <a:endParaRPr lang="en-GB" sz="200" b="1" dirty="0">
+              <a:solidFill>
+                <a:srgbClr val="2196F3"/>
+              </a:solidFill>
+              <a:latin typeface="Segoe UI" panose="020B0502040204020203" pitchFamily="34" charset="0"/>
+              <a:cs typeface="Segoe UI" panose="020B0502040204020203" pitchFamily="34" charset="0"/>
+            </a:endParaRPr>
+          </a:p>
+          <a:p>
+            <a:pPr lvl="1"/>
+            <a:r>
+              <a:rPr lang="en-GB" sz="3200" dirty="0">
+                <a:hlinkClick r:id="rId3"/>
+              </a:rPr>
+              <a:t>https://github.com/iwswordpress/pwa</a:t>
+            </a:r>
+            <a:endParaRPr lang="en-GB" sz="3200" dirty="0"/>
+          </a:p>
+          <a:p>
+            <a:pPr lvl="1"/>
+            <a:r>
+              <a:rPr lang="en-GB" sz="3200" b="1" dirty="0">
+                <a:solidFill>
+                  <a:srgbClr val="FF0000"/>
+                </a:solidFill>
+                <a:latin typeface="Segoe UI" panose="020B0502040204020203" pitchFamily="34" charset="0"/>
+                <a:cs typeface="Segoe UI" panose="020B0502040204020203" pitchFamily="34" charset="0"/>
+                <a:hlinkClick r:id="rId4">
+                  <a:extLst>
+                    <a:ext uri="{A12FA001-AC4F-418D-AE19-62706E023703}">
+                      <ahyp:hlinkClr xmlns:ahyp="http://schemas.microsoft.com/office/drawing/2018/hyperlinkcolor" val="tx"/>
+                    </a:ext>
+                  </a:extLst>
+                </a:hlinkClick>
+              </a:rPr>
+              <a:t>https://wpjs.co.uk/pwa.zip</a:t>
+            </a:r>
+            <a:endParaRPr lang="en-GB" sz="3200" b="1" dirty="0">
+              <a:solidFill>
+                <a:srgbClr val="FF0000"/>
+              </a:solidFill>
+              <a:latin typeface="Segoe UI" panose="020B0502040204020203" pitchFamily="34" charset="0"/>
+              <a:cs typeface="Segoe UI" panose="020B0502040204020203" pitchFamily="34" charset="0"/>
+            </a:endParaRPr>
+          </a:p>
+          <a:p>
+            <a:pPr marL="457200" lvl="1" indent="0">
+              <a:buNone/>
+            </a:pPr>
+            <a:endParaRPr lang="en-GB" sz="1400" b="1" dirty="0">
+              <a:solidFill>
+                <a:srgbClr val="FF0000"/>
               </a:solidFill>
               <a:latin typeface="Segoe UI" panose="020B0502040204020203" pitchFamily="34" charset="0"/>
               <a:cs typeface="Segoe UI" panose="020B0502040204020203" pitchFamily="34" charset="0"/>
@@ -3902,18 +4000,6 @@
               <a:buNone/>
             </a:pPr>
             <a:endParaRPr lang="en-GB" sz="6700" dirty="0">
-              <a:solidFill>
-                <a:srgbClr val="2196F3"/>
-              </a:solidFill>
-              <a:latin typeface="Segoe UI" panose="020B0502040204020203" pitchFamily="34" charset="0"/>
-              <a:cs typeface="Segoe UI" panose="020B0502040204020203" pitchFamily="34" charset="0"/>
-            </a:endParaRPr>
-          </a:p>
-          <a:p>
-            <a:pPr marL="457200" lvl="1" indent="0">
-              <a:buNone/>
-            </a:pPr>
-            <a:endParaRPr lang="en-GB" sz="6700" dirty="0">
               <a:latin typeface="Segoe UI" panose="020B0502040204020203" pitchFamily="34" charset="0"/>
               <a:cs typeface="Segoe UI" panose="020B0502040204020203" pitchFamily="34" charset="0"/>
             </a:endParaRPr>
@@ -3938,7 +4024,7 @@
     </p:spTree>
     <p:extLst>
       <p:ext uri="{BB962C8B-B14F-4D97-AF65-F5344CB8AC3E}">
-        <p14:creationId xmlns:p14="http://schemas.microsoft.com/office/powerpoint/2010/main" val="520367034"/>
+        <p14:creationId xmlns:p14="http://schemas.microsoft.com/office/powerpoint/2010/main" val="3130116363"/>
       </p:ext>
     </p:extLst>
   </p:cSld>
@@ -3967,211 +4053,10 @@
       </p:grpSpPr>
       <p:sp>
         <p:nvSpPr>
-          <p:cNvPr id="3" name="Content Placeholder 2">
-            <a:extLst>
-              <a:ext uri="{FF2B5EF4-FFF2-40B4-BE49-F238E27FC236}">
-                <a16:creationId xmlns:a16="http://schemas.microsoft.com/office/drawing/2014/main" id="{380A49C7-87C7-4B50-A695-2297B5304E7B}"/>
-              </a:ext>
-            </a:extLst>
-          </p:cNvPr>
-          <p:cNvSpPr>
-            <a:spLocks noGrp="1"/>
-          </p:cNvSpPr>
-          <p:nvPr>
-            <p:ph idx="1"/>
-          </p:nvPr>
-        </p:nvSpPr>
-        <p:spPr>
-          <a:xfrm>
-            <a:off x="838200" y="1325563"/>
-            <a:ext cx="10515600" cy="4989511"/>
-          </a:xfrm>
-        </p:spPr>
-        <p:txBody>
-          <a:bodyPr>
-            <a:normAutofit/>
-          </a:bodyPr>
-          <a:lstStyle/>
-          <a:p>
-            <a:pPr marL="0" indent="0">
-              <a:buNone/>
-            </a:pPr>
-            <a:endParaRPr lang="en-GB" sz="900" dirty="0">
-              <a:solidFill>
-                <a:srgbClr val="2196F3"/>
-              </a:solidFill>
-              <a:latin typeface="Segoe UI" panose="020B0502040204020203" pitchFamily="34" charset="0"/>
-              <a:cs typeface="Segoe UI" panose="020B0502040204020203" pitchFamily="34" charset="0"/>
-            </a:endParaRPr>
-          </a:p>
-          <a:p>
-            <a:pPr marL="0" indent="0">
-              <a:buNone/>
-            </a:pPr>
-            <a:r>
-              <a:rPr lang="en-GB" sz="3600" dirty="0">
-                <a:solidFill>
-                  <a:srgbClr val="2196F3"/>
-                </a:solidFill>
-                <a:latin typeface="Segoe UI" panose="020B0502040204020203" pitchFamily="34" charset="0"/>
-                <a:cs typeface="Segoe UI" panose="020B0502040204020203" pitchFamily="34" charset="0"/>
-              </a:rPr>
-              <a:t>REALISATIC OUTCOMES:</a:t>
-            </a:r>
-          </a:p>
-          <a:p>
-            <a:pPr>
-              <a:lnSpc>
-                <a:spcPts val="4500"/>
-              </a:lnSpc>
-            </a:pPr>
-            <a:r>
-              <a:rPr lang="en-GB" sz="3600" dirty="0">
-                <a:solidFill>
-                  <a:srgbClr val="2196F3"/>
-                </a:solidFill>
-                <a:latin typeface="Segoe UI" panose="020B0502040204020203" pitchFamily="34" charset="0"/>
-                <a:cs typeface="Segoe UI" panose="020B0502040204020203" pitchFamily="34" charset="0"/>
-              </a:rPr>
-              <a:t>To give an overview of PWA architecture.</a:t>
-            </a:r>
-          </a:p>
-          <a:p>
-            <a:pPr>
-              <a:lnSpc>
-                <a:spcPts val="4500"/>
-              </a:lnSpc>
-            </a:pPr>
-            <a:r>
-              <a:rPr lang="en-GB" sz="3600" dirty="0">
-                <a:solidFill>
-                  <a:srgbClr val="2196F3"/>
-                </a:solidFill>
-                <a:latin typeface="Segoe UI" panose="020B0502040204020203" pitchFamily="34" charset="0"/>
-                <a:cs typeface="Segoe UI" panose="020B0502040204020203" pitchFamily="34" charset="0"/>
-              </a:rPr>
-              <a:t>Prepare you to use all the resources after the workshop if you want to develop your PWA skills.</a:t>
-            </a:r>
-          </a:p>
-          <a:p>
-            <a:pPr>
-              <a:lnSpc>
-                <a:spcPts val="4500"/>
-              </a:lnSpc>
-            </a:pPr>
-            <a:r>
-              <a:rPr lang="en-GB" sz="3600" dirty="0">
-                <a:solidFill>
-                  <a:srgbClr val="2196F3"/>
-                </a:solidFill>
-                <a:latin typeface="Segoe UI" panose="020B0502040204020203" pitchFamily="34" charset="0"/>
-                <a:cs typeface="Segoe UI" panose="020B0502040204020203" pitchFamily="34" charset="0"/>
-              </a:rPr>
-              <a:t>Work though the sample PWA to see what is needed to create a PWA.</a:t>
-            </a:r>
-          </a:p>
-          <a:p>
-            <a:pPr>
-              <a:lnSpc>
-                <a:spcPts val="4500"/>
-              </a:lnSpc>
-            </a:pPr>
-            <a:r>
-              <a:rPr lang="en-GB" sz="3600" dirty="0">
-                <a:solidFill>
-                  <a:srgbClr val="2196F3"/>
-                </a:solidFill>
-                <a:latin typeface="Segoe UI" panose="020B0502040204020203" pitchFamily="34" charset="0"/>
-                <a:cs typeface="Segoe UI" panose="020B0502040204020203" pitchFamily="34" charset="0"/>
-              </a:rPr>
-              <a:t>A ‘show </a:t>
-            </a:r>
-            <a:r>
-              <a:rPr lang="en-GB" sz="3600">
-                <a:solidFill>
-                  <a:srgbClr val="2196F3"/>
-                </a:solidFill>
-                <a:latin typeface="Segoe UI" panose="020B0502040204020203" pitchFamily="34" charset="0"/>
-                <a:cs typeface="Segoe UI" panose="020B0502040204020203" pitchFamily="34" charset="0"/>
-              </a:rPr>
-              <a:t>and tell’…</a:t>
-            </a:r>
-            <a:endParaRPr lang="en-GB" sz="4700" dirty="0">
-              <a:solidFill>
-                <a:srgbClr val="2196F3"/>
-              </a:solidFill>
-              <a:latin typeface="Segoe UI" panose="020B0502040204020203" pitchFamily="34" charset="0"/>
-              <a:cs typeface="Segoe UI" panose="020B0502040204020203" pitchFamily="34" charset="0"/>
-            </a:endParaRPr>
-          </a:p>
-          <a:p>
-            <a:pPr marL="0" indent="0">
-              <a:buNone/>
-            </a:pPr>
-            <a:endParaRPr lang="en-GB" sz="3600" i="1" dirty="0">
-              <a:solidFill>
-                <a:srgbClr val="2196F3"/>
-              </a:solidFill>
-              <a:latin typeface="Segoe UI" panose="020B0502040204020203" pitchFamily="34" charset="0"/>
-              <a:cs typeface="Segoe UI" panose="020B0502040204020203" pitchFamily="34" charset="0"/>
-            </a:endParaRPr>
-          </a:p>
-          <a:p>
-            <a:pPr marL="0" indent="0">
-              <a:buNone/>
-            </a:pPr>
-            <a:endParaRPr lang="en-GB" sz="1400" dirty="0">
-              <a:solidFill>
-                <a:srgbClr val="2196F3"/>
-              </a:solidFill>
-              <a:latin typeface="Segoe UI" panose="020B0502040204020203" pitchFamily="34" charset="0"/>
-              <a:cs typeface="Segoe UI" panose="020B0502040204020203" pitchFamily="34" charset="0"/>
-            </a:endParaRPr>
-          </a:p>
-          <a:p>
-            <a:pPr marL="0" indent="0">
-              <a:buNone/>
-            </a:pPr>
-            <a:endParaRPr lang="en-GB" i="1" dirty="0">
-              <a:solidFill>
-                <a:srgbClr val="2196F3"/>
-              </a:solidFill>
-              <a:latin typeface="Segoe UI" panose="020B0502040204020203" pitchFamily="34" charset="0"/>
-              <a:cs typeface="Segoe UI" panose="020B0502040204020203" pitchFamily="34" charset="0"/>
-            </a:endParaRPr>
-          </a:p>
-          <a:p>
-            <a:endParaRPr lang="en-GB" dirty="0">
-              <a:latin typeface="Segoe UI" panose="020B0502040204020203" pitchFamily="34" charset="0"/>
-              <a:cs typeface="Segoe UI" panose="020B0502040204020203" pitchFamily="34" charset="0"/>
-            </a:endParaRPr>
-          </a:p>
-          <a:p>
-            <a:endParaRPr lang="en-GB" dirty="0">
-              <a:latin typeface="Segoe UI" panose="020B0502040204020203" pitchFamily="34" charset="0"/>
-              <a:cs typeface="Segoe UI" panose="020B0502040204020203" pitchFamily="34" charset="0"/>
-            </a:endParaRPr>
-          </a:p>
-          <a:p>
-            <a:endParaRPr lang="en-GB" dirty="0">
-              <a:latin typeface="Segoe UI" panose="020B0502040204020203" pitchFamily="34" charset="0"/>
-              <a:cs typeface="Segoe UI" panose="020B0502040204020203" pitchFamily="34" charset="0"/>
-            </a:endParaRPr>
-          </a:p>
-          <a:p>
-            <a:endParaRPr lang="en-GB" dirty="0">
-              <a:latin typeface="Segoe UI" panose="020B0502040204020203" pitchFamily="34" charset="0"/>
-              <a:cs typeface="Segoe UI" panose="020B0502040204020203" pitchFamily="34" charset="0"/>
-            </a:endParaRPr>
-          </a:p>
-        </p:txBody>
-      </p:sp>
-      <p:sp>
-        <p:nvSpPr>
-          <p:cNvPr id="6" name="Title 1">
-            <a:extLst>
-              <a:ext uri="{FF2B5EF4-FFF2-40B4-BE49-F238E27FC236}">
-                <a16:creationId xmlns:a16="http://schemas.microsoft.com/office/drawing/2014/main" id="{A9FE3B7A-AB00-444C-B7E7-EA48B7D72F9E}"/>
+          <p:cNvPr id="2" name="Title 1">
+            <a:extLst>
+              <a:ext uri="{FF2B5EF4-FFF2-40B4-BE49-F238E27FC236}">
+                <a16:creationId xmlns:a16="http://schemas.microsoft.com/office/drawing/2014/main" id="{5D7568B3-EC9A-45DD-8A17-CFE685194B65}"/>
               </a:ext>
             </a:extLst>
           </p:cNvPr>
@@ -4206,15 +4091,195 @@
                 <a:latin typeface="Segoe UI" panose="020B0502040204020203" pitchFamily="34" charset="0"/>
                 <a:cs typeface="Segoe UI" panose="020B0502040204020203" pitchFamily="34" charset="0"/>
               </a:rPr>
-              <a:t>Purpose of workshop</a:t>
-            </a:r>
+              <a:t>PROGRESSIVE WEB APPS</a:t>
+            </a:r>
+          </a:p>
+        </p:txBody>
+      </p:sp>
+      <p:sp>
+        <p:nvSpPr>
+          <p:cNvPr id="4" name="Content Placeholder 2">
+            <a:extLst>
+              <a:ext uri="{FF2B5EF4-FFF2-40B4-BE49-F238E27FC236}">
+                <a16:creationId xmlns:a16="http://schemas.microsoft.com/office/drawing/2014/main" id="{088CCB65-11B4-408B-9ED3-1304FE85032F}"/>
+              </a:ext>
+            </a:extLst>
+          </p:cNvPr>
+          <p:cNvSpPr>
+            <a:spLocks noGrp="1"/>
+          </p:cNvSpPr>
+          <p:nvPr>
+            <p:ph idx="1"/>
+          </p:nvPr>
+        </p:nvSpPr>
+        <p:spPr>
+          <a:xfrm>
+            <a:off x="838200" y="1325563"/>
+            <a:ext cx="10515600" cy="5326907"/>
+          </a:xfrm>
+        </p:spPr>
+        <p:txBody>
+          <a:bodyPr wrap="square" bIns="252000">
+            <a:normAutofit/>
+          </a:bodyPr>
+          <a:lstStyle/>
+          <a:p>
+            <a:pPr marL="457200" lvl="1" indent="0">
+              <a:buNone/>
+            </a:pPr>
+            <a:endParaRPr lang="en-GB" sz="1600" i="1" dirty="0">
+              <a:solidFill>
+                <a:srgbClr val="FF0000"/>
+              </a:solidFill>
+              <a:latin typeface="Segoe UI" panose="020B0502040204020203" pitchFamily="34" charset="0"/>
+              <a:cs typeface="Segoe UI" panose="020B0502040204020203" pitchFamily="34" charset="0"/>
+            </a:endParaRPr>
+          </a:p>
+          <a:p>
+            <a:pPr marL="457200" lvl="1" indent="0">
+              <a:buNone/>
+            </a:pPr>
+            <a:r>
+              <a:rPr lang="en-GB" sz="4300" i="1" dirty="0">
+                <a:solidFill>
+                  <a:srgbClr val="FF0000"/>
+                </a:solidFill>
+                <a:latin typeface="Segoe UI" panose="020B0502040204020203" pitchFamily="34" charset="0"/>
+                <a:cs typeface="Segoe UI" panose="020B0502040204020203" pitchFamily="34" charset="0"/>
+              </a:rPr>
+              <a:t>‘Progressive Enhancement…’</a:t>
+            </a:r>
+          </a:p>
+          <a:p>
+            <a:pPr marL="457200" lvl="1" indent="0">
+              <a:buNone/>
+            </a:pPr>
+            <a:r>
+              <a:rPr lang="en-GB" sz="4300" dirty="0">
+                <a:solidFill>
+                  <a:srgbClr val="2196F3"/>
+                </a:solidFill>
+                <a:latin typeface="Segoe UI" panose="020B0502040204020203" pitchFamily="34" charset="0"/>
+                <a:cs typeface="Segoe UI" panose="020B0502040204020203" pitchFamily="34" charset="0"/>
+              </a:rPr>
+              <a:t>Regular websites with features added progressively, defaulting to SAFE if not available in the user’s browser.</a:t>
+            </a:r>
+          </a:p>
+          <a:p>
+            <a:pPr marL="457200" lvl="1" indent="0">
+              <a:buNone/>
+            </a:pPr>
+            <a:endParaRPr lang="en-GB" sz="1800" dirty="0">
+              <a:solidFill>
+                <a:srgbClr val="2196F3"/>
+              </a:solidFill>
+              <a:latin typeface="Segoe UI" panose="020B0502040204020203" pitchFamily="34" charset="0"/>
+              <a:cs typeface="Segoe UI" panose="020B0502040204020203" pitchFamily="34" charset="0"/>
+            </a:endParaRPr>
+          </a:p>
+          <a:p>
+            <a:pPr marL="457200" lvl="1" indent="0">
+              <a:buNone/>
+            </a:pPr>
+            <a:r>
+              <a:rPr lang="en-GB" sz="4300" dirty="0">
+                <a:solidFill>
+                  <a:srgbClr val="2196F3"/>
+                </a:solidFill>
+                <a:latin typeface="Segoe UI" panose="020B0502040204020203" pitchFamily="34" charset="0"/>
+                <a:cs typeface="Segoe UI" panose="020B0502040204020203" pitchFamily="34" charset="0"/>
+              </a:rPr>
+              <a:t>Can be used to create a native app look.</a:t>
+            </a:r>
+          </a:p>
+          <a:p>
+            <a:pPr marL="457200" lvl="1" indent="0">
+              <a:buNone/>
+            </a:pPr>
+            <a:endParaRPr lang="en-GB" sz="1800" dirty="0">
+              <a:solidFill>
+                <a:srgbClr val="2196F3"/>
+              </a:solidFill>
+              <a:latin typeface="Segoe UI" panose="020B0502040204020203" pitchFamily="34" charset="0"/>
+              <a:cs typeface="Segoe UI" panose="020B0502040204020203" pitchFamily="34" charset="0"/>
+            </a:endParaRPr>
+          </a:p>
+          <a:p>
+            <a:pPr marL="457200" lvl="1" indent="0">
+              <a:buNone/>
+            </a:pPr>
+            <a:r>
+              <a:rPr lang="en-GB" sz="4300" dirty="0">
+                <a:solidFill>
+                  <a:srgbClr val="2196F3"/>
+                </a:solidFill>
+                <a:latin typeface="Segoe UI" panose="020B0502040204020203" pitchFamily="34" charset="0"/>
+                <a:cs typeface="Segoe UI" panose="020B0502040204020203" pitchFamily="34" charset="0"/>
+              </a:rPr>
+              <a:t>Enable offline use. ‘Instant’ pages.</a:t>
+            </a:r>
+            <a:endParaRPr lang="en-GB" sz="3600" dirty="0">
+              <a:solidFill>
+                <a:srgbClr val="2196F3"/>
+              </a:solidFill>
+              <a:latin typeface="Segoe UI" panose="020B0502040204020203" pitchFamily="34" charset="0"/>
+              <a:cs typeface="Segoe UI" panose="020B0502040204020203" pitchFamily="34" charset="0"/>
+            </a:endParaRPr>
+          </a:p>
+          <a:p>
+            <a:pPr marL="457200" lvl="1" indent="0">
+              <a:buNone/>
+            </a:pPr>
+            <a:endParaRPr lang="en-GB" sz="6700" dirty="0">
+              <a:solidFill>
+                <a:srgbClr val="2196F3"/>
+              </a:solidFill>
+              <a:latin typeface="Segoe UI" panose="020B0502040204020203" pitchFamily="34" charset="0"/>
+              <a:cs typeface="Segoe UI" panose="020B0502040204020203" pitchFamily="34" charset="0"/>
+            </a:endParaRPr>
+          </a:p>
+          <a:p>
+            <a:pPr marL="457200" lvl="1" indent="0">
+              <a:buNone/>
+            </a:pPr>
+            <a:endParaRPr lang="en-GB" sz="6700" dirty="0">
+              <a:solidFill>
+                <a:srgbClr val="2196F3"/>
+              </a:solidFill>
+              <a:latin typeface="Segoe UI" panose="020B0502040204020203" pitchFamily="34" charset="0"/>
+              <a:cs typeface="Segoe UI" panose="020B0502040204020203" pitchFamily="34" charset="0"/>
+            </a:endParaRPr>
+          </a:p>
+          <a:p>
+            <a:pPr marL="457200" lvl="1" indent="0">
+              <a:buNone/>
+            </a:pPr>
+            <a:endParaRPr lang="en-GB" sz="6700" dirty="0">
+              <a:latin typeface="Segoe UI" panose="020B0502040204020203" pitchFamily="34" charset="0"/>
+              <a:cs typeface="Segoe UI" panose="020B0502040204020203" pitchFamily="34" charset="0"/>
+            </a:endParaRPr>
+          </a:p>
+          <a:p>
+            <a:pPr marL="0" indent="0">
+              <a:buNone/>
+            </a:pPr>
+            <a:endParaRPr lang="en-GB" dirty="0">
+              <a:latin typeface="Segoe UI" panose="020B0502040204020203" pitchFamily="34" charset="0"/>
+              <a:cs typeface="Segoe UI" panose="020B0502040204020203" pitchFamily="34" charset="0"/>
+            </a:endParaRPr>
+          </a:p>
+          <a:p>
+            <a:endParaRPr lang="en-GB" dirty="0">
+              <a:latin typeface="Segoe UI" panose="020B0502040204020203" pitchFamily="34" charset="0"/>
+              <a:cs typeface="Segoe UI" panose="020B0502040204020203" pitchFamily="34" charset="0"/>
+            </a:endParaRPr>
           </a:p>
         </p:txBody>
       </p:sp>
     </p:spTree>
     <p:extLst>
       <p:ext uri="{BB962C8B-B14F-4D97-AF65-F5344CB8AC3E}">
-        <p14:creationId xmlns:p14="http://schemas.microsoft.com/office/powerpoint/2010/main" val="653117765"/>
+        <p14:creationId xmlns:p14="http://schemas.microsoft.com/office/powerpoint/2010/main" val="520367034"/>
       </p:ext>
     </p:extLst>
   </p:cSld>
@@ -4241,665 +4306,223 @@
           <a:chExt cx="0" cy="0"/>
         </a:xfrm>
       </p:grpSpPr>
-      <p:pic>
-        <p:nvPicPr>
-          <p:cNvPr id="16" name="Picture 15" descr="A close up of a typewriter&#10;&#10;Description automatically generated">
-            <a:extLst>
-              <a:ext uri="{FF2B5EF4-FFF2-40B4-BE49-F238E27FC236}">
-                <a16:creationId xmlns:a16="http://schemas.microsoft.com/office/drawing/2014/main" id="{16FE7CA4-EC3F-42CD-BDD7-9DB299CE9A72}"/>
-              </a:ext>
-            </a:extLst>
-          </p:cNvPr>
-          <p:cNvPicPr>
-            <a:picLocks noChangeAspect="1"/>
-          </p:cNvPicPr>
-          <p:nvPr/>
-        </p:nvPicPr>
-        <p:blipFill>
-          <a:blip r:embed="rId2">
-            <a:extLst>
-              <a:ext uri="{28A0092B-C50C-407E-A947-70E740481C1C}">
-                <a14:useLocalDpi xmlns:a14="http://schemas.microsoft.com/office/drawing/2010/main" val="0"/>
-              </a:ext>
-            </a:extLst>
-          </a:blip>
-          <a:stretch>
-            <a:fillRect/>
-          </a:stretch>
-        </p:blipFill>
+      <p:sp>
+        <p:nvSpPr>
+          <p:cNvPr id="3" name="Content Placeholder 2">
+            <a:extLst>
+              <a:ext uri="{FF2B5EF4-FFF2-40B4-BE49-F238E27FC236}">
+                <a16:creationId xmlns:a16="http://schemas.microsoft.com/office/drawing/2014/main" id="{380A49C7-87C7-4B50-A695-2297B5304E7B}"/>
+              </a:ext>
+            </a:extLst>
+          </p:cNvPr>
+          <p:cNvSpPr>
+            <a:spLocks noGrp="1"/>
+          </p:cNvSpPr>
+          <p:nvPr>
+            <p:ph idx="1"/>
+          </p:nvPr>
+        </p:nvSpPr>
         <p:spPr>
           <a:xfrm>
-            <a:off x="713859" y="2405825"/>
-            <a:ext cx="2068860" cy="2762035"/>
+            <a:off x="838200" y="1325563"/>
+            <a:ext cx="10515600" cy="4989511"/>
           </a:xfrm>
-          <a:prstGeom prst="rect">
-            <a:avLst/>
-          </a:prstGeom>
         </p:spPr>
-      </p:pic>
-      <p:pic>
-        <p:nvPicPr>
-          <p:cNvPr id="19" name="Picture 18" descr="A picture containing wall, indoor, table, cup&#10;&#10;Description automatically generated">
-            <a:extLst>
-              <a:ext uri="{FF2B5EF4-FFF2-40B4-BE49-F238E27FC236}">
-                <a16:creationId xmlns:a16="http://schemas.microsoft.com/office/drawing/2014/main" id="{CC8D6E43-818C-421B-8A10-E6255328A2FA}"/>
-              </a:ext>
-            </a:extLst>
-          </p:cNvPr>
-          <p:cNvPicPr>
-            <a:picLocks noChangeAspect="1"/>
-          </p:cNvPicPr>
-          <p:nvPr/>
-        </p:nvPicPr>
-        <p:blipFill>
-          <a:blip r:embed="rId3">
-            <a:extLst>
-              <a:ext uri="{28A0092B-C50C-407E-A947-70E740481C1C}">
-                <a14:useLocalDpi xmlns:a14="http://schemas.microsoft.com/office/drawing/2010/main" val="0"/>
-              </a:ext>
-            </a:extLst>
-          </a:blip>
-          <a:stretch>
-            <a:fillRect/>
-          </a:stretch>
-        </p:blipFill>
+        <p:txBody>
+          <a:bodyPr>
+            <a:normAutofit/>
+          </a:bodyPr>
+          <a:lstStyle/>
+          <a:p>
+            <a:pPr marL="0" indent="0">
+              <a:buNone/>
+            </a:pPr>
+            <a:endParaRPr lang="en-GB" sz="900" dirty="0">
+              <a:solidFill>
+                <a:srgbClr val="2196F3"/>
+              </a:solidFill>
+              <a:latin typeface="Segoe UI" panose="020B0502040204020203" pitchFamily="34" charset="0"/>
+              <a:cs typeface="Segoe UI" panose="020B0502040204020203" pitchFamily="34" charset="0"/>
+            </a:endParaRPr>
+          </a:p>
+          <a:p>
+            <a:pPr>
+              <a:lnSpc>
+                <a:spcPts val="4500"/>
+              </a:lnSpc>
+            </a:pPr>
+            <a:r>
+              <a:rPr lang="en-GB" sz="3600" dirty="0">
+                <a:solidFill>
+                  <a:srgbClr val="2196F3"/>
+                </a:solidFill>
+                <a:latin typeface="Segoe UI" panose="020B0502040204020203" pitchFamily="34" charset="0"/>
+                <a:cs typeface="Segoe UI" panose="020B0502040204020203" pitchFamily="34" charset="0"/>
+              </a:rPr>
+              <a:t>To give an overview of PWA architecture.</a:t>
+            </a:r>
+          </a:p>
+          <a:p>
+            <a:pPr>
+              <a:lnSpc>
+                <a:spcPts val="4500"/>
+              </a:lnSpc>
+            </a:pPr>
+            <a:r>
+              <a:rPr lang="en-GB" sz="3600" dirty="0">
+                <a:solidFill>
+                  <a:srgbClr val="2196F3"/>
+                </a:solidFill>
+                <a:latin typeface="Segoe UI" panose="020B0502040204020203" pitchFamily="34" charset="0"/>
+                <a:cs typeface="Segoe UI" panose="020B0502040204020203" pitchFamily="34" charset="0"/>
+              </a:rPr>
+              <a:t>Prepare you to use all the resources after the workshop if you want to develop your PWA skills.</a:t>
+            </a:r>
+          </a:p>
+          <a:p>
+            <a:pPr>
+              <a:lnSpc>
+                <a:spcPts val="4500"/>
+              </a:lnSpc>
+            </a:pPr>
+            <a:r>
+              <a:rPr lang="en-GB" sz="3600" dirty="0">
+                <a:solidFill>
+                  <a:srgbClr val="2196F3"/>
+                </a:solidFill>
+                <a:latin typeface="Segoe UI" panose="020B0502040204020203" pitchFamily="34" charset="0"/>
+                <a:cs typeface="Segoe UI" panose="020B0502040204020203" pitchFamily="34" charset="0"/>
+              </a:rPr>
+              <a:t>Work though the sample PWA to see what is needed to create a PWA.</a:t>
+            </a:r>
+          </a:p>
+          <a:p>
+            <a:pPr>
+              <a:lnSpc>
+                <a:spcPts val="4500"/>
+              </a:lnSpc>
+            </a:pPr>
+            <a:r>
+              <a:rPr lang="en-GB" sz="3600" dirty="0">
+                <a:solidFill>
+                  <a:srgbClr val="2196F3"/>
+                </a:solidFill>
+                <a:latin typeface="Segoe UI" panose="020B0502040204020203" pitchFamily="34" charset="0"/>
+                <a:cs typeface="Segoe UI" panose="020B0502040204020203" pitchFamily="34" charset="0"/>
+              </a:rPr>
+              <a:t>A ‘show and tell’…</a:t>
+            </a:r>
+            <a:endParaRPr lang="en-GB" sz="4700" dirty="0">
+              <a:solidFill>
+                <a:srgbClr val="2196F3"/>
+              </a:solidFill>
+              <a:latin typeface="Segoe UI" panose="020B0502040204020203" pitchFamily="34" charset="0"/>
+              <a:cs typeface="Segoe UI" panose="020B0502040204020203" pitchFamily="34" charset="0"/>
+            </a:endParaRPr>
+          </a:p>
+          <a:p>
+            <a:pPr marL="0" indent="0">
+              <a:buNone/>
+            </a:pPr>
+            <a:endParaRPr lang="en-GB" sz="3600" i="1" dirty="0">
+              <a:solidFill>
+                <a:srgbClr val="2196F3"/>
+              </a:solidFill>
+              <a:latin typeface="Segoe UI" panose="020B0502040204020203" pitchFamily="34" charset="0"/>
+              <a:cs typeface="Segoe UI" panose="020B0502040204020203" pitchFamily="34" charset="0"/>
+            </a:endParaRPr>
+          </a:p>
+          <a:p>
+            <a:pPr marL="0" indent="0">
+              <a:buNone/>
+            </a:pPr>
+            <a:endParaRPr lang="en-GB" sz="1400" dirty="0">
+              <a:solidFill>
+                <a:srgbClr val="2196F3"/>
+              </a:solidFill>
+              <a:latin typeface="Segoe UI" panose="020B0502040204020203" pitchFamily="34" charset="0"/>
+              <a:cs typeface="Segoe UI" panose="020B0502040204020203" pitchFamily="34" charset="0"/>
+            </a:endParaRPr>
+          </a:p>
+          <a:p>
+            <a:pPr marL="0" indent="0">
+              <a:buNone/>
+            </a:pPr>
+            <a:endParaRPr lang="en-GB" i="1" dirty="0">
+              <a:solidFill>
+                <a:srgbClr val="2196F3"/>
+              </a:solidFill>
+              <a:latin typeface="Segoe UI" panose="020B0502040204020203" pitchFamily="34" charset="0"/>
+              <a:cs typeface="Segoe UI" panose="020B0502040204020203" pitchFamily="34" charset="0"/>
+            </a:endParaRPr>
+          </a:p>
+          <a:p>
+            <a:endParaRPr lang="en-GB" dirty="0">
+              <a:latin typeface="Segoe UI" panose="020B0502040204020203" pitchFamily="34" charset="0"/>
+              <a:cs typeface="Segoe UI" panose="020B0502040204020203" pitchFamily="34" charset="0"/>
+            </a:endParaRPr>
+          </a:p>
+          <a:p>
+            <a:endParaRPr lang="en-GB" dirty="0">
+              <a:latin typeface="Segoe UI" panose="020B0502040204020203" pitchFamily="34" charset="0"/>
+              <a:cs typeface="Segoe UI" panose="020B0502040204020203" pitchFamily="34" charset="0"/>
+            </a:endParaRPr>
+          </a:p>
+          <a:p>
+            <a:endParaRPr lang="en-GB" dirty="0">
+              <a:latin typeface="Segoe UI" panose="020B0502040204020203" pitchFamily="34" charset="0"/>
+              <a:cs typeface="Segoe UI" panose="020B0502040204020203" pitchFamily="34" charset="0"/>
+            </a:endParaRPr>
+          </a:p>
+          <a:p>
+            <a:endParaRPr lang="en-GB" dirty="0">
+              <a:latin typeface="Segoe UI" panose="020B0502040204020203" pitchFamily="34" charset="0"/>
+              <a:cs typeface="Segoe UI" panose="020B0502040204020203" pitchFamily="34" charset="0"/>
+            </a:endParaRPr>
+          </a:p>
+        </p:txBody>
+      </p:sp>
+      <p:sp>
+        <p:nvSpPr>
+          <p:cNvPr id="6" name="Title 1">
+            <a:extLst>
+              <a:ext uri="{FF2B5EF4-FFF2-40B4-BE49-F238E27FC236}">
+                <a16:creationId xmlns:a16="http://schemas.microsoft.com/office/drawing/2014/main" id="{A9FE3B7A-AB00-444C-B7E7-EA48B7D72F9E}"/>
+              </a:ext>
+            </a:extLst>
+          </p:cNvPr>
+          <p:cNvSpPr>
+            <a:spLocks noGrp="1"/>
+          </p:cNvSpPr>
+          <p:nvPr>
+            <p:ph type="title"/>
+          </p:nvPr>
+        </p:nvSpPr>
         <p:spPr>
           <a:xfrm>
-            <a:off x="684617" y="4510160"/>
-            <a:ext cx="2647950" cy="1765554"/>
+            <a:off x="838200" y="0"/>
+            <a:ext cx="10515600" cy="1325563"/>
           </a:xfrm>
-          <a:prstGeom prst="rect">
-            <a:avLst/>
-          </a:prstGeom>
+          <a:solidFill>
+            <a:srgbClr val="2196F3"/>
+          </a:solidFill>
         </p:spPr>
-      </p:pic>
-      <p:sp>
-        <p:nvSpPr>
-          <p:cNvPr id="2" name="Title 1">
-            <a:extLst>
-              <a:ext uri="{FF2B5EF4-FFF2-40B4-BE49-F238E27FC236}">
-                <a16:creationId xmlns:a16="http://schemas.microsoft.com/office/drawing/2014/main" id="{CCF59C87-4A75-4C7A-B173-FA04E1A10E70}"/>
-              </a:ext>
-            </a:extLst>
-          </p:cNvPr>
-          <p:cNvSpPr>
-            <a:spLocks noGrp="1"/>
-          </p:cNvSpPr>
-          <p:nvPr>
-            <p:ph type="ctrTitle"/>
-          </p:nvPr>
-        </p:nvSpPr>
-        <p:spPr>
-          <a:xfrm>
-            <a:off x="605637" y="1566983"/>
-            <a:ext cx="7681859" cy="1015663"/>
-          </a:xfrm>
-        </p:spPr>
         <p:txBody>
           <a:bodyPr>
-            <a:normAutofit fontScale="90000"/>
+            <a:normAutofit/>
           </a:bodyPr>
           <a:lstStyle/>
           <a:p>
-            <a:r>
-              <a:rPr lang="en-GB" sz="4000" dirty="0"/>
-              <a:t>My start in computing at school in </a:t>
-            </a:r>
-            <a:r>
-              <a:rPr lang="en-GB" sz="4900" b="1" dirty="0">
-                <a:solidFill>
-                  <a:srgbClr val="FF0000"/>
-                </a:solidFill>
-              </a:rPr>
-              <a:t>1979</a:t>
-            </a:r>
-            <a:br>
-              <a:rPr lang="en-GB" sz="4000" dirty="0"/>
-            </a:br>
-            <a:r>
-              <a:rPr lang="en-GB" sz="4000" dirty="0"/>
-              <a:t>    </a:t>
-            </a:r>
-          </a:p>
-        </p:txBody>
-      </p:sp>
-      <p:sp>
-        <p:nvSpPr>
-          <p:cNvPr id="3" name="TextBox 2">
-            <a:extLst>
-              <a:ext uri="{FF2B5EF4-FFF2-40B4-BE49-F238E27FC236}">
-                <a16:creationId xmlns:a16="http://schemas.microsoft.com/office/drawing/2014/main" id="{3816F0FF-6206-4FDB-B50E-A5E0A8290985}"/>
-              </a:ext>
-            </a:extLst>
-          </p:cNvPr>
-          <p:cNvSpPr txBox="1"/>
-          <p:nvPr/>
-        </p:nvSpPr>
-        <p:spPr>
-          <a:xfrm>
-            <a:off x="6272703" y="4475056"/>
-            <a:ext cx="1845578" cy="369332"/>
-          </a:xfrm>
-          <a:prstGeom prst="rect">
-            <a:avLst/>
-          </a:prstGeom>
-          <a:noFill/>
-        </p:spPr>
-        <p:txBody>
-          <a:bodyPr wrap="square" rtlCol="0">
-            <a:spAutoFit/>
-          </a:bodyPr>
-          <a:lstStyle/>
-          <a:p>
-            <a:r>
-              <a:rPr lang="en-GB" dirty="0"/>
-              <a:t>At University</a:t>
-            </a:r>
-          </a:p>
-        </p:txBody>
-      </p:sp>
-      <p:pic>
-        <p:nvPicPr>
-          <p:cNvPr id="7" name="Picture 6" descr="A close up of a calculator&#10;&#10;Description automatically generated">
-            <a:extLst>
-              <a:ext uri="{FF2B5EF4-FFF2-40B4-BE49-F238E27FC236}">
-                <a16:creationId xmlns:a16="http://schemas.microsoft.com/office/drawing/2014/main" id="{95E6E97F-3325-49C1-8F22-358281B945EF}"/>
-              </a:ext>
-            </a:extLst>
-          </p:cNvPr>
-          <p:cNvPicPr>
-            <a:picLocks noChangeAspect="1"/>
-          </p:cNvPicPr>
-          <p:nvPr/>
-        </p:nvPicPr>
-        <p:blipFill>
-          <a:blip r:embed="rId4">
-            <a:extLst>
-              <a:ext uri="{28A0092B-C50C-407E-A947-70E740481C1C}">
-                <a14:useLocalDpi xmlns:a14="http://schemas.microsoft.com/office/drawing/2010/main" val="0"/>
-              </a:ext>
-            </a:extLst>
-          </a:blip>
-          <a:stretch>
-            <a:fillRect/>
-          </a:stretch>
-        </p:blipFill>
-        <p:spPr>
-          <a:xfrm>
-            <a:off x="5743558" y="2134895"/>
-            <a:ext cx="2578653" cy="2367793"/>
-          </a:xfrm>
-          <a:prstGeom prst="rect">
-            <a:avLst/>
-          </a:prstGeom>
-        </p:spPr>
-      </p:pic>
-      <p:sp>
-        <p:nvSpPr>
-          <p:cNvPr id="14" name="TextBox 13">
-            <a:extLst>
-              <a:ext uri="{FF2B5EF4-FFF2-40B4-BE49-F238E27FC236}">
-                <a16:creationId xmlns:a16="http://schemas.microsoft.com/office/drawing/2014/main" id="{E4464916-709F-4640-AE4A-E863DD40F8E5}"/>
-              </a:ext>
-            </a:extLst>
-          </p:cNvPr>
-          <p:cNvSpPr txBox="1"/>
-          <p:nvPr/>
-        </p:nvSpPr>
-        <p:spPr>
-          <a:xfrm>
-            <a:off x="6135038" y="6259874"/>
-            <a:ext cx="3103696" cy="261610"/>
-          </a:xfrm>
-          <a:prstGeom prst="rect">
-            <a:avLst/>
-          </a:prstGeom>
-          <a:noFill/>
-        </p:spPr>
-        <p:txBody>
-          <a:bodyPr wrap="square" rtlCol="0">
-            <a:spAutoFit/>
-          </a:bodyPr>
-          <a:lstStyle/>
-          <a:p>
-            <a:r>
-              <a:rPr lang="en-GB" sz="1100" dirty="0" err="1">
-                <a:solidFill>
-                  <a:srgbClr val="FF0000"/>
-                </a:solidFill>
-              </a:rPr>
-              <a:t>Source:Wikimedia</a:t>
-            </a:r>
-            <a:r>
-              <a:rPr lang="en-GB" sz="1100" dirty="0">
-                <a:solidFill>
-                  <a:srgbClr val="FF0000"/>
-                </a:solidFill>
-              </a:rPr>
-              <a:t> Commons </a:t>
-            </a:r>
-          </a:p>
-        </p:txBody>
-      </p:sp>
-      <p:sp>
-        <p:nvSpPr>
-          <p:cNvPr id="20" name="TextBox 19">
-            <a:extLst>
-              <a:ext uri="{FF2B5EF4-FFF2-40B4-BE49-F238E27FC236}">
-                <a16:creationId xmlns:a16="http://schemas.microsoft.com/office/drawing/2014/main" id="{26D382D3-C4B0-43B6-91E5-8A0DC150A00B}"/>
-              </a:ext>
-            </a:extLst>
-          </p:cNvPr>
-          <p:cNvSpPr txBox="1"/>
-          <p:nvPr/>
-        </p:nvSpPr>
-        <p:spPr>
-          <a:xfrm>
-            <a:off x="1042967" y="6253235"/>
-            <a:ext cx="3103696" cy="261610"/>
-          </a:xfrm>
-          <a:prstGeom prst="rect">
-            <a:avLst/>
-          </a:prstGeom>
-          <a:noFill/>
-        </p:spPr>
-        <p:txBody>
-          <a:bodyPr wrap="square" rtlCol="0">
-            <a:spAutoFit/>
-          </a:bodyPr>
-          <a:lstStyle/>
-          <a:p>
-            <a:r>
-              <a:rPr lang="en-GB" sz="1100" dirty="0" err="1"/>
-              <a:t>Source:Wikimedia</a:t>
-            </a:r>
-            <a:r>
-              <a:rPr lang="en-GB" sz="1100" dirty="0"/>
-              <a:t> Commons </a:t>
-            </a:r>
-          </a:p>
-        </p:txBody>
-      </p:sp>
-      <p:sp>
-        <p:nvSpPr>
-          <p:cNvPr id="24" name="TextBox 23">
-            <a:extLst>
-              <a:ext uri="{FF2B5EF4-FFF2-40B4-BE49-F238E27FC236}">
-                <a16:creationId xmlns:a16="http://schemas.microsoft.com/office/drawing/2014/main" id="{AA0A30FB-0945-4278-8753-6B9D55742D4E}"/>
-              </a:ext>
-            </a:extLst>
-          </p:cNvPr>
-          <p:cNvSpPr txBox="1"/>
-          <p:nvPr/>
-        </p:nvSpPr>
-        <p:spPr>
-          <a:xfrm>
-            <a:off x="870841" y="3419507"/>
-            <a:ext cx="1920953" cy="261610"/>
-          </a:xfrm>
-          <a:prstGeom prst="rect">
-            <a:avLst/>
-          </a:prstGeom>
-          <a:noFill/>
-        </p:spPr>
-        <p:txBody>
-          <a:bodyPr wrap="square" rtlCol="0">
-            <a:spAutoFit/>
-          </a:bodyPr>
-          <a:lstStyle/>
-          <a:p>
-            <a:r>
-              <a:rPr lang="en-GB" sz="1100" dirty="0" err="1">
+            <a:pPr algn="ctr"/>
+            <a:r>
+              <a:rPr lang="en-GB" sz="6600" dirty="0">
                 <a:solidFill>
                   <a:schemeClr val="bg1"/>
-                </a:solidFill>
-              </a:rPr>
-              <a:t>Source:Wikimedia</a:t>
-            </a:r>
-            <a:r>
-              <a:rPr lang="en-GB" sz="1100" dirty="0">
-                <a:solidFill>
-                  <a:schemeClr val="bg1"/>
-                </a:solidFill>
-              </a:rPr>
-              <a:t> Commons </a:t>
-            </a:r>
-          </a:p>
-        </p:txBody>
-      </p:sp>
-      <p:pic>
-        <p:nvPicPr>
-          <p:cNvPr id="27" name="Picture 26" descr="A close up of a machine&#10;&#10;Description automatically generated">
-            <a:extLst>
-              <a:ext uri="{FF2B5EF4-FFF2-40B4-BE49-F238E27FC236}">
-                <a16:creationId xmlns:a16="http://schemas.microsoft.com/office/drawing/2014/main" id="{94E45426-8ADB-4DBB-904D-303D2A86FF07}"/>
-              </a:ext>
-            </a:extLst>
-          </p:cNvPr>
-          <p:cNvPicPr>
-            <a:picLocks noChangeAspect="1"/>
-          </p:cNvPicPr>
-          <p:nvPr/>
-        </p:nvPicPr>
-        <p:blipFill>
-          <a:blip r:embed="rId5">
-            <a:extLst>
-              <a:ext uri="{28A0092B-C50C-407E-A947-70E740481C1C}">
-                <a14:useLocalDpi xmlns:a14="http://schemas.microsoft.com/office/drawing/2010/main" val="0"/>
-              </a:ext>
-            </a:extLst>
-          </a:blip>
-          <a:stretch>
-            <a:fillRect/>
-          </a:stretch>
-        </p:blipFill>
-        <p:spPr>
-          <a:xfrm>
-            <a:off x="2836975" y="2394842"/>
-            <a:ext cx="2619375" cy="1743075"/>
-          </a:xfrm>
-          <a:prstGeom prst="rect">
-            <a:avLst/>
-          </a:prstGeom>
-        </p:spPr>
-      </p:pic>
-      <p:sp>
-        <p:nvSpPr>
-          <p:cNvPr id="31" name="TextBox 30">
-            <a:extLst>
-              <a:ext uri="{FF2B5EF4-FFF2-40B4-BE49-F238E27FC236}">
-                <a16:creationId xmlns:a16="http://schemas.microsoft.com/office/drawing/2014/main" id="{D13CBD88-7C36-4649-BA85-472BBE038547}"/>
-              </a:ext>
-            </a:extLst>
-          </p:cNvPr>
-          <p:cNvSpPr txBox="1"/>
-          <p:nvPr/>
-        </p:nvSpPr>
-        <p:spPr>
-          <a:xfrm>
-            <a:off x="3097608" y="4168185"/>
-            <a:ext cx="3103696" cy="261610"/>
-          </a:xfrm>
-          <a:prstGeom prst="rect">
-            <a:avLst/>
-          </a:prstGeom>
-          <a:noFill/>
-        </p:spPr>
-        <p:txBody>
-          <a:bodyPr wrap="square" rtlCol="0">
-            <a:spAutoFit/>
-          </a:bodyPr>
-          <a:lstStyle/>
-          <a:p>
-            <a:r>
-              <a:rPr lang="en-GB" sz="1100" dirty="0" err="1"/>
-              <a:t>Source:Wikimedia</a:t>
-            </a:r>
-            <a:r>
-              <a:rPr lang="en-GB" sz="1100" dirty="0"/>
-              <a:t> Commons </a:t>
-            </a:r>
-          </a:p>
-        </p:txBody>
-      </p:sp>
-      <p:pic>
-        <p:nvPicPr>
-          <p:cNvPr id="1026" name="Picture 2" descr="Image result for brighton">
-            <a:extLst>
-              <a:ext uri="{FF2B5EF4-FFF2-40B4-BE49-F238E27FC236}">
-                <a16:creationId xmlns:a16="http://schemas.microsoft.com/office/drawing/2014/main" id="{FACF46E5-7177-4EC0-90B6-2287D648C70E}"/>
-              </a:ext>
-            </a:extLst>
-          </p:cNvPr>
-          <p:cNvPicPr>
-            <a:picLocks noChangeAspect="1" noChangeArrowheads="1"/>
-          </p:cNvPicPr>
-          <p:nvPr/>
-        </p:nvPicPr>
-        <p:blipFill>
-          <a:blip r:embed="rId6">
-            <a:extLst>
-              <a:ext uri="{28A0092B-C50C-407E-A947-70E740481C1C}">
-                <a14:useLocalDpi xmlns:a14="http://schemas.microsoft.com/office/drawing/2010/main" val="0"/>
-              </a:ext>
-            </a:extLst>
-          </a:blip>
-          <a:srcRect/>
-          <a:stretch>
-            <a:fillRect/>
-          </a:stretch>
-        </p:blipFill>
-        <p:spPr bwMode="auto">
-          <a:xfrm>
-            <a:off x="8287496" y="1532896"/>
-            <a:ext cx="3558135" cy="2367777"/>
-          </a:xfrm>
-          <a:prstGeom prst="rect">
-            <a:avLst/>
-          </a:prstGeom>
-          <a:noFill/>
-          <a:extLst>
-            <a:ext uri="{909E8E84-426E-40DD-AFC4-6F175D3DCCD1}">
-              <a14:hiddenFill xmlns:a14="http://schemas.microsoft.com/office/drawing/2010/main">
-                <a:solidFill>
-                  <a:srgbClr val="FFFFFF"/>
-                </a:solidFill>
-              </a14:hiddenFill>
-            </a:ext>
-          </a:extLst>
-        </p:spPr>
-      </p:pic>
-      <p:pic>
-        <p:nvPicPr>
-          <p:cNvPr id="1028" name="Picture 4" descr="Image result for brighton">
-            <a:extLst>
-              <a:ext uri="{FF2B5EF4-FFF2-40B4-BE49-F238E27FC236}">
-                <a16:creationId xmlns:a16="http://schemas.microsoft.com/office/drawing/2014/main" id="{2ED57363-BA70-4160-8F4B-231060713F6E}"/>
-              </a:ext>
-            </a:extLst>
-          </p:cNvPr>
-          <p:cNvPicPr>
-            <a:picLocks noChangeAspect="1" noChangeArrowheads="1"/>
-          </p:cNvPicPr>
-          <p:nvPr/>
-        </p:nvPicPr>
-        <p:blipFill>
-          <a:blip r:embed="rId7">
-            <a:extLst>
-              <a:ext uri="{28A0092B-C50C-407E-A947-70E740481C1C}">
-                <a14:useLocalDpi xmlns:a14="http://schemas.microsoft.com/office/drawing/2010/main" val="0"/>
-              </a:ext>
-            </a:extLst>
-          </a:blip>
-          <a:srcRect/>
-          <a:stretch>
-            <a:fillRect/>
-          </a:stretch>
-        </p:blipFill>
-        <p:spPr bwMode="auto">
-          <a:xfrm>
-            <a:off x="8303598" y="4132270"/>
-            <a:ext cx="3525929" cy="2367777"/>
-          </a:xfrm>
-          <a:prstGeom prst="rect">
-            <a:avLst/>
-          </a:prstGeom>
-          <a:noFill/>
-          <a:extLst>
-            <a:ext uri="{909E8E84-426E-40DD-AFC4-6F175D3DCCD1}">
-              <a14:hiddenFill xmlns:a14="http://schemas.microsoft.com/office/drawing/2010/main">
-                <a:solidFill>
-                  <a:srgbClr val="FFFFFF"/>
-                </a:solidFill>
-              </a14:hiddenFill>
-            </a:ext>
-          </a:extLst>
-        </p:spPr>
-      </p:pic>
-      <p:sp>
-        <p:nvSpPr>
-          <p:cNvPr id="4" name="Speech Bubble: Rectangle with Corners Rounded 3">
-            <a:extLst>
-              <a:ext uri="{FF2B5EF4-FFF2-40B4-BE49-F238E27FC236}">
-                <a16:creationId xmlns:a16="http://schemas.microsoft.com/office/drawing/2014/main" id="{2FD6A9AF-E098-4548-AC1C-F3DF2FDE9828}"/>
-              </a:ext>
-            </a:extLst>
-          </p:cNvPr>
-          <p:cNvSpPr/>
-          <p:nvPr/>
-        </p:nvSpPr>
-        <p:spPr>
-          <a:xfrm>
-            <a:off x="5837051" y="563040"/>
-            <a:ext cx="5944823" cy="718497"/>
-          </a:xfrm>
-          <a:prstGeom prst="wedgeRoundRectCallout">
-            <a:avLst/>
-          </a:prstGeom>
-        </p:spPr>
-        <p:style>
-          <a:lnRef idx="2">
-            <a:schemeClr val="accent1">
-              <a:shade val="50000"/>
-            </a:schemeClr>
-          </a:lnRef>
-          <a:fillRef idx="1">
-            <a:schemeClr val="accent1"/>
-          </a:fillRef>
-          <a:effectRef idx="0">
-            <a:schemeClr val="accent1"/>
-          </a:effectRef>
-          <a:fontRef idx="minor">
-            <a:schemeClr val="lt1"/>
-          </a:fontRef>
-        </p:style>
-        <p:txBody>
-          <a:bodyPr rtlCol="0" anchor="ctr"/>
-          <a:lstStyle/>
-          <a:p>
-            <a:pPr algn="ctr"/>
-            <a:r>
-              <a:rPr lang="en-GB" sz="3200" dirty="0"/>
-              <a:t>Where/what were you in 1979?</a:t>
-            </a:r>
-          </a:p>
-        </p:txBody>
-      </p:sp>
-      <p:sp>
-        <p:nvSpPr>
-          <p:cNvPr id="5" name="TextBox 4">
-            <a:extLst>
-              <a:ext uri="{FF2B5EF4-FFF2-40B4-BE49-F238E27FC236}">
-                <a16:creationId xmlns:a16="http://schemas.microsoft.com/office/drawing/2014/main" id="{B146C545-2A2F-48B4-9694-D05FBB2AB9B7}"/>
-              </a:ext>
-            </a:extLst>
-          </p:cNvPr>
-          <p:cNvSpPr txBox="1"/>
-          <p:nvPr/>
-        </p:nvSpPr>
-        <p:spPr>
-          <a:xfrm>
-            <a:off x="8529905" y="3196369"/>
-            <a:ext cx="2998850" cy="707886"/>
-          </a:xfrm>
-          <a:prstGeom prst="rect">
-            <a:avLst/>
-          </a:prstGeom>
-          <a:noFill/>
-        </p:spPr>
-        <p:txBody>
-          <a:bodyPr wrap="square" rtlCol="0">
-            <a:spAutoFit/>
-          </a:bodyPr>
-          <a:lstStyle/>
-          <a:p>
-            <a:r>
-              <a:rPr lang="en-GB" sz="4000" dirty="0">
-                <a:solidFill>
-                  <a:schemeClr val="bg1"/>
-                </a:solidFill>
-              </a:rPr>
-              <a:t>Brighton, UK</a:t>
-            </a:r>
-          </a:p>
-        </p:txBody>
-      </p:sp>
-      <p:sp>
-        <p:nvSpPr>
-          <p:cNvPr id="17" name="TextBox 16">
-            <a:extLst>
-              <a:ext uri="{FF2B5EF4-FFF2-40B4-BE49-F238E27FC236}">
-                <a16:creationId xmlns:a16="http://schemas.microsoft.com/office/drawing/2014/main" id="{8E99F2E8-7996-4F2E-83DD-1511AC1FFB48}"/>
-              </a:ext>
-            </a:extLst>
-          </p:cNvPr>
-          <p:cNvSpPr txBox="1"/>
-          <p:nvPr/>
-        </p:nvSpPr>
-        <p:spPr>
-          <a:xfrm>
-            <a:off x="8529905" y="5884479"/>
-            <a:ext cx="3251438" cy="523220"/>
-          </a:xfrm>
-          <a:prstGeom prst="rect">
-            <a:avLst/>
-          </a:prstGeom>
-          <a:noFill/>
-        </p:spPr>
-        <p:txBody>
-          <a:bodyPr wrap="square" rtlCol="0">
-            <a:spAutoFit/>
-          </a:bodyPr>
-          <a:lstStyle/>
-          <a:p>
-            <a:r>
-              <a:rPr lang="en-GB" sz="2800" dirty="0">
-                <a:solidFill>
-                  <a:schemeClr val="bg1"/>
-                </a:solidFill>
-              </a:rPr>
-              <a:t>The English Channel</a:t>
-            </a:r>
-          </a:p>
-        </p:txBody>
-      </p:sp>
-      <p:sp>
-        <p:nvSpPr>
-          <p:cNvPr id="6" name="TextBox 5">
-            <a:extLst>
-              <a:ext uri="{FF2B5EF4-FFF2-40B4-BE49-F238E27FC236}">
-                <a16:creationId xmlns:a16="http://schemas.microsoft.com/office/drawing/2014/main" id="{345D58C5-E16D-42B4-8240-1129ACD27D37}"/>
-              </a:ext>
-            </a:extLst>
-          </p:cNvPr>
-          <p:cNvSpPr txBox="1"/>
-          <p:nvPr/>
-        </p:nvSpPr>
-        <p:spPr>
-          <a:xfrm>
-            <a:off x="713859" y="584084"/>
-            <a:ext cx="5152434" cy="400110"/>
-          </a:xfrm>
-          <a:prstGeom prst="rect">
-            <a:avLst/>
-          </a:prstGeom>
-          <a:noFill/>
-        </p:spPr>
-        <p:txBody>
-          <a:bodyPr wrap="square" rtlCol="0">
-            <a:spAutoFit/>
-          </a:bodyPr>
-          <a:lstStyle/>
-          <a:p>
-            <a:r>
-              <a:rPr lang="en-GB" sz="2000" b="1" dirty="0">
-                <a:solidFill>
-                  <a:srgbClr val="2196F3"/>
                 </a:solidFill>
                 <a:latin typeface="Segoe UI" panose="020B0502040204020203" pitchFamily="34" charset="0"/>
                 <a:cs typeface="Segoe UI" panose="020B0502040204020203" pitchFamily="34" charset="0"/>
               </a:rPr>
-              <a:t>58 in human years – 243 in tech years</a:t>
+              <a:t>REALISTIC OUTCOMES</a:t>
             </a:r>
           </a:p>
         </p:txBody>
@@ -4907,7 +4530,7 @@
     </p:spTree>
     <p:extLst>
       <p:ext uri="{BB962C8B-B14F-4D97-AF65-F5344CB8AC3E}">
-        <p14:creationId xmlns:p14="http://schemas.microsoft.com/office/powerpoint/2010/main" val="2449607764"/>
+        <p14:creationId xmlns:p14="http://schemas.microsoft.com/office/powerpoint/2010/main" val="653117765"/>
       </p:ext>
     </p:extLst>
   </p:cSld>
@@ -4934,6 +4557,795 @@
           <a:chExt cx="0" cy="0"/>
         </a:xfrm>
       </p:grpSpPr>
+      <p:pic>
+        <p:nvPicPr>
+          <p:cNvPr id="16" name="Picture 15" descr="A close up of a typewriter&#10;&#10;Description automatically generated">
+            <a:extLst>
+              <a:ext uri="{FF2B5EF4-FFF2-40B4-BE49-F238E27FC236}">
+                <a16:creationId xmlns:a16="http://schemas.microsoft.com/office/drawing/2014/main" id="{16FE7CA4-EC3F-42CD-BDD7-9DB299CE9A72}"/>
+              </a:ext>
+            </a:extLst>
+          </p:cNvPr>
+          <p:cNvPicPr>
+            <a:picLocks noChangeAspect="1"/>
+          </p:cNvPicPr>
+          <p:nvPr/>
+        </p:nvPicPr>
+        <p:blipFill>
+          <a:blip r:embed="rId2">
+            <a:extLst>
+              <a:ext uri="{28A0092B-C50C-407E-A947-70E740481C1C}">
+                <a14:useLocalDpi xmlns:a14="http://schemas.microsoft.com/office/drawing/2010/main" val="0"/>
+              </a:ext>
+            </a:extLst>
+          </a:blip>
+          <a:stretch>
+            <a:fillRect/>
+          </a:stretch>
+        </p:blipFill>
+        <p:spPr>
+          <a:xfrm>
+            <a:off x="713859" y="2405825"/>
+            <a:ext cx="2068860" cy="2762035"/>
+          </a:xfrm>
+          <a:prstGeom prst="rect">
+            <a:avLst/>
+          </a:prstGeom>
+        </p:spPr>
+      </p:pic>
+      <p:pic>
+        <p:nvPicPr>
+          <p:cNvPr id="19" name="Picture 18" descr="A picture containing wall, indoor, table, cup&#10;&#10;Description automatically generated">
+            <a:extLst>
+              <a:ext uri="{FF2B5EF4-FFF2-40B4-BE49-F238E27FC236}">
+                <a16:creationId xmlns:a16="http://schemas.microsoft.com/office/drawing/2014/main" id="{CC8D6E43-818C-421B-8A10-E6255328A2FA}"/>
+              </a:ext>
+            </a:extLst>
+          </p:cNvPr>
+          <p:cNvPicPr>
+            <a:picLocks noChangeAspect="1"/>
+          </p:cNvPicPr>
+          <p:nvPr/>
+        </p:nvPicPr>
+        <p:blipFill>
+          <a:blip r:embed="rId3">
+            <a:extLst>
+              <a:ext uri="{28A0092B-C50C-407E-A947-70E740481C1C}">
+                <a14:useLocalDpi xmlns:a14="http://schemas.microsoft.com/office/drawing/2010/main" val="0"/>
+              </a:ext>
+            </a:extLst>
+          </a:blip>
+          <a:stretch>
+            <a:fillRect/>
+          </a:stretch>
+        </p:blipFill>
+        <p:spPr>
+          <a:xfrm>
+            <a:off x="684617" y="4510160"/>
+            <a:ext cx="2647950" cy="1765554"/>
+          </a:xfrm>
+          <a:prstGeom prst="rect">
+            <a:avLst/>
+          </a:prstGeom>
+        </p:spPr>
+      </p:pic>
+      <p:sp>
+        <p:nvSpPr>
+          <p:cNvPr id="2" name="Title 1">
+            <a:extLst>
+              <a:ext uri="{FF2B5EF4-FFF2-40B4-BE49-F238E27FC236}">
+                <a16:creationId xmlns:a16="http://schemas.microsoft.com/office/drawing/2014/main" id="{CCF59C87-4A75-4C7A-B173-FA04E1A10E70}"/>
+              </a:ext>
+            </a:extLst>
+          </p:cNvPr>
+          <p:cNvSpPr>
+            <a:spLocks noGrp="1"/>
+          </p:cNvSpPr>
+          <p:nvPr>
+            <p:ph type="ctrTitle"/>
+          </p:nvPr>
+        </p:nvSpPr>
+        <p:spPr>
+          <a:xfrm>
+            <a:off x="605637" y="1566983"/>
+            <a:ext cx="7681859" cy="1015663"/>
+          </a:xfrm>
+        </p:spPr>
+        <p:txBody>
+          <a:bodyPr>
+            <a:normAutofit fontScale="90000"/>
+          </a:bodyPr>
+          <a:lstStyle/>
+          <a:p>
+            <a:r>
+              <a:rPr lang="en-GB" sz="4000" dirty="0"/>
+              <a:t>My start in computing at school in </a:t>
+            </a:r>
+            <a:r>
+              <a:rPr lang="en-GB" sz="4900" b="1" dirty="0">
+                <a:solidFill>
+                  <a:srgbClr val="FF0000"/>
+                </a:solidFill>
+              </a:rPr>
+              <a:t>1979</a:t>
+            </a:r>
+            <a:br>
+              <a:rPr lang="en-GB" sz="4000" dirty="0"/>
+            </a:br>
+            <a:r>
+              <a:rPr lang="en-GB" sz="4000" dirty="0"/>
+              <a:t>    </a:t>
+            </a:r>
+          </a:p>
+        </p:txBody>
+      </p:sp>
+      <p:sp>
+        <p:nvSpPr>
+          <p:cNvPr id="3" name="TextBox 2">
+            <a:extLst>
+              <a:ext uri="{FF2B5EF4-FFF2-40B4-BE49-F238E27FC236}">
+                <a16:creationId xmlns:a16="http://schemas.microsoft.com/office/drawing/2014/main" id="{3816F0FF-6206-4FDB-B50E-A5E0A8290985}"/>
+              </a:ext>
+            </a:extLst>
+          </p:cNvPr>
+          <p:cNvSpPr txBox="1"/>
+          <p:nvPr/>
+        </p:nvSpPr>
+        <p:spPr>
+          <a:xfrm>
+            <a:off x="3587484" y="4475055"/>
+            <a:ext cx="4530797" cy="1477328"/>
+          </a:xfrm>
+          <a:prstGeom prst="rect">
+            <a:avLst/>
+          </a:prstGeom>
+          <a:noFill/>
+        </p:spPr>
+        <p:txBody>
+          <a:bodyPr wrap="square" rtlCol="0">
+            <a:spAutoFit/>
+          </a:bodyPr>
+          <a:lstStyle/>
+          <a:p>
+            <a:r>
+              <a:rPr lang="en-GB" dirty="0"/>
+              <a:t>1980: At University, I studied Chemistry and used MS-DOS, client/server main frame systems.</a:t>
+            </a:r>
+          </a:p>
+          <a:p>
+            <a:endParaRPr lang="en-GB" dirty="0"/>
+          </a:p>
+          <a:p>
+            <a:r>
+              <a:rPr lang="en-GB" dirty="0"/>
+              <a:t>ZX-Spectrum computer and Jupiter Ace.</a:t>
+            </a:r>
+          </a:p>
+        </p:txBody>
+      </p:sp>
+      <p:pic>
+        <p:nvPicPr>
+          <p:cNvPr id="7" name="Picture 6" descr="A close up of a calculator&#10;&#10;Description automatically generated">
+            <a:extLst>
+              <a:ext uri="{FF2B5EF4-FFF2-40B4-BE49-F238E27FC236}">
+                <a16:creationId xmlns:a16="http://schemas.microsoft.com/office/drawing/2014/main" id="{95E6E97F-3325-49C1-8F22-358281B945EF}"/>
+              </a:ext>
+            </a:extLst>
+          </p:cNvPr>
+          <p:cNvPicPr>
+            <a:picLocks noChangeAspect="1"/>
+          </p:cNvPicPr>
+          <p:nvPr/>
+        </p:nvPicPr>
+        <p:blipFill>
+          <a:blip r:embed="rId4">
+            <a:extLst>
+              <a:ext uri="{28A0092B-C50C-407E-A947-70E740481C1C}">
+                <a14:useLocalDpi xmlns:a14="http://schemas.microsoft.com/office/drawing/2010/main" val="0"/>
+              </a:ext>
+            </a:extLst>
+          </a:blip>
+          <a:stretch>
+            <a:fillRect/>
+          </a:stretch>
+        </p:blipFill>
+        <p:spPr>
+          <a:xfrm>
+            <a:off x="5743558" y="2134895"/>
+            <a:ext cx="2578653" cy="2367793"/>
+          </a:xfrm>
+          <a:prstGeom prst="rect">
+            <a:avLst/>
+          </a:prstGeom>
+        </p:spPr>
+      </p:pic>
+      <p:sp>
+        <p:nvSpPr>
+          <p:cNvPr id="14" name="TextBox 13">
+            <a:extLst>
+              <a:ext uri="{FF2B5EF4-FFF2-40B4-BE49-F238E27FC236}">
+                <a16:creationId xmlns:a16="http://schemas.microsoft.com/office/drawing/2014/main" id="{E4464916-709F-4640-AE4A-E863DD40F8E5}"/>
+              </a:ext>
+            </a:extLst>
+          </p:cNvPr>
+          <p:cNvSpPr txBox="1"/>
+          <p:nvPr/>
+        </p:nvSpPr>
+        <p:spPr>
+          <a:xfrm>
+            <a:off x="6135038" y="6259874"/>
+            <a:ext cx="3103696" cy="261610"/>
+          </a:xfrm>
+          <a:prstGeom prst="rect">
+            <a:avLst/>
+          </a:prstGeom>
+          <a:noFill/>
+        </p:spPr>
+        <p:txBody>
+          <a:bodyPr wrap="square" rtlCol="0">
+            <a:spAutoFit/>
+          </a:bodyPr>
+          <a:lstStyle/>
+          <a:p>
+            <a:r>
+              <a:rPr lang="en-GB" sz="1100" dirty="0" err="1">
+                <a:solidFill>
+                  <a:srgbClr val="FF0000"/>
+                </a:solidFill>
+              </a:rPr>
+              <a:t>Source:Wikimedia</a:t>
+            </a:r>
+            <a:r>
+              <a:rPr lang="en-GB" sz="1100" dirty="0">
+                <a:solidFill>
+                  <a:srgbClr val="FF0000"/>
+                </a:solidFill>
+              </a:rPr>
+              <a:t> Commons </a:t>
+            </a:r>
+          </a:p>
+        </p:txBody>
+      </p:sp>
+      <p:sp>
+        <p:nvSpPr>
+          <p:cNvPr id="20" name="TextBox 19">
+            <a:extLst>
+              <a:ext uri="{FF2B5EF4-FFF2-40B4-BE49-F238E27FC236}">
+                <a16:creationId xmlns:a16="http://schemas.microsoft.com/office/drawing/2014/main" id="{26D382D3-C4B0-43B6-91E5-8A0DC150A00B}"/>
+              </a:ext>
+            </a:extLst>
+          </p:cNvPr>
+          <p:cNvSpPr txBox="1"/>
+          <p:nvPr/>
+        </p:nvSpPr>
+        <p:spPr>
+          <a:xfrm>
+            <a:off x="1042967" y="6253235"/>
+            <a:ext cx="3103696" cy="261610"/>
+          </a:xfrm>
+          <a:prstGeom prst="rect">
+            <a:avLst/>
+          </a:prstGeom>
+          <a:noFill/>
+        </p:spPr>
+        <p:txBody>
+          <a:bodyPr wrap="square" rtlCol="0">
+            <a:spAutoFit/>
+          </a:bodyPr>
+          <a:lstStyle/>
+          <a:p>
+            <a:r>
+              <a:rPr lang="en-GB" sz="1100" dirty="0" err="1"/>
+              <a:t>Source:Wikimedia</a:t>
+            </a:r>
+            <a:r>
+              <a:rPr lang="en-GB" sz="1100" dirty="0"/>
+              <a:t> Commons </a:t>
+            </a:r>
+          </a:p>
+        </p:txBody>
+      </p:sp>
+      <p:sp>
+        <p:nvSpPr>
+          <p:cNvPr id="24" name="TextBox 23">
+            <a:extLst>
+              <a:ext uri="{FF2B5EF4-FFF2-40B4-BE49-F238E27FC236}">
+                <a16:creationId xmlns:a16="http://schemas.microsoft.com/office/drawing/2014/main" id="{AA0A30FB-0945-4278-8753-6B9D55742D4E}"/>
+              </a:ext>
+            </a:extLst>
+          </p:cNvPr>
+          <p:cNvSpPr txBox="1"/>
+          <p:nvPr/>
+        </p:nvSpPr>
+        <p:spPr>
+          <a:xfrm>
+            <a:off x="870841" y="3419507"/>
+            <a:ext cx="1920953" cy="261610"/>
+          </a:xfrm>
+          <a:prstGeom prst="rect">
+            <a:avLst/>
+          </a:prstGeom>
+          <a:noFill/>
+        </p:spPr>
+        <p:txBody>
+          <a:bodyPr wrap="square" rtlCol="0">
+            <a:spAutoFit/>
+          </a:bodyPr>
+          <a:lstStyle/>
+          <a:p>
+            <a:r>
+              <a:rPr lang="en-GB" sz="1100" dirty="0" err="1">
+                <a:solidFill>
+                  <a:schemeClr val="bg1"/>
+                </a:solidFill>
+              </a:rPr>
+              <a:t>Source:Wikimedia</a:t>
+            </a:r>
+            <a:r>
+              <a:rPr lang="en-GB" sz="1100" dirty="0">
+                <a:solidFill>
+                  <a:schemeClr val="bg1"/>
+                </a:solidFill>
+              </a:rPr>
+              <a:t> Commons </a:t>
+            </a:r>
+          </a:p>
+        </p:txBody>
+      </p:sp>
+      <p:pic>
+        <p:nvPicPr>
+          <p:cNvPr id="27" name="Picture 26" descr="A close up of a machine&#10;&#10;Description automatically generated">
+            <a:extLst>
+              <a:ext uri="{FF2B5EF4-FFF2-40B4-BE49-F238E27FC236}">
+                <a16:creationId xmlns:a16="http://schemas.microsoft.com/office/drawing/2014/main" id="{94E45426-8ADB-4DBB-904D-303D2A86FF07}"/>
+              </a:ext>
+            </a:extLst>
+          </p:cNvPr>
+          <p:cNvPicPr>
+            <a:picLocks noChangeAspect="1"/>
+          </p:cNvPicPr>
+          <p:nvPr/>
+        </p:nvPicPr>
+        <p:blipFill>
+          <a:blip r:embed="rId5">
+            <a:extLst>
+              <a:ext uri="{28A0092B-C50C-407E-A947-70E740481C1C}">
+                <a14:useLocalDpi xmlns:a14="http://schemas.microsoft.com/office/drawing/2010/main" val="0"/>
+              </a:ext>
+            </a:extLst>
+          </a:blip>
+          <a:stretch>
+            <a:fillRect/>
+          </a:stretch>
+        </p:blipFill>
+        <p:spPr>
+          <a:xfrm>
+            <a:off x="2836975" y="2394842"/>
+            <a:ext cx="2619375" cy="1743075"/>
+          </a:xfrm>
+          <a:prstGeom prst="rect">
+            <a:avLst/>
+          </a:prstGeom>
+        </p:spPr>
+      </p:pic>
+      <p:sp>
+        <p:nvSpPr>
+          <p:cNvPr id="31" name="TextBox 30">
+            <a:extLst>
+              <a:ext uri="{FF2B5EF4-FFF2-40B4-BE49-F238E27FC236}">
+                <a16:creationId xmlns:a16="http://schemas.microsoft.com/office/drawing/2014/main" id="{D13CBD88-7C36-4649-BA85-472BBE038547}"/>
+              </a:ext>
+            </a:extLst>
+          </p:cNvPr>
+          <p:cNvSpPr txBox="1"/>
+          <p:nvPr/>
+        </p:nvSpPr>
+        <p:spPr>
+          <a:xfrm>
+            <a:off x="3097608" y="4168185"/>
+            <a:ext cx="3103696" cy="261610"/>
+          </a:xfrm>
+          <a:prstGeom prst="rect">
+            <a:avLst/>
+          </a:prstGeom>
+          <a:noFill/>
+        </p:spPr>
+        <p:txBody>
+          <a:bodyPr wrap="square" rtlCol="0">
+            <a:spAutoFit/>
+          </a:bodyPr>
+          <a:lstStyle/>
+          <a:p>
+            <a:r>
+              <a:rPr lang="en-GB" sz="1100" dirty="0" err="1"/>
+              <a:t>Source:Wikimedia</a:t>
+            </a:r>
+            <a:r>
+              <a:rPr lang="en-GB" sz="1100" dirty="0"/>
+              <a:t> Commons </a:t>
+            </a:r>
+          </a:p>
+        </p:txBody>
+      </p:sp>
+      <p:pic>
+        <p:nvPicPr>
+          <p:cNvPr id="1026" name="Picture 2" descr="Image result for brighton">
+            <a:extLst>
+              <a:ext uri="{FF2B5EF4-FFF2-40B4-BE49-F238E27FC236}">
+                <a16:creationId xmlns:a16="http://schemas.microsoft.com/office/drawing/2014/main" id="{FACF46E5-7177-4EC0-90B6-2287D648C70E}"/>
+              </a:ext>
+            </a:extLst>
+          </p:cNvPr>
+          <p:cNvPicPr>
+            <a:picLocks noChangeAspect="1" noChangeArrowheads="1"/>
+          </p:cNvPicPr>
+          <p:nvPr/>
+        </p:nvPicPr>
+        <p:blipFill>
+          <a:blip r:embed="rId6">
+            <a:extLst>
+              <a:ext uri="{28A0092B-C50C-407E-A947-70E740481C1C}">
+                <a14:useLocalDpi xmlns:a14="http://schemas.microsoft.com/office/drawing/2010/main" val="0"/>
+              </a:ext>
+            </a:extLst>
+          </a:blip>
+          <a:srcRect/>
+          <a:stretch>
+            <a:fillRect/>
+          </a:stretch>
+        </p:blipFill>
+        <p:spPr bwMode="auto">
+          <a:xfrm>
+            <a:off x="8287496" y="1532896"/>
+            <a:ext cx="3558135" cy="2367777"/>
+          </a:xfrm>
+          <a:prstGeom prst="rect">
+            <a:avLst/>
+          </a:prstGeom>
+          <a:noFill/>
+          <a:extLst>
+            <a:ext uri="{909E8E84-426E-40DD-AFC4-6F175D3DCCD1}">
+              <a14:hiddenFill xmlns:a14="http://schemas.microsoft.com/office/drawing/2010/main">
+                <a:solidFill>
+                  <a:srgbClr val="FFFFFF"/>
+                </a:solidFill>
+              </a14:hiddenFill>
+            </a:ext>
+          </a:extLst>
+        </p:spPr>
+      </p:pic>
+      <p:pic>
+        <p:nvPicPr>
+          <p:cNvPr id="1028" name="Picture 4" descr="Image result for brighton">
+            <a:extLst>
+              <a:ext uri="{FF2B5EF4-FFF2-40B4-BE49-F238E27FC236}">
+                <a16:creationId xmlns:a16="http://schemas.microsoft.com/office/drawing/2014/main" id="{2ED57363-BA70-4160-8F4B-231060713F6E}"/>
+              </a:ext>
+            </a:extLst>
+          </p:cNvPr>
+          <p:cNvPicPr>
+            <a:picLocks noChangeAspect="1" noChangeArrowheads="1"/>
+          </p:cNvPicPr>
+          <p:nvPr/>
+        </p:nvPicPr>
+        <p:blipFill>
+          <a:blip r:embed="rId7">
+            <a:extLst>
+              <a:ext uri="{28A0092B-C50C-407E-A947-70E740481C1C}">
+                <a14:useLocalDpi xmlns:a14="http://schemas.microsoft.com/office/drawing/2010/main" val="0"/>
+              </a:ext>
+            </a:extLst>
+          </a:blip>
+          <a:srcRect/>
+          <a:stretch>
+            <a:fillRect/>
+          </a:stretch>
+        </p:blipFill>
+        <p:spPr bwMode="auto">
+          <a:xfrm>
+            <a:off x="8320957" y="4122993"/>
+            <a:ext cx="3525929" cy="2367777"/>
+          </a:xfrm>
+          <a:prstGeom prst="rect">
+            <a:avLst/>
+          </a:prstGeom>
+          <a:noFill/>
+          <a:extLst>
+            <a:ext uri="{909E8E84-426E-40DD-AFC4-6F175D3DCCD1}">
+              <a14:hiddenFill xmlns:a14="http://schemas.microsoft.com/office/drawing/2010/main">
+                <a:solidFill>
+                  <a:srgbClr val="FFFFFF"/>
+                </a:solidFill>
+              </a14:hiddenFill>
+            </a:ext>
+          </a:extLst>
+        </p:spPr>
+      </p:pic>
+      <p:sp>
+        <p:nvSpPr>
+          <p:cNvPr id="4" name="Speech Bubble: Rectangle with Corners Rounded 3">
+            <a:extLst>
+              <a:ext uri="{FF2B5EF4-FFF2-40B4-BE49-F238E27FC236}">
+                <a16:creationId xmlns:a16="http://schemas.microsoft.com/office/drawing/2014/main" id="{2FD6A9AF-E098-4548-AC1C-F3DF2FDE9828}"/>
+              </a:ext>
+            </a:extLst>
+          </p:cNvPr>
+          <p:cNvSpPr/>
+          <p:nvPr/>
+        </p:nvSpPr>
+        <p:spPr>
+          <a:xfrm>
+            <a:off x="5837051" y="563040"/>
+            <a:ext cx="5944823" cy="718497"/>
+          </a:xfrm>
+          <a:prstGeom prst="wedgeRoundRectCallout">
+            <a:avLst/>
+          </a:prstGeom>
+        </p:spPr>
+        <p:style>
+          <a:lnRef idx="2">
+            <a:schemeClr val="accent1">
+              <a:shade val="50000"/>
+            </a:schemeClr>
+          </a:lnRef>
+          <a:fillRef idx="1">
+            <a:schemeClr val="accent1"/>
+          </a:fillRef>
+          <a:effectRef idx="0">
+            <a:schemeClr val="accent1"/>
+          </a:effectRef>
+          <a:fontRef idx="minor">
+            <a:schemeClr val="lt1"/>
+          </a:fontRef>
+        </p:style>
+        <p:txBody>
+          <a:bodyPr rtlCol="0" anchor="ctr"/>
+          <a:lstStyle/>
+          <a:p>
+            <a:pPr algn="ctr"/>
+            <a:r>
+              <a:rPr lang="en-GB" sz="3200" dirty="0"/>
+              <a:t>Where/what were you in 1979?</a:t>
+            </a:r>
+          </a:p>
+        </p:txBody>
+      </p:sp>
+      <p:sp>
+        <p:nvSpPr>
+          <p:cNvPr id="5" name="TextBox 4">
+            <a:extLst>
+              <a:ext uri="{FF2B5EF4-FFF2-40B4-BE49-F238E27FC236}">
+                <a16:creationId xmlns:a16="http://schemas.microsoft.com/office/drawing/2014/main" id="{B146C545-2A2F-48B4-9694-D05FBB2AB9B7}"/>
+              </a:ext>
+            </a:extLst>
+          </p:cNvPr>
+          <p:cNvSpPr txBox="1"/>
+          <p:nvPr/>
+        </p:nvSpPr>
+        <p:spPr>
+          <a:xfrm>
+            <a:off x="8529905" y="3196369"/>
+            <a:ext cx="2998850" cy="707886"/>
+          </a:xfrm>
+          <a:prstGeom prst="rect">
+            <a:avLst/>
+          </a:prstGeom>
+          <a:noFill/>
+        </p:spPr>
+        <p:txBody>
+          <a:bodyPr wrap="square" rtlCol="0">
+            <a:spAutoFit/>
+          </a:bodyPr>
+          <a:lstStyle/>
+          <a:p>
+            <a:r>
+              <a:rPr lang="en-GB" sz="4000" dirty="0">
+                <a:solidFill>
+                  <a:schemeClr val="bg1"/>
+                </a:solidFill>
+              </a:rPr>
+              <a:t>Brighton, UK</a:t>
+            </a:r>
+          </a:p>
+        </p:txBody>
+      </p:sp>
+      <p:sp>
+        <p:nvSpPr>
+          <p:cNvPr id="17" name="TextBox 16">
+            <a:extLst>
+              <a:ext uri="{FF2B5EF4-FFF2-40B4-BE49-F238E27FC236}">
+                <a16:creationId xmlns:a16="http://schemas.microsoft.com/office/drawing/2014/main" id="{8E99F2E8-7996-4F2E-83DD-1511AC1FFB48}"/>
+              </a:ext>
+            </a:extLst>
+          </p:cNvPr>
+          <p:cNvSpPr txBox="1"/>
+          <p:nvPr/>
+        </p:nvSpPr>
+        <p:spPr>
+          <a:xfrm>
+            <a:off x="8529905" y="5884479"/>
+            <a:ext cx="3251438" cy="523220"/>
+          </a:xfrm>
+          <a:prstGeom prst="rect">
+            <a:avLst/>
+          </a:prstGeom>
+          <a:noFill/>
+        </p:spPr>
+        <p:txBody>
+          <a:bodyPr wrap="square" rtlCol="0">
+            <a:spAutoFit/>
+          </a:bodyPr>
+          <a:lstStyle/>
+          <a:p>
+            <a:r>
+              <a:rPr lang="en-GB" sz="2800" dirty="0">
+                <a:solidFill>
+                  <a:schemeClr val="bg1"/>
+                </a:solidFill>
+              </a:rPr>
+              <a:t>The English Channel</a:t>
+            </a:r>
+          </a:p>
+        </p:txBody>
+      </p:sp>
+      <p:sp>
+        <p:nvSpPr>
+          <p:cNvPr id="6" name="TextBox 5">
+            <a:extLst>
+              <a:ext uri="{FF2B5EF4-FFF2-40B4-BE49-F238E27FC236}">
+                <a16:creationId xmlns:a16="http://schemas.microsoft.com/office/drawing/2014/main" id="{345D58C5-E16D-42B4-8240-1129ACD27D37}"/>
+              </a:ext>
+            </a:extLst>
+          </p:cNvPr>
+          <p:cNvSpPr txBox="1"/>
+          <p:nvPr/>
+        </p:nvSpPr>
+        <p:spPr>
+          <a:xfrm>
+            <a:off x="713859" y="584084"/>
+            <a:ext cx="5152434" cy="400110"/>
+          </a:xfrm>
+          <a:prstGeom prst="rect">
+            <a:avLst/>
+          </a:prstGeom>
+          <a:noFill/>
+        </p:spPr>
+        <p:txBody>
+          <a:bodyPr wrap="square" rtlCol="0">
+            <a:spAutoFit/>
+          </a:bodyPr>
+          <a:lstStyle/>
+          <a:p>
+            <a:r>
+              <a:rPr lang="en-GB" sz="2000" b="1" dirty="0">
+                <a:solidFill>
+                  <a:srgbClr val="2196F3"/>
+                </a:solidFill>
+                <a:latin typeface="Segoe UI" panose="020B0502040204020203" pitchFamily="34" charset="0"/>
+                <a:cs typeface="Segoe UI" panose="020B0502040204020203" pitchFamily="34" charset="0"/>
+              </a:rPr>
+              <a:t>58 in human years – 243 in tech years</a:t>
+            </a:r>
+          </a:p>
+        </p:txBody>
+      </p:sp>
+      <p:cxnSp>
+        <p:nvCxnSpPr>
+          <p:cNvPr id="9" name="Straight Arrow Connector 8">
+            <a:extLst>
+              <a:ext uri="{FF2B5EF4-FFF2-40B4-BE49-F238E27FC236}">
+                <a16:creationId xmlns:a16="http://schemas.microsoft.com/office/drawing/2014/main" id="{CF93C976-3C1F-4C74-9D39-90DABBE18BB7}"/>
+              </a:ext>
+            </a:extLst>
+          </p:cNvPr>
+          <p:cNvCxnSpPr>
+            <a:cxnSpLocks/>
+          </p:cNvCxnSpPr>
+          <p:nvPr/>
+        </p:nvCxnSpPr>
+        <p:spPr>
+          <a:xfrm flipH="1" flipV="1">
+            <a:off x="8672218" y="4142117"/>
+            <a:ext cx="682807" cy="748283"/>
+          </a:xfrm>
+          <a:prstGeom prst="straightConnector1">
+            <a:avLst/>
+          </a:prstGeom>
+          <a:ln w="50800">
+            <a:solidFill>
+              <a:schemeClr val="bg1"/>
+            </a:solidFill>
+            <a:tailEnd type="triangle"/>
+          </a:ln>
+        </p:spPr>
+        <p:style>
+          <a:lnRef idx="3">
+            <a:schemeClr val="accent1"/>
+          </a:lnRef>
+          <a:fillRef idx="0">
+            <a:schemeClr val="accent1"/>
+          </a:fillRef>
+          <a:effectRef idx="2">
+            <a:schemeClr val="accent1"/>
+          </a:effectRef>
+          <a:fontRef idx="minor">
+            <a:schemeClr val="tx1"/>
+          </a:fontRef>
+        </p:style>
+      </p:cxnSp>
+      <p:sp>
+        <p:nvSpPr>
+          <p:cNvPr id="10" name="TextBox 9">
+            <a:extLst>
+              <a:ext uri="{FF2B5EF4-FFF2-40B4-BE49-F238E27FC236}">
+                <a16:creationId xmlns:a16="http://schemas.microsoft.com/office/drawing/2014/main" id="{C6D2AB8D-F566-4A3A-ABB8-05B92FD0E743}"/>
+              </a:ext>
+            </a:extLst>
+          </p:cNvPr>
+          <p:cNvSpPr txBox="1"/>
+          <p:nvPr/>
+        </p:nvSpPr>
+        <p:spPr>
+          <a:xfrm>
+            <a:off x="8066040" y="5058423"/>
+            <a:ext cx="1845578" cy="369332"/>
+          </a:xfrm>
+          <a:prstGeom prst="rect">
+            <a:avLst/>
+          </a:prstGeom>
+          <a:noFill/>
+        </p:spPr>
+        <p:txBody>
+          <a:bodyPr wrap="square" rtlCol="0">
+            <a:spAutoFit/>
+          </a:bodyPr>
+          <a:lstStyle/>
+          <a:p>
+            <a:pPr algn="ctr"/>
+            <a:r>
+              <a:rPr lang="en-GB" dirty="0">
+                <a:solidFill>
+                  <a:schemeClr val="bg1"/>
+                </a:solidFill>
+                <a:highlight>
+                  <a:srgbClr val="0000FF"/>
+                </a:highlight>
+              </a:rPr>
+              <a:t>15 min walk</a:t>
+            </a:r>
+          </a:p>
+        </p:txBody>
+      </p:sp>
+    </p:spTree>
+    <p:extLst>
+      <p:ext uri="{BB962C8B-B14F-4D97-AF65-F5344CB8AC3E}">
+        <p14:creationId xmlns:p14="http://schemas.microsoft.com/office/powerpoint/2010/main" val="1297102756"/>
+      </p:ext>
+    </p:extLst>
+  </p:cSld>
+  <p:clrMapOvr>
+    <a:masterClrMapping/>
+  </p:clrMapOvr>
+</p:sld>
+</file>
+
+<file path=ppt/slides/slide5.xml><?xml version="1.0" encoding="utf-8"?>
+<p:sld xmlns:a="http://schemas.openxmlformats.org/drawingml/2006/main" xmlns:r="http://schemas.openxmlformats.org/officeDocument/2006/relationships" xmlns:p="http://schemas.openxmlformats.org/presentationml/2006/main">
+  <p:cSld>
+    <p:spTree>
+      <p:nvGrpSpPr>
+        <p:cNvPr id="1" name=""/>
+        <p:cNvGrpSpPr/>
+        <p:nvPr/>
+      </p:nvGrpSpPr>
+      <p:grpSpPr>
+        <a:xfrm>
+          <a:off x="0" y="0"/>
+          <a:ext cx="0" cy="0"/>
+          <a:chOff x="0" y="0"/>
+          <a:chExt cx="0" cy="0"/>
+        </a:xfrm>
+      </p:grpSpPr>
       <p:sp>
         <p:nvSpPr>
           <p:cNvPr id="4" name="Content Placeholder 2">
@@ -5094,7 +5506,7 @@
                 <a:latin typeface="Segoe UI" panose="020B0502040204020203" pitchFamily="34" charset="0"/>
                 <a:cs typeface="Segoe UI" panose="020B0502040204020203" pitchFamily="34" charset="0"/>
               </a:rPr>
-              <a:t>Developing 1-3 hour training seminars for companies</a:t>
+              <a:t>1-3 hour training seminars for companies and groups.</a:t>
             </a:r>
           </a:p>
           <a:p>
@@ -5121,14 +5533,24 @@
               </a:lnSpc>
             </a:pPr>
             <a:r>
-              <a:rPr lang="en-GB" sz="16000" dirty="0">
+              <a:rPr lang="en-GB" sz="16000" dirty="0" err="1">
                 <a:solidFill>
                   <a:srgbClr val="00B050"/>
                 </a:solidFill>
                 <a:latin typeface="Segoe UI" panose="020B0502040204020203" pitchFamily="34" charset="0"/>
                 <a:cs typeface="Segoe UI" panose="020B0502040204020203" pitchFamily="34" charset="0"/>
               </a:rPr>
-              <a:t>Often feel like an ‘imposter’.</a:t>
+              <a:t>Volounteer</a:t>
+            </a:r>
+            <a:r>
+              <a:rPr lang="en-GB" sz="16000" dirty="0">
+                <a:solidFill>
+                  <a:srgbClr val="00B050"/>
+                </a:solidFill>
+                <a:latin typeface="Segoe UI" panose="020B0502040204020203" pitchFamily="34" charset="0"/>
+                <a:cs typeface="Segoe UI" panose="020B0502040204020203" pitchFamily="34" charset="0"/>
+              </a:rPr>
+              <a:t> Coach at Codebar.io (Brighton)</a:t>
             </a:r>
           </a:p>
           <a:p>
@@ -5237,7 +5659,7 @@
     </p:spTree>
     <p:extLst>
       <p:ext uri="{BB962C8B-B14F-4D97-AF65-F5344CB8AC3E}">
-        <p14:creationId xmlns:p14="http://schemas.microsoft.com/office/powerpoint/2010/main" val="4146200657"/>
+        <p14:creationId xmlns:p14="http://schemas.microsoft.com/office/powerpoint/2010/main" val="91563143"/>
       </p:ext>
     </p:extLst>
   </p:cSld>
@@ -5247,7 +5669,758 @@
 </p:sld>
 </file>
 
-<file path=ppt/slides/slide5.xml><?xml version="1.0" encoding="utf-8"?>
+<file path=ppt/slides/slide6.xml><?xml version="1.0" encoding="utf-8"?>
+<p:sld xmlns:a="http://schemas.openxmlformats.org/drawingml/2006/main" xmlns:r="http://schemas.openxmlformats.org/officeDocument/2006/relationships" xmlns:p="http://schemas.openxmlformats.org/presentationml/2006/main">
+  <p:cSld>
+    <p:spTree>
+      <p:nvGrpSpPr>
+        <p:cNvPr id="1" name=""/>
+        <p:cNvGrpSpPr/>
+        <p:nvPr/>
+      </p:nvGrpSpPr>
+      <p:grpSpPr>
+        <a:xfrm>
+          <a:off x="0" y="0"/>
+          <a:ext cx="0" cy="0"/>
+          <a:chOff x="0" y="0"/>
+          <a:chExt cx="0" cy="0"/>
+        </a:xfrm>
+      </p:grpSpPr>
+      <p:sp>
+        <p:nvSpPr>
+          <p:cNvPr id="2" name="Title 1">
+            <a:extLst>
+              <a:ext uri="{FF2B5EF4-FFF2-40B4-BE49-F238E27FC236}">
+                <a16:creationId xmlns:a16="http://schemas.microsoft.com/office/drawing/2014/main" id="{5D7568B3-EC9A-45DD-8A17-CFE685194B65}"/>
+              </a:ext>
+            </a:extLst>
+          </p:cNvPr>
+          <p:cNvSpPr>
+            <a:spLocks noGrp="1"/>
+          </p:cNvSpPr>
+          <p:nvPr>
+            <p:ph type="title"/>
+          </p:nvPr>
+        </p:nvSpPr>
+        <p:spPr>
+          <a:xfrm>
+            <a:off x="838200" y="0"/>
+            <a:ext cx="10515600" cy="1325563"/>
+          </a:xfrm>
+          <a:solidFill>
+            <a:srgbClr val="2196F3"/>
+          </a:solidFill>
+        </p:spPr>
+        <p:txBody>
+          <a:bodyPr>
+            <a:normAutofit/>
+          </a:bodyPr>
+          <a:lstStyle/>
+          <a:p>
+            <a:pPr algn="ctr"/>
+            <a:r>
+              <a:rPr lang="en-GB" sz="6600" dirty="0">
+                <a:solidFill>
+                  <a:schemeClr val="bg1"/>
+                </a:solidFill>
+                <a:latin typeface="Segoe UI" panose="020B0502040204020203" pitchFamily="34" charset="0"/>
+                <a:cs typeface="Segoe UI" panose="020B0502040204020203" pitchFamily="34" charset="0"/>
+              </a:rPr>
+              <a:t>PREVIOUS TALKS</a:t>
+            </a:r>
+          </a:p>
+        </p:txBody>
+      </p:sp>
+      <p:sp>
+        <p:nvSpPr>
+          <p:cNvPr id="4" name="Content Placeholder 2">
+            <a:extLst>
+              <a:ext uri="{FF2B5EF4-FFF2-40B4-BE49-F238E27FC236}">
+                <a16:creationId xmlns:a16="http://schemas.microsoft.com/office/drawing/2014/main" id="{088CCB65-11B4-408B-9ED3-1304FE85032F}"/>
+              </a:ext>
+            </a:extLst>
+          </p:cNvPr>
+          <p:cNvSpPr>
+            <a:spLocks noGrp="1"/>
+          </p:cNvSpPr>
+          <p:nvPr>
+            <p:ph idx="1"/>
+          </p:nvPr>
+        </p:nvSpPr>
+        <p:spPr>
+          <a:xfrm>
+            <a:off x="838200" y="1491818"/>
+            <a:ext cx="10515600" cy="5001346"/>
+          </a:xfrm>
+        </p:spPr>
+        <p:txBody>
+          <a:bodyPr wrap="square" bIns="252000">
+            <a:normAutofit/>
+          </a:bodyPr>
+          <a:lstStyle/>
+          <a:p>
+            <a:pPr marL="457200" lvl="1" indent="0">
+              <a:buNone/>
+            </a:pPr>
+            <a:endParaRPr lang="en-GB" sz="1050" dirty="0">
+              <a:solidFill>
+                <a:srgbClr val="2196F3"/>
+              </a:solidFill>
+              <a:latin typeface="Segoe UI" panose="020B0502040204020203" pitchFamily="34" charset="0"/>
+              <a:cs typeface="Segoe UI" panose="020B0502040204020203" pitchFamily="34" charset="0"/>
+            </a:endParaRPr>
+          </a:p>
+          <a:p>
+            <a:r>
+              <a:rPr lang="en-GB" sz="2200" dirty="0">
+                <a:solidFill>
+                  <a:srgbClr val="0070C0"/>
+                </a:solidFill>
+              </a:rPr>
+              <a:t>What is the WP REST API and how can I use it to make forms and pages that don’t need to do be reloaded? - </a:t>
+            </a:r>
+            <a:r>
+              <a:rPr lang="en-GB" sz="2200" dirty="0" err="1">
+                <a:solidFill>
+                  <a:srgbClr val="0070C0"/>
+                </a:solidFill>
+              </a:rPr>
+              <a:t>WordUp</a:t>
+            </a:r>
+            <a:r>
+              <a:rPr lang="en-GB" sz="2200" dirty="0">
+                <a:solidFill>
+                  <a:srgbClr val="0070C0"/>
+                </a:solidFill>
+              </a:rPr>
+              <a:t> Brighton May 2020.</a:t>
+            </a:r>
+          </a:p>
+          <a:p>
+            <a:r>
+              <a:rPr lang="en-GB" sz="2200" dirty="0">
+                <a:solidFill>
+                  <a:srgbClr val="0070C0"/>
+                </a:solidFill>
+              </a:rPr>
+              <a:t>WORKSHOP: WordPress REST API and AJAX Forms - WordCamp Geneva March 2020 [EVENT CANCELLED due to virus concerns :( ]</a:t>
+            </a:r>
+          </a:p>
+          <a:p>
+            <a:r>
+              <a:rPr lang="en-GB" sz="2200" dirty="0">
+                <a:solidFill>
+                  <a:srgbClr val="0070C0"/>
+                </a:solidFill>
+              </a:rPr>
+              <a:t>TALK - WP-HTML: </a:t>
+            </a:r>
+            <a:r>
+              <a:rPr lang="en-GB" sz="2200" b="1" dirty="0">
+                <a:solidFill>
+                  <a:schemeClr val="accent6">
+                    <a:lumMod val="75000"/>
+                  </a:schemeClr>
+                </a:solidFill>
+              </a:rPr>
+              <a:t>The marriage of WP and JS Frameworks for expansion, ubiquity and profit </a:t>
+            </a:r>
+            <a:r>
+              <a:rPr lang="en-GB" sz="2200" dirty="0">
+                <a:solidFill>
+                  <a:srgbClr val="0070C0"/>
+                </a:solidFill>
+              </a:rPr>
+              <a:t>- </a:t>
+            </a:r>
+            <a:r>
+              <a:rPr lang="en-GB" sz="2200" b="1" dirty="0">
+                <a:solidFill>
+                  <a:srgbClr val="0070C0"/>
+                </a:solidFill>
+              </a:rPr>
+              <a:t>WordCamp Vienna February 2020</a:t>
+            </a:r>
+            <a:r>
+              <a:rPr lang="en-GB" sz="2200" dirty="0">
+                <a:solidFill>
+                  <a:srgbClr val="0070C0"/>
+                </a:solidFill>
+              </a:rPr>
+              <a:t>.</a:t>
+            </a:r>
+          </a:p>
+          <a:p>
+            <a:r>
+              <a:rPr lang="en-GB" sz="2200" dirty="0">
+                <a:solidFill>
+                  <a:srgbClr val="0070C0"/>
+                </a:solidFill>
+              </a:rPr>
+              <a:t>WORKSHOP: WordPress REST API - WordCamp Vienna February 2020.</a:t>
+            </a:r>
+          </a:p>
+          <a:p>
+            <a:r>
+              <a:rPr lang="en-GB" sz="2200" dirty="0">
+                <a:solidFill>
+                  <a:srgbClr val="0070C0"/>
+                </a:solidFill>
+              </a:rPr>
+              <a:t>Progressive Web Apps - Brighton </a:t>
+            </a:r>
+            <a:r>
+              <a:rPr lang="en-GB" sz="2200" dirty="0" err="1">
+                <a:solidFill>
+                  <a:srgbClr val="0070C0"/>
+                </a:solidFill>
+              </a:rPr>
+              <a:t>WordUp</a:t>
+            </a:r>
+            <a:r>
+              <a:rPr lang="en-GB" sz="2200" dirty="0">
+                <a:solidFill>
+                  <a:srgbClr val="0070C0"/>
+                </a:solidFill>
+              </a:rPr>
+              <a:t> November 2019.</a:t>
+            </a:r>
+          </a:p>
+          <a:p>
+            <a:r>
+              <a:rPr lang="en-GB" sz="2200" dirty="0">
+                <a:solidFill>
+                  <a:srgbClr val="0070C0"/>
+                </a:solidFill>
+              </a:rPr>
+              <a:t>Decoupled WordPress (code along style) - </a:t>
+            </a:r>
+            <a:r>
+              <a:rPr lang="en-GB" sz="2200" b="1" dirty="0">
+                <a:solidFill>
+                  <a:srgbClr val="0070C0"/>
+                </a:solidFill>
+              </a:rPr>
+              <a:t>WordCamp Dublin October 2019</a:t>
+            </a:r>
+            <a:r>
+              <a:rPr lang="en-GB" sz="2200" dirty="0">
+                <a:solidFill>
+                  <a:srgbClr val="0070C0"/>
+                </a:solidFill>
+              </a:rPr>
+              <a:t>.</a:t>
+            </a:r>
+          </a:p>
+          <a:p>
+            <a:r>
+              <a:rPr lang="en-GB" sz="2200" dirty="0">
+                <a:solidFill>
+                  <a:srgbClr val="0070C0"/>
+                </a:solidFill>
+              </a:rPr>
+              <a:t>JWT and Authentication – </a:t>
+            </a:r>
+            <a:r>
+              <a:rPr lang="en-GB" sz="2200" dirty="0" err="1">
+                <a:solidFill>
+                  <a:srgbClr val="0070C0"/>
+                </a:solidFill>
+              </a:rPr>
+              <a:t>WPHooked</a:t>
+            </a:r>
+            <a:r>
+              <a:rPr lang="en-GB" sz="2200" dirty="0">
+                <a:solidFill>
+                  <a:srgbClr val="0070C0"/>
+                </a:solidFill>
+              </a:rPr>
+              <a:t> London September 2019.</a:t>
+            </a:r>
+          </a:p>
+          <a:p>
+            <a:r>
+              <a:rPr lang="en-GB" sz="2200" dirty="0">
+                <a:solidFill>
+                  <a:srgbClr val="0070C0"/>
+                </a:solidFill>
+              </a:rPr>
+              <a:t>Decoupled WordPress and WP Components - </a:t>
+            </a:r>
+            <a:r>
+              <a:rPr lang="en-GB" sz="2200" b="1" dirty="0">
+                <a:solidFill>
+                  <a:srgbClr val="0070C0"/>
+                </a:solidFill>
+              </a:rPr>
+              <a:t>WordCamp Brighton August 2019</a:t>
+            </a:r>
+            <a:r>
+              <a:rPr lang="en-GB" sz="2200" dirty="0">
+                <a:solidFill>
+                  <a:srgbClr val="0070C0"/>
+                </a:solidFill>
+              </a:rPr>
+              <a:t>.</a:t>
+            </a:r>
+          </a:p>
+          <a:p>
+            <a:pPr marL="457200" lvl="1" indent="0">
+              <a:buNone/>
+            </a:pPr>
+            <a:endParaRPr lang="en-GB" sz="6700" dirty="0">
+              <a:solidFill>
+                <a:srgbClr val="2196F3"/>
+              </a:solidFill>
+              <a:latin typeface="Segoe UI" panose="020B0502040204020203" pitchFamily="34" charset="0"/>
+              <a:cs typeface="Segoe UI" panose="020B0502040204020203" pitchFamily="34" charset="0"/>
+            </a:endParaRPr>
+          </a:p>
+          <a:p>
+            <a:pPr marL="457200" lvl="1" indent="0">
+              <a:buNone/>
+            </a:pPr>
+            <a:endParaRPr lang="en-GB" sz="6700" dirty="0">
+              <a:solidFill>
+                <a:srgbClr val="2196F3"/>
+              </a:solidFill>
+              <a:latin typeface="Segoe UI" panose="020B0502040204020203" pitchFamily="34" charset="0"/>
+              <a:cs typeface="Segoe UI" panose="020B0502040204020203" pitchFamily="34" charset="0"/>
+            </a:endParaRPr>
+          </a:p>
+          <a:p>
+            <a:pPr marL="457200" lvl="1" indent="0">
+              <a:buNone/>
+            </a:pPr>
+            <a:endParaRPr lang="en-GB" sz="6700" dirty="0">
+              <a:solidFill>
+                <a:srgbClr val="2196F3"/>
+              </a:solidFill>
+              <a:latin typeface="Segoe UI" panose="020B0502040204020203" pitchFamily="34" charset="0"/>
+              <a:cs typeface="Segoe UI" panose="020B0502040204020203" pitchFamily="34" charset="0"/>
+            </a:endParaRPr>
+          </a:p>
+          <a:p>
+            <a:pPr marL="457200" lvl="1" indent="0">
+              <a:buNone/>
+            </a:pPr>
+            <a:endParaRPr lang="en-GB" sz="6700" dirty="0">
+              <a:latin typeface="Segoe UI" panose="020B0502040204020203" pitchFamily="34" charset="0"/>
+              <a:cs typeface="Segoe UI" panose="020B0502040204020203" pitchFamily="34" charset="0"/>
+            </a:endParaRPr>
+          </a:p>
+          <a:p>
+            <a:pPr marL="0" indent="0">
+              <a:buNone/>
+            </a:pPr>
+            <a:endParaRPr lang="en-GB" dirty="0">
+              <a:latin typeface="Segoe UI" panose="020B0502040204020203" pitchFamily="34" charset="0"/>
+              <a:cs typeface="Segoe UI" panose="020B0502040204020203" pitchFamily="34" charset="0"/>
+            </a:endParaRPr>
+          </a:p>
+          <a:p>
+            <a:endParaRPr lang="en-GB" dirty="0">
+              <a:latin typeface="Segoe UI" panose="020B0502040204020203" pitchFamily="34" charset="0"/>
+              <a:cs typeface="Segoe UI" panose="020B0502040204020203" pitchFamily="34" charset="0"/>
+            </a:endParaRPr>
+          </a:p>
+        </p:txBody>
+      </p:sp>
+    </p:spTree>
+    <p:extLst>
+      <p:ext uri="{BB962C8B-B14F-4D97-AF65-F5344CB8AC3E}">
+        <p14:creationId xmlns:p14="http://schemas.microsoft.com/office/powerpoint/2010/main" val="2972891001"/>
+      </p:ext>
+    </p:extLst>
+  </p:cSld>
+  <p:clrMapOvr>
+    <a:masterClrMapping/>
+  </p:clrMapOvr>
+</p:sld>
+</file>
+
+<file path=ppt/slides/slide7.xml><?xml version="1.0" encoding="utf-8"?>
+<p:sld xmlns:a="http://schemas.openxmlformats.org/drawingml/2006/main" xmlns:r="http://schemas.openxmlformats.org/officeDocument/2006/relationships" xmlns:p="http://schemas.openxmlformats.org/presentationml/2006/main">
+  <p:cSld>
+    <p:spTree>
+      <p:nvGrpSpPr>
+        <p:cNvPr id="1" name=""/>
+        <p:cNvGrpSpPr/>
+        <p:nvPr/>
+      </p:nvGrpSpPr>
+      <p:grpSpPr>
+        <a:xfrm>
+          <a:off x="0" y="0"/>
+          <a:ext cx="0" cy="0"/>
+          <a:chOff x="0" y="0"/>
+          <a:chExt cx="0" cy="0"/>
+        </a:xfrm>
+      </p:grpSpPr>
+      <p:sp>
+        <p:nvSpPr>
+          <p:cNvPr id="4" name="Content Placeholder 2">
+            <a:extLst>
+              <a:ext uri="{FF2B5EF4-FFF2-40B4-BE49-F238E27FC236}">
+                <a16:creationId xmlns:a16="http://schemas.microsoft.com/office/drawing/2014/main" id="{088CCB65-11B4-408B-9ED3-1304FE85032F}"/>
+              </a:ext>
+            </a:extLst>
+          </p:cNvPr>
+          <p:cNvSpPr>
+            <a:spLocks noGrp="1"/>
+          </p:cNvSpPr>
+          <p:nvPr>
+            <p:ph idx="1"/>
+          </p:nvPr>
+        </p:nvSpPr>
+        <p:spPr>
+          <a:xfrm>
+            <a:off x="838198" y="801678"/>
+            <a:ext cx="10515600" cy="5718392"/>
+          </a:xfrm>
+        </p:spPr>
+        <p:txBody>
+          <a:bodyPr wrap="square" bIns="252000">
+            <a:normAutofit fontScale="25000" lnSpcReduction="20000"/>
+          </a:bodyPr>
+          <a:lstStyle/>
+          <a:p>
+            <a:pPr marL="457200" lvl="1" indent="0">
+              <a:buNone/>
+            </a:pPr>
+            <a:endParaRPr lang="en-GB" sz="1000" dirty="0">
+              <a:solidFill>
+                <a:srgbClr val="2196F3"/>
+              </a:solidFill>
+              <a:latin typeface="Segoe UI" panose="020B0502040204020203" pitchFamily="34" charset="0"/>
+              <a:cs typeface="Segoe UI" panose="020B0502040204020203" pitchFamily="34" charset="0"/>
+            </a:endParaRPr>
+          </a:p>
+          <a:p>
+            <a:pPr marL="457200" lvl="1" indent="0">
+              <a:buNone/>
+            </a:pPr>
+            <a:endParaRPr lang="en-GB" sz="1050" dirty="0">
+              <a:solidFill>
+                <a:srgbClr val="2196F3"/>
+              </a:solidFill>
+              <a:latin typeface="Segoe UI" panose="020B0502040204020203" pitchFamily="34" charset="0"/>
+              <a:cs typeface="Segoe UI" panose="020B0502040204020203" pitchFamily="34" charset="0"/>
+            </a:endParaRPr>
+          </a:p>
+          <a:p>
+            <a:pPr lvl="1">
+              <a:lnSpc>
+                <a:spcPts val="4200"/>
+              </a:lnSpc>
+            </a:pPr>
+            <a:r>
+              <a:rPr lang="en-GB" sz="11200" dirty="0">
+                <a:solidFill>
+                  <a:srgbClr val="2196F3"/>
+                </a:solidFill>
+                <a:latin typeface="Segoe UI" panose="020B0502040204020203" pitchFamily="34" charset="0"/>
+                <a:cs typeface="Segoe UI" panose="020B0502040204020203" pitchFamily="34" charset="0"/>
+              </a:rPr>
+              <a:t>Microsoft Certified Systems Engineer (2000-2003)</a:t>
+            </a:r>
+          </a:p>
+          <a:p>
+            <a:pPr lvl="1">
+              <a:lnSpc>
+                <a:spcPts val="4200"/>
+              </a:lnSpc>
+            </a:pPr>
+            <a:r>
+              <a:rPr lang="en-GB" sz="11200" dirty="0">
+                <a:solidFill>
+                  <a:srgbClr val="2196F3"/>
+                </a:solidFill>
+                <a:latin typeface="Segoe UI" panose="020B0502040204020203" pitchFamily="34" charset="0"/>
+                <a:cs typeface="Segoe UI" panose="020B0502040204020203" pitchFamily="34" charset="0"/>
+              </a:rPr>
+              <a:t>Microsoft Certified Database Administrator (SQL2000)</a:t>
+            </a:r>
+          </a:p>
+          <a:p>
+            <a:pPr lvl="1">
+              <a:lnSpc>
+                <a:spcPts val="4200"/>
+              </a:lnSpc>
+            </a:pPr>
+            <a:r>
+              <a:rPr lang="en-GB" sz="11200" dirty="0">
+                <a:solidFill>
+                  <a:srgbClr val="2196F3"/>
+                </a:solidFill>
+                <a:latin typeface="Segoe UI" panose="020B0502040204020203" pitchFamily="34" charset="0"/>
+                <a:cs typeface="Segoe UI" panose="020B0502040204020203" pitchFamily="34" charset="0"/>
+              </a:rPr>
+              <a:t>Business Information Architect at a UK Recycling Company</a:t>
+            </a:r>
+          </a:p>
+          <a:p>
+            <a:pPr lvl="1">
+              <a:lnSpc>
+                <a:spcPts val="4200"/>
+              </a:lnSpc>
+            </a:pPr>
+            <a:r>
+              <a:rPr lang="en-GB" sz="11200" dirty="0">
+                <a:solidFill>
+                  <a:srgbClr val="2196F3"/>
+                </a:solidFill>
+                <a:latin typeface="Segoe UI" panose="020B0502040204020203" pitchFamily="34" charset="0"/>
+                <a:cs typeface="Segoe UI" panose="020B0502040204020203" pitchFamily="34" charset="0"/>
+              </a:rPr>
+              <a:t>WordPress 2017</a:t>
+            </a:r>
+          </a:p>
+          <a:p>
+            <a:pPr lvl="1">
+              <a:lnSpc>
+                <a:spcPts val="4200"/>
+              </a:lnSpc>
+            </a:pPr>
+            <a:r>
+              <a:rPr lang="en-GB" sz="11200" b="1" dirty="0">
+                <a:solidFill>
+                  <a:srgbClr val="00B050"/>
+                </a:solidFill>
+                <a:latin typeface="Segoe UI" panose="020B0502040204020203" pitchFamily="34" charset="0"/>
+                <a:cs typeface="Segoe UI" panose="020B0502040204020203" pitchFamily="34" charset="0"/>
+              </a:rPr>
+              <a:t>Currently</a:t>
+            </a:r>
+            <a:r>
+              <a:rPr lang="en-GB" sz="11200" dirty="0">
+                <a:solidFill>
+                  <a:srgbClr val="2196F3"/>
+                </a:solidFill>
+                <a:latin typeface="Segoe UI" panose="020B0502040204020203" pitchFamily="34" charset="0"/>
+                <a:cs typeface="Segoe UI" panose="020B0502040204020203" pitchFamily="34" charset="0"/>
+              </a:rPr>
+              <a:t> PWAs(offline/instant websites), Web Components, WordPress-HTML and Mobile Web Optimisation.</a:t>
+            </a:r>
+          </a:p>
+          <a:p>
+            <a:pPr lvl="1">
+              <a:lnSpc>
+                <a:spcPts val="4200"/>
+              </a:lnSpc>
+            </a:pPr>
+            <a:r>
+              <a:rPr lang="en-GB" sz="11200" dirty="0">
+                <a:solidFill>
+                  <a:srgbClr val="2196F3"/>
+                </a:solidFill>
+                <a:latin typeface="Segoe UI" panose="020B0502040204020203" pitchFamily="34" charset="0"/>
+                <a:cs typeface="Segoe UI" panose="020B0502040204020203" pitchFamily="34" charset="0"/>
+              </a:rPr>
+              <a:t>1-3 hour training seminars for companies and groups.</a:t>
+            </a:r>
+          </a:p>
+          <a:p>
+            <a:pPr lvl="1">
+              <a:lnSpc>
+                <a:spcPts val="4200"/>
+              </a:lnSpc>
+            </a:pPr>
+            <a:r>
+              <a:rPr lang="en-GB" sz="16000" dirty="0">
+                <a:solidFill>
+                  <a:srgbClr val="00B050"/>
+                </a:solidFill>
+                <a:latin typeface="Segoe UI" panose="020B0502040204020203" pitchFamily="34" charset="0"/>
+                <a:cs typeface="Segoe UI" panose="020B0502040204020203" pitchFamily="34" charset="0"/>
+              </a:rPr>
+              <a:t>Still just as ‘student’! Still overwhelmed! </a:t>
+            </a:r>
+          </a:p>
+          <a:p>
+            <a:pPr lvl="1">
+              <a:lnSpc>
+                <a:spcPts val="4200"/>
+              </a:lnSpc>
+            </a:pPr>
+            <a:r>
+              <a:rPr lang="en-GB" sz="16000" dirty="0" err="1">
+                <a:solidFill>
+                  <a:srgbClr val="00B050"/>
+                </a:solidFill>
+                <a:latin typeface="Segoe UI" panose="020B0502040204020203" pitchFamily="34" charset="0"/>
+                <a:cs typeface="Segoe UI" panose="020B0502040204020203" pitchFamily="34" charset="0"/>
+              </a:rPr>
+              <a:t>Volounteer</a:t>
+            </a:r>
+            <a:r>
+              <a:rPr lang="en-GB" sz="16000" dirty="0">
+                <a:solidFill>
+                  <a:srgbClr val="00B050"/>
+                </a:solidFill>
+                <a:latin typeface="Segoe UI" panose="020B0502040204020203" pitchFamily="34" charset="0"/>
+                <a:cs typeface="Segoe UI" panose="020B0502040204020203" pitchFamily="34" charset="0"/>
+              </a:rPr>
+              <a:t> Coach at Codebar.io (Brighton)</a:t>
+            </a:r>
+          </a:p>
+          <a:p>
+            <a:pPr marL="457200" lvl="1" indent="0">
+              <a:buNone/>
+            </a:pPr>
+            <a:endParaRPr lang="en-GB" sz="6700" dirty="0">
+              <a:solidFill>
+                <a:srgbClr val="2196F3"/>
+              </a:solidFill>
+              <a:latin typeface="Segoe UI" panose="020B0502040204020203" pitchFamily="34" charset="0"/>
+              <a:cs typeface="Segoe UI" panose="020B0502040204020203" pitchFamily="34" charset="0"/>
+            </a:endParaRPr>
+          </a:p>
+          <a:p>
+            <a:pPr marL="457200" lvl="1" indent="0">
+              <a:buNone/>
+            </a:pPr>
+            <a:endParaRPr lang="en-GB" sz="6700" dirty="0">
+              <a:solidFill>
+                <a:srgbClr val="2196F3"/>
+              </a:solidFill>
+              <a:latin typeface="Segoe UI" panose="020B0502040204020203" pitchFamily="34" charset="0"/>
+              <a:cs typeface="Segoe UI" panose="020B0502040204020203" pitchFamily="34" charset="0"/>
+            </a:endParaRPr>
+          </a:p>
+          <a:p>
+            <a:pPr marL="457200" lvl="1" indent="0">
+              <a:buNone/>
+            </a:pPr>
+            <a:endParaRPr lang="en-GB" sz="6700" dirty="0">
+              <a:solidFill>
+                <a:srgbClr val="2196F3"/>
+              </a:solidFill>
+              <a:latin typeface="Segoe UI" panose="020B0502040204020203" pitchFamily="34" charset="0"/>
+              <a:cs typeface="Segoe UI" panose="020B0502040204020203" pitchFamily="34" charset="0"/>
+            </a:endParaRPr>
+          </a:p>
+          <a:p>
+            <a:pPr marL="457200" lvl="1" indent="0">
+              <a:buNone/>
+            </a:pPr>
+            <a:endParaRPr lang="en-GB" sz="6700" dirty="0">
+              <a:latin typeface="Segoe UI" panose="020B0502040204020203" pitchFamily="34" charset="0"/>
+              <a:cs typeface="Segoe UI" panose="020B0502040204020203" pitchFamily="34" charset="0"/>
+            </a:endParaRPr>
+          </a:p>
+          <a:p>
+            <a:pPr marL="0" indent="0">
+              <a:buNone/>
+            </a:pPr>
+            <a:endParaRPr lang="en-GB" dirty="0">
+              <a:latin typeface="Segoe UI" panose="020B0502040204020203" pitchFamily="34" charset="0"/>
+              <a:cs typeface="Segoe UI" panose="020B0502040204020203" pitchFamily="34" charset="0"/>
+            </a:endParaRPr>
+          </a:p>
+          <a:p>
+            <a:endParaRPr lang="en-GB" dirty="0">
+              <a:latin typeface="Segoe UI" panose="020B0502040204020203" pitchFamily="34" charset="0"/>
+              <a:cs typeface="Segoe UI" panose="020B0502040204020203" pitchFamily="34" charset="0"/>
+            </a:endParaRPr>
+          </a:p>
+        </p:txBody>
+      </p:sp>
+      <p:sp>
+        <p:nvSpPr>
+          <p:cNvPr id="3" name="TextBox 2">
+            <a:extLst>
+              <a:ext uri="{FF2B5EF4-FFF2-40B4-BE49-F238E27FC236}">
+                <a16:creationId xmlns:a16="http://schemas.microsoft.com/office/drawing/2014/main" id="{D373F874-33F7-4988-AE13-A7A123EFA342}"/>
+              </a:ext>
+            </a:extLst>
+          </p:cNvPr>
+          <p:cNvSpPr txBox="1"/>
+          <p:nvPr/>
+        </p:nvSpPr>
+        <p:spPr>
+          <a:xfrm>
+            <a:off x="2641307" y="155347"/>
+            <a:ext cx="6909383" cy="646331"/>
+          </a:xfrm>
+          <a:prstGeom prst="rect">
+            <a:avLst/>
+          </a:prstGeom>
+          <a:noFill/>
+        </p:spPr>
+        <p:txBody>
+          <a:bodyPr wrap="square" rtlCol="0">
+            <a:spAutoFit/>
+          </a:bodyPr>
+          <a:lstStyle/>
+          <a:p>
+            <a:r>
+              <a:rPr lang="en-GB" sz="3600" dirty="0">
+                <a:solidFill>
+                  <a:srgbClr val="2196F3"/>
+                </a:solidFill>
+                <a:latin typeface="Segoe UI" panose="020B0502040204020203" pitchFamily="34" charset="0"/>
+                <a:cs typeface="Segoe UI" panose="020B0502040204020203" pitchFamily="34" charset="0"/>
+              </a:rPr>
+              <a:t>In and out of tech over the years</a:t>
+            </a:r>
+          </a:p>
+        </p:txBody>
+      </p:sp>
+      <p:sp>
+        <p:nvSpPr>
+          <p:cNvPr id="2" name="Rectangle 1">
+            <a:extLst>
+              <a:ext uri="{FF2B5EF4-FFF2-40B4-BE49-F238E27FC236}">
+                <a16:creationId xmlns:a16="http://schemas.microsoft.com/office/drawing/2014/main" id="{E6D0A169-4464-4665-9975-B3943769A329}"/>
+              </a:ext>
+            </a:extLst>
+          </p:cNvPr>
+          <p:cNvSpPr/>
+          <p:nvPr/>
+        </p:nvSpPr>
+        <p:spPr>
+          <a:xfrm>
+            <a:off x="4731203" y="3244334"/>
+            <a:ext cx="2729593" cy="369332"/>
+          </a:xfrm>
+          <a:prstGeom prst="rect">
+            <a:avLst/>
+          </a:prstGeom>
+        </p:spPr>
+        <p:txBody>
+          <a:bodyPr wrap="none">
+            <a:spAutoFit/>
+          </a:bodyPr>
+          <a:lstStyle/>
+          <a:p>
+            <a:r>
+              <a:rPr lang="en-GB" dirty="0">
+                <a:solidFill>
+                  <a:schemeClr val="bg1"/>
+                </a:solidFill>
+                <a:latin typeface="Segoe UI" panose="020B0502040204020203" pitchFamily="34" charset="0"/>
+                <a:cs typeface="Segoe UI" panose="020B0502040204020203" pitchFamily="34" charset="0"/>
+              </a:rPr>
+              <a:t>PROGRESSIVE WEB APPS</a:t>
+            </a:r>
+            <a:endParaRPr lang="en-GB" dirty="0"/>
+          </a:p>
+        </p:txBody>
+      </p:sp>
+    </p:spTree>
+    <p:extLst>
+      <p:ext uri="{BB962C8B-B14F-4D97-AF65-F5344CB8AC3E}">
+        <p14:creationId xmlns:p14="http://schemas.microsoft.com/office/powerpoint/2010/main" val="3914645655"/>
+      </p:ext>
+    </p:extLst>
+  </p:cSld>
+  <p:clrMapOvr>
+    <a:masterClrMapping/>
+  </p:clrMapOvr>
+</p:sld>
+</file>
+
+<file path=ppt/slides/slide8.xml><?xml version="1.0" encoding="utf-8"?>
 <p:sld xmlns:a="http://schemas.openxmlformats.org/drawingml/2006/main" xmlns:r="http://schemas.openxmlformats.org/officeDocument/2006/relationships" xmlns:p="http://schemas.openxmlformats.org/presentationml/2006/main">
   <p:cSld>
     <p:spTree>

--- a/PWA.pptx
+++ b/PWA.pptx
@@ -5,17 +5,18 @@
     <p:sldMasterId id="2147483648" r:id="rId1"/>
   </p:sldMasterIdLst>
   <p:notesMasterIdLst>
-    <p:notesMasterId r:id="rId10"/>
+    <p:notesMasterId r:id="rId11"/>
   </p:notesMasterIdLst>
   <p:sldIdLst>
     <p:sldId id="315" r:id="rId2"/>
     <p:sldId id="264" r:id="rId3"/>
     <p:sldId id="266" r:id="rId4"/>
-    <p:sldId id="316" r:id="rId5"/>
-    <p:sldId id="317" r:id="rId6"/>
-    <p:sldId id="318" r:id="rId7"/>
-    <p:sldId id="319" r:id="rId8"/>
-    <p:sldId id="279" r:id="rId9"/>
+    <p:sldId id="320" r:id="rId5"/>
+    <p:sldId id="316" r:id="rId6"/>
+    <p:sldId id="317" r:id="rId7"/>
+    <p:sldId id="318" r:id="rId8"/>
+    <p:sldId id="319" r:id="rId9"/>
+    <p:sldId id="279" r:id="rId10"/>
   </p:sldIdLst>
   <p:sldSz cx="12192000" cy="6858000"/>
   <p:notesSz cx="6858000" cy="9144000"/>
@@ -122,6 +123,7 @@
             <p14:sldId id="315"/>
             <p14:sldId id="264"/>
             <p14:sldId id="266"/>
+            <p14:sldId id="320"/>
             <p14:sldId id="316"/>
             <p14:sldId id="317"/>
             <p14:sldId id="318"/>
@@ -231,7 +233,7 @@
           <a:p>
             <a:fld id="{70FE56F2-0B60-44FC-AC55-491897A4F355}" type="datetimeFigureOut">
               <a:rPr lang="en-GB" smtClean="0"/>
-              <a:t>04/06/2020</a:t>
+              <a:t>07/06/2020</a:t>
             </a:fld>
             <a:endParaRPr lang="en-GB"/>
           </a:p>
@@ -648,7 +650,7 @@
           <a:p>
             <a:fld id="{4D723AB6-704A-42C8-AB51-31B091223600}" type="datetimeFigureOut">
               <a:rPr lang="en-GB" smtClean="0"/>
-              <a:t>04/06/2020</a:t>
+              <a:t>07/06/2020</a:t>
             </a:fld>
             <a:endParaRPr lang="en-GB"/>
           </a:p>
@@ -848,7 +850,7 @@
           <a:p>
             <a:fld id="{4D723AB6-704A-42C8-AB51-31B091223600}" type="datetimeFigureOut">
               <a:rPr lang="en-GB" smtClean="0"/>
-              <a:t>04/06/2020</a:t>
+              <a:t>07/06/2020</a:t>
             </a:fld>
             <a:endParaRPr lang="en-GB"/>
           </a:p>
@@ -1058,7 +1060,7 @@
           <a:p>
             <a:fld id="{4D723AB6-704A-42C8-AB51-31B091223600}" type="datetimeFigureOut">
               <a:rPr lang="en-GB" smtClean="0"/>
-              <a:t>04/06/2020</a:t>
+              <a:t>07/06/2020</a:t>
             </a:fld>
             <a:endParaRPr lang="en-GB"/>
           </a:p>
@@ -1258,7 +1260,7 @@
           <a:p>
             <a:fld id="{4D723AB6-704A-42C8-AB51-31B091223600}" type="datetimeFigureOut">
               <a:rPr lang="en-GB" smtClean="0"/>
-              <a:t>04/06/2020</a:t>
+              <a:t>07/06/2020</a:t>
             </a:fld>
             <a:endParaRPr lang="en-GB"/>
           </a:p>
@@ -1534,7 +1536,7 @@
           <a:p>
             <a:fld id="{4D723AB6-704A-42C8-AB51-31B091223600}" type="datetimeFigureOut">
               <a:rPr lang="en-GB" smtClean="0"/>
-              <a:t>04/06/2020</a:t>
+              <a:t>07/06/2020</a:t>
             </a:fld>
             <a:endParaRPr lang="en-GB"/>
           </a:p>
@@ -1802,7 +1804,7 @@
           <a:p>
             <a:fld id="{4D723AB6-704A-42C8-AB51-31B091223600}" type="datetimeFigureOut">
               <a:rPr lang="en-GB" smtClean="0"/>
-              <a:t>04/06/2020</a:t>
+              <a:t>07/06/2020</a:t>
             </a:fld>
             <a:endParaRPr lang="en-GB"/>
           </a:p>
@@ -2217,7 +2219,7 @@
           <a:p>
             <a:fld id="{4D723AB6-704A-42C8-AB51-31B091223600}" type="datetimeFigureOut">
               <a:rPr lang="en-GB" smtClean="0"/>
-              <a:t>04/06/2020</a:t>
+              <a:t>07/06/2020</a:t>
             </a:fld>
             <a:endParaRPr lang="en-GB"/>
           </a:p>
@@ -2359,7 +2361,7 @@
           <a:p>
             <a:fld id="{4D723AB6-704A-42C8-AB51-31B091223600}" type="datetimeFigureOut">
               <a:rPr lang="en-GB" smtClean="0"/>
-              <a:t>04/06/2020</a:t>
+              <a:t>07/06/2020</a:t>
             </a:fld>
             <a:endParaRPr lang="en-GB"/>
           </a:p>
@@ -2472,7 +2474,7 @@
           <a:p>
             <a:fld id="{4D723AB6-704A-42C8-AB51-31B091223600}" type="datetimeFigureOut">
               <a:rPr lang="en-GB" smtClean="0"/>
-              <a:t>04/06/2020</a:t>
+              <a:t>07/06/2020</a:t>
             </a:fld>
             <a:endParaRPr lang="en-GB"/>
           </a:p>
@@ -2785,7 +2787,7 @@
           <a:p>
             <a:fld id="{4D723AB6-704A-42C8-AB51-31B091223600}" type="datetimeFigureOut">
               <a:rPr lang="en-GB" smtClean="0"/>
-              <a:t>04/06/2020</a:t>
+              <a:t>07/06/2020</a:t>
             </a:fld>
             <a:endParaRPr lang="en-GB"/>
           </a:p>
@@ -3074,7 +3076,7 @@
           <a:p>
             <a:fld id="{4D723AB6-704A-42C8-AB51-31B091223600}" type="datetimeFigureOut">
               <a:rPr lang="en-GB" smtClean="0"/>
-              <a:t>04/06/2020</a:t>
+              <a:t>07/06/2020</a:t>
             </a:fld>
             <a:endParaRPr lang="en-GB"/>
           </a:p>
@@ -3317,7 +3319,7 @@
           <a:p>
             <a:fld id="{4D723AB6-704A-42C8-AB51-31B091223600}" type="datetimeFigureOut">
               <a:rPr lang="en-GB" smtClean="0"/>
-              <a:t>04/06/2020</a:t>
+              <a:t>07/06/2020</a:t>
             </a:fld>
             <a:endParaRPr lang="en-GB"/>
           </a:p>
@@ -3865,19 +3867,7 @@
               </a:rPr>
               <a:t>craig@wpjs.co.uk</a:t>
             </a:r>
-            <a:endParaRPr lang="en-GB" sz="600" b="1" dirty="0">
-              <a:solidFill>
-                <a:srgbClr val="FFC000"/>
-              </a:solidFill>
-              <a:latin typeface="Segoe UI" panose="020B0502040204020203" pitchFamily="34" charset="0"/>
-              <a:cs typeface="Segoe UI" panose="020B0502040204020203" pitchFamily="34" charset="0"/>
-            </a:endParaRPr>
-          </a:p>
-          <a:p>
-            <a:pPr marL="457200" lvl="1" indent="0">
-              <a:buNone/>
-            </a:pPr>
-            <a:endParaRPr lang="en-GB" sz="300" dirty="0">
+            <a:endParaRPr lang="en-GB" b="1" dirty="0">
               <a:solidFill>
                 <a:srgbClr val="2196F3"/>
               </a:solidFill>
@@ -3889,37 +3879,15 @@
             <a:pPr marL="457200" lvl="1" indent="0">
               <a:buNone/>
             </a:pPr>
-            <a:endParaRPr lang="en-GB" b="1">
-              <a:solidFill>
-                <a:srgbClr val="2196F3"/>
-              </a:solidFill>
-              <a:latin typeface="Segoe UI" panose="020B0502040204020203" pitchFamily="34" charset="0"/>
-              <a:cs typeface="Segoe UI" panose="020B0502040204020203" pitchFamily="34" charset="0"/>
-            </a:endParaRPr>
-          </a:p>
-          <a:p>
-            <a:pPr marL="457200" lvl="1" indent="0">
-              <a:buNone/>
-            </a:pPr>
-            <a:r>
-              <a:rPr lang="en-GB" b="1">
+            <a:r>
+              <a:rPr lang="en-GB" b="1" dirty="0">
                 <a:solidFill>
                   <a:srgbClr val="2196F3"/>
                 </a:solidFill>
                 <a:latin typeface="Segoe UI" panose="020B0502040204020203" pitchFamily="34" charset="0"/>
                 <a:cs typeface="Segoe UI" panose="020B0502040204020203" pitchFamily="34" charset="0"/>
               </a:rPr>
-              <a:t>RESOURCE </a:t>
-            </a:r>
-            <a:r>
-              <a:rPr lang="en-GB" b="1" dirty="0">
-                <a:solidFill>
-                  <a:srgbClr val="2196F3"/>
-                </a:solidFill>
-                <a:latin typeface="Segoe UI" panose="020B0502040204020203" pitchFamily="34" charset="0"/>
-                <a:cs typeface="Segoe UI" panose="020B0502040204020203" pitchFamily="34" charset="0"/>
-              </a:rPr>
-              <a:t>PACK with course files, handbook, slides:</a:t>
+              <a:t>RESOURCE PACK with course files, handbook, slides:</a:t>
             </a:r>
           </a:p>
           <a:p>
@@ -3937,12 +3905,25 @@
           <a:p>
             <a:pPr lvl="1"/>
             <a:r>
-              <a:rPr lang="en-GB" sz="3200" dirty="0">
-                <a:hlinkClick r:id="rId3"/>
+              <a:rPr lang="en-GB" sz="3200" b="1" dirty="0">
+                <a:solidFill>
+                  <a:srgbClr val="7030A0"/>
+                </a:solidFill>
+                <a:hlinkClick r:id="rId3">
+                  <a:extLst>
+                    <a:ext uri="{A12FA001-AC4F-418D-AE19-62706E023703}">
+                      <ahyp:hlinkClr xmlns:ahyp="http://schemas.microsoft.com/office/drawing/2018/hyperlinkcolor" val="tx"/>
+                    </a:ext>
+                  </a:extLst>
+                </a:hlinkClick>
               </a:rPr>
               <a:t>https://github.com/iwswordpress/pwa</a:t>
             </a:r>
-            <a:endParaRPr lang="en-GB" sz="3200" dirty="0"/>
+            <a:endParaRPr lang="en-GB" sz="3200" b="1" dirty="0">
+              <a:solidFill>
+                <a:srgbClr val="7030A0"/>
+              </a:solidFill>
+            </a:endParaRPr>
           </a:p>
           <a:p>
             <a:pPr lvl="1"/>
@@ -3970,6 +3951,52 @@
               <a:latin typeface="Segoe UI" panose="020B0502040204020203" pitchFamily="34" charset="0"/>
               <a:cs typeface="Segoe UI" panose="020B0502040204020203" pitchFamily="34" charset="0"/>
             </a:endParaRPr>
+          </a:p>
+          <a:p>
+            <a:pPr lvl="1"/>
+            <a:r>
+              <a:rPr lang="en-GB" sz="3200" b="1" dirty="0">
+                <a:solidFill>
+                  <a:srgbClr val="2196F3"/>
+                </a:solidFill>
+                <a:latin typeface="Segoe UI" panose="020B0502040204020203" pitchFamily="34" charset="0"/>
+                <a:cs typeface="Segoe UI" panose="020B0502040204020203" pitchFamily="34" charset="0"/>
+              </a:rPr>
+              <a:t>There is a docx file with resources and notes.</a:t>
+            </a:r>
+          </a:p>
+          <a:p>
+            <a:pPr lvl="1"/>
+            <a:r>
+              <a:rPr lang="en-GB" sz="3200" b="1" dirty="0">
+                <a:solidFill>
+                  <a:srgbClr val="2196F3"/>
+                </a:solidFill>
+                <a:latin typeface="Segoe UI" panose="020B0502040204020203" pitchFamily="34" charset="0"/>
+                <a:cs typeface="Segoe UI" panose="020B0502040204020203" pitchFamily="34" charset="0"/>
+              </a:rPr>
+              <a:t>VS-SetUp.txt details my </a:t>
+            </a:r>
+            <a:r>
+              <a:rPr lang="en-GB" sz="3200" b="1" dirty="0" err="1">
+                <a:solidFill>
+                  <a:srgbClr val="2196F3"/>
+                </a:solidFill>
+                <a:latin typeface="Segoe UI" panose="020B0502040204020203" pitchFamily="34" charset="0"/>
+                <a:cs typeface="Segoe UI" panose="020B0502040204020203" pitchFamily="34" charset="0"/>
+              </a:rPr>
+              <a:t>VSCode</a:t>
+            </a:r>
+            <a:r>
+              <a:rPr lang="en-GB" sz="3200" b="1" dirty="0">
+                <a:solidFill>
+                  <a:srgbClr val="2196F3"/>
+                </a:solidFill>
+                <a:latin typeface="Segoe UI" panose="020B0502040204020203" pitchFamily="34" charset="0"/>
+                <a:cs typeface="Segoe UI" panose="020B0502040204020203" pitchFamily="34" charset="0"/>
+              </a:rPr>
+              <a:t> configuration.</a:t>
+            </a:r>
           </a:p>
           <a:p>
             <a:pPr marL="457200" lvl="1" indent="0">
@@ -4325,7 +4352,7 @@
         <p:spPr>
           <a:xfrm>
             <a:off x="838200" y="1325563"/>
-            <a:ext cx="10515600" cy="4989511"/>
+            <a:ext cx="10515600" cy="5175905"/>
           </a:xfrm>
         </p:spPr>
         <p:txBody>
@@ -4359,7 +4386,7 @@
                 <a:latin typeface="Segoe UI" panose="020B0502040204020203" pitchFamily="34" charset="0"/>
                 <a:cs typeface="Segoe UI" panose="020B0502040204020203" pitchFamily="34" charset="0"/>
               </a:rPr>
-              <a:t>To give an overview of PWA architecture.</a:t>
+              <a:t>A roadmap about PWA.</a:t>
             </a:r>
           </a:p>
           <a:p>
@@ -4376,7 +4403,7 @@
                 <a:latin typeface="Segoe UI" panose="020B0502040204020203" pitchFamily="34" charset="0"/>
                 <a:cs typeface="Segoe UI" panose="020B0502040204020203" pitchFamily="34" charset="0"/>
               </a:rPr>
-              <a:t>Prepare you to use all the resources after the workshop if you want to develop your PWA skills.</a:t>
+              <a:t>To give an overview of PWA architecture.</a:t>
             </a:r>
           </a:p>
           <a:p>
@@ -4393,7 +4420,7 @@
                 <a:latin typeface="Segoe UI" panose="020B0502040204020203" pitchFamily="34" charset="0"/>
                 <a:cs typeface="Segoe UI" panose="020B0502040204020203" pitchFamily="34" charset="0"/>
               </a:rPr>
-              <a:t>Work though the sample PWA to see what is needed to create a PWA.</a:t>
+              <a:t>Prepare you to use all the resources after the workshop if you want to develop your PWA skills.</a:t>
             </a:r>
           </a:p>
           <a:p>
@@ -4410,8 +4437,70 @@
                 <a:latin typeface="Segoe UI" panose="020B0502040204020203" pitchFamily="34" charset="0"/>
                 <a:cs typeface="Segoe UI" panose="020B0502040204020203" pitchFamily="34" charset="0"/>
               </a:rPr>
+              <a:t>Work though the sample PWA to </a:t>
+            </a:r>
+          </a:p>
+          <a:p>
+            <a:pPr marL="0" indent="0">
+              <a:lnSpc>
+                <a:spcPts val="4500"/>
+              </a:lnSpc>
+              <a:buNone/>
+            </a:pPr>
+            <a:r>
+              <a:rPr lang="en-GB" sz="3600" dirty="0">
+                <a:solidFill>
+                  <a:srgbClr val="2196F3"/>
+                </a:solidFill>
+                <a:latin typeface="Segoe UI" panose="020B0502040204020203" pitchFamily="34" charset="0"/>
+                <a:cs typeface="Segoe UI" panose="020B0502040204020203" pitchFamily="34" charset="0"/>
+              </a:rPr>
+              <a:t>  see what is</a:t>
+            </a:r>
+            <a:r>
+              <a:rPr lang="en-GB" sz="3600" b="1" dirty="0">
+                <a:solidFill>
+                  <a:srgbClr val="2196F3"/>
+                </a:solidFill>
+                <a:latin typeface="Segoe UI" panose="020B0502040204020203" pitchFamily="34" charset="0"/>
+                <a:cs typeface="Segoe UI" panose="020B0502040204020203" pitchFamily="34" charset="0"/>
+              </a:rPr>
+              <a:t> </a:t>
+            </a:r>
+            <a:r>
+              <a:rPr lang="en-GB" sz="3600" dirty="0">
+                <a:solidFill>
+                  <a:srgbClr val="2196F3"/>
+                </a:solidFill>
+                <a:latin typeface="Segoe UI" panose="020B0502040204020203" pitchFamily="34" charset="0"/>
+                <a:cs typeface="Segoe UI" panose="020B0502040204020203" pitchFamily="34" charset="0"/>
+              </a:rPr>
+              <a:t>needed to create a PWA.</a:t>
+            </a:r>
+          </a:p>
+          <a:p>
+            <a:pPr>
+              <a:lnSpc>
+                <a:spcPts val="4500"/>
+              </a:lnSpc>
+            </a:pPr>
+            <a:r>
+              <a:rPr lang="en-GB" sz="3600" dirty="0">
+                <a:solidFill>
+                  <a:srgbClr val="2196F3"/>
+                </a:solidFill>
+                <a:latin typeface="Segoe UI" panose="020B0502040204020203" pitchFamily="34" charset="0"/>
+                <a:cs typeface="Segoe UI" panose="020B0502040204020203" pitchFamily="34" charset="0"/>
+              </a:rPr>
               <a:t>A ‘show and tell’…</a:t>
             </a:r>
+          </a:p>
+          <a:p>
+            <a:pPr>
+              <a:lnSpc>
+                <a:spcPts val="4500"/>
+              </a:lnSpc>
+            </a:pPr>
             <a:endParaRPr lang="en-GB" sz="4700" dirty="0">
               <a:solidFill>
                 <a:srgbClr val="2196F3"/>
@@ -4523,6 +4612,55 @@
                 <a:cs typeface="Segoe UI" panose="020B0502040204020203" pitchFamily="34" charset="0"/>
               </a:rPr>
               <a:t>REALISTIC OUTCOMES</a:t>
+            </a:r>
+          </a:p>
+        </p:txBody>
+      </p:sp>
+      <p:sp>
+        <p:nvSpPr>
+          <p:cNvPr id="2" name="Flowchart: Sequential Access Storage 1">
+            <a:extLst>
+              <a:ext uri="{FF2B5EF4-FFF2-40B4-BE49-F238E27FC236}">
+                <a16:creationId xmlns:a16="http://schemas.microsoft.com/office/drawing/2014/main" id="{E83E7AD9-D360-4B1E-A742-EB5E731EA55E}"/>
+              </a:ext>
+            </a:extLst>
+          </p:cNvPr>
+          <p:cNvSpPr/>
+          <p:nvPr/>
+        </p:nvSpPr>
+        <p:spPr>
+          <a:xfrm>
+            <a:off x="8674216" y="4117159"/>
+            <a:ext cx="2407640" cy="2048749"/>
+          </a:xfrm>
+          <a:prstGeom prst="flowChartMagneticTape">
+            <a:avLst/>
+          </a:prstGeom>
+        </p:spPr>
+        <p:style>
+          <a:lnRef idx="2">
+            <a:schemeClr val="accent1">
+              <a:shade val="50000"/>
+            </a:schemeClr>
+          </a:lnRef>
+          <a:fillRef idx="1">
+            <a:schemeClr val="accent1"/>
+          </a:fillRef>
+          <a:effectRef idx="0">
+            <a:schemeClr val="accent1"/>
+          </a:effectRef>
+          <a:fontRef idx="minor">
+            <a:schemeClr val="lt1"/>
+          </a:fontRef>
+        </p:style>
+        <p:txBody>
+          <a:bodyPr rtlCol="0" anchor="ctr"/>
+          <a:lstStyle/>
+          <a:p>
+            <a:pPr algn="ctr"/>
+            <a:r>
+              <a:rPr lang="en-GB" sz="2400" dirty="0"/>
+              <a:t>Don’t worry if you don’t understand</a:t>
             </a:r>
           </a:p>
         </p:txBody>
@@ -4541,6 +4679,261 @@
 </file>
 
 <file path=ppt/slides/slide4.xml><?xml version="1.0" encoding="utf-8"?>
+<p:sld xmlns:a="http://schemas.openxmlformats.org/drawingml/2006/main" xmlns:r="http://schemas.openxmlformats.org/officeDocument/2006/relationships" xmlns:p="http://schemas.openxmlformats.org/presentationml/2006/main">
+  <p:cSld>
+    <p:spTree>
+      <p:nvGrpSpPr>
+        <p:cNvPr id="1" name=""/>
+        <p:cNvGrpSpPr/>
+        <p:nvPr/>
+      </p:nvGrpSpPr>
+      <p:grpSpPr>
+        <a:xfrm>
+          <a:off x="0" y="0"/>
+          <a:ext cx="0" cy="0"/>
+          <a:chOff x="0" y="0"/>
+          <a:chExt cx="0" cy="0"/>
+        </a:xfrm>
+      </p:grpSpPr>
+      <p:sp>
+        <p:nvSpPr>
+          <p:cNvPr id="3" name="Content Placeholder 2">
+            <a:extLst>
+              <a:ext uri="{FF2B5EF4-FFF2-40B4-BE49-F238E27FC236}">
+                <a16:creationId xmlns:a16="http://schemas.microsoft.com/office/drawing/2014/main" id="{380A49C7-87C7-4B50-A695-2297B5304E7B}"/>
+              </a:ext>
+            </a:extLst>
+          </p:cNvPr>
+          <p:cNvSpPr>
+            <a:spLocks noGrp="1"/>
+          </p:cNvSpPr>
+          <p:nvPr>
+            <p:ph idx="1"/>
+          </p:nvPr>
+        </p:nvSpPr>
+        <p:spPr>
+          <a:xfrm>
+            <a:off x="838200" y="1325563"/>
+            <a:ext cx="10515600" cy="5175905"/>
+          </a:xfrm>
+        </p:spPr>
+        <p:txBody>
+          <a:bodyPr>
+            <a:normAutofit/>
+          </a:bodyPr>
+          <a:lstStyle/>
+          <a:p>
+            <a:pPr marL="0" indent="0">
+              <a:buNone/>
+            </a:pPr>
+            <a:endParaRPr lang="en-GB" sz="900" dirty="0">
+              <a:solidFill>
+                <a:srgbClr val="2196F3"/>
+              </a:solidFill>
+              <a:latin typeface="Segoe UI" panose="020B0502040204020203" pitchFamily="34" charset="0"/>
+              <a:cs typeface="Segoe UI" panose="020B0502040204020203" pitchFamily="34" charset="0"/>
+            </a:endParaRPr>
+          </a:p>
+          <a:p>
+            <a:pPr>
+              <a:lnSpc>
+                <a:spcPts val="4500"/>
+              </a:lnSpc>
+            </a:pPr>
+            <a:endParaRPr lang="en-GB" sz="3600" dirty="0">
+              <a:solidFill>
+                <a:srgbClr val="2196F3"/>
+              </a:solidFill>
+              <a:latin typeface="Segoe UI" panose="020B0502040204020203" pitchFamily="34" charset="0"/>
+              <a:cs typeface="Segoe UI" panose="020B0502040204020203" pitchFamily="34" charset="0"/>
+            </a:endParaRPr>
+          </a:p>
+          <a:p>
+            <a:pPr>
+              <a:lnSpc>
+                <a:spcPts val="4500"/>
+              </a:lnSpc>
+            </a:pPr>
+            <a:r>
+              <a:rPr lang="en-GB" sz="3600" dirty="0">
+                <a:solidFill>
+                  <a:srgbClr val="2196F3"/>
+                </a:solidFill>
+                <a:latin typeface="Segoe UI" panose="020B0502040204020203" pitchFamily="34" charset="0"/>
+                <a:cs typeface="Segoe UI" panose="020B0502040204020203" pitchFamily="34" charset="0"/>
+              </a:rPr>
+              <a:t>You can use bits as you please.</a:t>
+            </a:r>
+          </a:p>
+          <a:p>
+            <a:pPr>
+              <a:lnSpc>
+                <a:spcPts val="4500"/>
+              </a:lnSpc>
+            </a:pPr>
+            <a:r>
+              <a:rPr lang="en-GB" sz="3600" dirty="0">
+                <a:solidFill>
+                  <a:srgbClr val="2196F3"/>
+                </a:solidFill>
+                <a:latin typeface="Segoe UI" panose="020B0502040204020203" pitchFamily="34" charset="0"/>
+                <a:cs typeface="Segoe UI" panose="020B0502040204020203" pitchFamily="34" charset="0"/>
+              </a:rPr>
+              <a:t>These are enhancements that work in some browsers and those that don’t fail safely.</a:t>
+            </a:r>
+          </a:p>
+          <a:p>
+            <a:pPr>
+              <a:lnSpc>
+                <a:spcPts val="4500"/>
+              </a:lnSpc>
+            </a:pPr>
+            <a:r>
+              <a:rPr lang="en-GB" sz="3600" dirty="0">
+                <a:solidFill>
+                  <a:srgbClr val="2196F3"/>
+                </a:solidFill>
+                <a:latin typeface="Segoe UI" panose="020B0502040204020203" pitchFamily="34" charset="0"/>
+                <a:cs typeface="Segoe UI" panose="020B0502040204020203" pitchFamily="34" charset="0"/>
+              </a:rPr>
+              <a:t>I am available to offer my experience – email me.</a:t>
+            </a:r>
+          </a:p>
+          <a:p>
+            <a:pPr>
+              <a:lnSpc>
+                <a:spcPts val="4500"/>
+              </a:lnSpc>
+            </a:pPr>
+            <a:endParaRPr lang="en-GB" sz="4700" dirty="0">
+              <a:solidFill>
+                <a:srgbClr val="2196F3"/>
+              </a:solidFill>
+              <a:latin typeface="Segoe UI" panose="020B0502040204020203" pitchFamily="34" charset="0"/>
+              <a:cs typeface="Segoe UI" panose="020B0502040204020203" pitchFamily="34" charset="0"/>
+            </a:endParaRPr>
+          </a:p>
+          <a:p>
+            <a:pPr marL="0" indent="0">
+              <a:buNone/>
+            </a:pPr>
+            <a:endParaRPr lang="en-GB" sz="3600" i="1" dirty="0">
+              <a:solidFill>
+                <a:srgbClr val="2196F3"/>
+              </a:solidFill>
+              <a:latin typeface="Segoe UI" panose="020B0502040204020203" pitchFamily="34" charset="0"/>
+              <a:cs typeface="Segoe UI" panose="020B0502040204020203" pitchFamily="34" charset="0"/>
+            </a:endParaRPr>
+          </a:p>
+          <a:p>
+            <a:pPr marL="0" indent="0">
+              <a:buNone/>
+            </a:pPr>
+            <a:endParaRPr lang="en-GB" sz="1400" dirty="0">
+              <a:solidFill>
+                <a:srgbClr val="2196F3"/>
+              </a:solidFill>
+              <a:latin typeface="Segoe UI" panose="020B0502040204020203" pitchFamily="34" charset="0"/>
+              <a:cs typeface="Segoe UI" panose="020B0502040204020203" pitchFamily="34" charset="0"/>
+            </a:endParaRPr>
+          </a:p>
+          <a:p>
+            <a:pPr marL="0" indent="0">
+              <a:buNone/>
+            </a:pPr>
+            <a:endParaRPr lang="en-GB" i="1" dirty="0">
+              <a:solidFill>
+                <a:srgbClr val="2196F3"/>
+              </a:solidFill>
+              <a:latin typeface="Segoe UI" panose="020B0502040204020203" pitchFamily="34" charset="0"/>
+              <a:cs typeface="Segoe UI" panose="020B0502040204020203" pitchFamily="34" charset="0"/>
+            </a:endParaRPr>
+          </a:p>
+          <a:p>
+            <a:endParaRPr lang="en-GB" dirty="0">
+              <a:latin typeface="Segoe UI" panose="020B0502040204020203" pitchFamily="34" charset="0"/>
+              <a:cs typeface="Segoe UI" panose="020B0502040204020203" pitchFamily="34" charset="0"/>
+            </a:endParaRPr>
+          </a:p>
+          <a:p>
+            <a:endParaRPr lang="en-GB" dirty="0">
+              <a:latin typeface="Segoe UI" panose="020B0502040204020203" pitchFamily="34" charset="0"/>
+              <a:cs typeface="Segoe UI" panose="020B0502040204020203" pitchFamily="34" charset="0"/>
+            </a:endParaRPr>
+          </a:p>
+          <a:p>
+            <a:endParaRPr lang="en-GB" dirty="0">
+              <a:latin typeface="Segoe UI" panose="020B0502040204020203" pitchFamily="34" charset="0"/>
+              <a:cs typeface="Segoe UI" panose="020B0502040204020203" pitchFamily="34" charset="0"/>
+            </a:endParaRPr>
+          </a:p>
+          <a:p>
+            <a:endParaRPr lang="en-GB" dirty="0">
+              <a:latin typeface="Segoe UI" panose="020B0502040204020203" pitchFamily="34" charset="0"/>
+              <a:cs typeface="Segoe UI" panose="020B0502040204020203" pitchFamily="34" charset="0"/>
+            </a:endParaRPr>
+          </a:p>
+        </p:txBody>
+      </p:sp>
+      <p:sp>
+        <p:nvSpPr>
+          <p:cNvPr id="6" name="Title 1">
+            <a:extLst>
+              <a:ext uri="{FF2B5EF4-FFF2-40B4-BE49-F238E27FC236}">
+                <a16:creationId xmlns:a16="http://schemas.microsoft.com/office/drawing/2014/main" id="{A9FE3B7A-AB00-444C-B7E7-EA48B7D72F9E}"/>
+              </a:ext>
+            </a:extLst>
+          </p:cNvPr>
+          <p:cNvSpPr>
+            <a:spLocks noGrp="1"/>
+          </p:cNvSpPr>
+          <p:nvPr>
+            <p:ph type="title"/>
+          </p:nvPr>
+        </p:nvSpPr>
+        <p:spPr>
+          <a:xfrm>
+            <a:off x="838200" y="0"/>
+            <a:ext cx="10515600" cy="1325563"/>
+          </a:xfrm>
+          <a:solidFill>
+            <a:srgbClr val="2196F3"/>
+          </a:solidFill>
+        </p:spPr>
+        <p:txBody>
+          <a:bodyPr>
+            <a:normAutofit/>
+          </a:bodyPr>
+          <a:lstStyle/>
+          <a:p>
+            <a:pPr algn="ctr"/>
+            <a:r>
+              <a:rPr lang="en-GB" sz="6600" dirty="0">
+                <a:solidFill>
+                  <a:schemeClr val="bg1"/>
+                </a:solidFill>
+                <a:latin typeface="Segoe UI" panose="020B0502040204020203" pitchFamily="34" charset="0"/>
+                <a:cs typeface="Segoe UI" panose="020B0502040204020203" pitchFamily="34" charset="0"/>
+              </a:rPr>
+              <a:t>REMEMBER</a:t>
+            </a:r>
+          </a:p>
+        </p:txBody>
+      </p:sp>
+    </p:spTree>
+    <p:extLst>
+      <p:ext uri="{BB962C8B-B14F-4D97-AF65-F5344CB8AC3E}">
+        <p14:creationId xmlns:p14="http://schemas.microsoft.com/office/powerpoint/2010/main" val="769420178"/>
+      </p:ext>
+    </p:extLst>
+  </p:cSld>
+  <p:clrMapOvr>
+    <a:masterClrMapping/>
+  </p:clrMapOvr>
+</p:sld>
+</file>
+
+<file path=ppt/slides/slide5.xml><?xml version="1.0" encoding="utf-8"?>
 <p:sld xmlns:a="http://schemas.openxmlformats.org/drawingml/2006/main" xmlns:r="http://schemas.openxmlformats.org/officeDocument/2006/relationships" xmlns:p="http://schemas.openxmlformats.org/presentationml/2006/main">
   <p:cSld>
     <p:spTree>
@@ -5329,346 +5722,6 @@
 </p:sld>
 </file>
 
-<file path=ppt/slides/slide5.xml><?xml version="1.0" encoding="utf-8"?>
-<p:sld xmlns:a="http://schemas.openxmlformats.org/drawingml/2006/main" xmlns:r="http://schemas.openxmlformats.org/officeDocument/2006/relationships" xmlns:p="http://schemas.openxmlformats.org/presentationml/2006/main">
-  <p:cSld>
-    <p:spTree>
-      <p:nvGrpSpPr>
-        <p:cNvPr id="1" name=""/>
-        <p:cNvGrpSpPr/>
-        <p:nvPr/>
-      </p:nvGrpSpPr>
-      <p:grpSpPr>
-        <a:xfrm>
-          <a:off x="0" y="0"/>
-          <a:ext cx="0" cy="0"/>
-          <a:chOff x="0" y="0"/>
-          <a:chExt cx="0" cy="0"/>
-        </a:xfrm>
-      </p:grpSpPr>
-      <p:sp>
-        <p:nvSpPr>
-          <p:cNvPr id="4" name="Content Placeholder 2">
-            <a:extLst>
-              <a:ext uri="{FF2B5EF4-FFF2-40B4-BE49-F238E27FC236}">
-                <a16:creationId xmlns:a16="http://schemas.microsoft.com/office/drawing/2014/main" id="{088CCB65-11B4-408B-9ED3-1304FE85032F}"/>
-              </a:ext>
-            </a:extLst>
-          </p:cNvPr>
-          <p:cNvSpPr>
-            <a:spLocks noGrp="1"/>
-          </p:cNvSpPr>
-          <p:nvPr>
-            <p:ph idx="1"/>
-          </p:nvPr>
-        </p:nvSpPr>
-        <p:spPr>
-          <a:xfrm>
-            <a:off x="838198" y="801678"/>
-            <a:ext cx="10515600" cy="5718392"/>
-          </a:xfrm>
-        </p:spPr>
-        <p:txBody>
-          <a:bodyPr wrap="square" bIns="252000">
-            <a:normAutofit fontScale="25000" lnSpcReduction="20000"/>
-          </a:bodyPr>
-          <a:lstStyle/>
-          <a:p>
-            <a:pPr marL="457200" lvl="1" indent="0">
-              <a:buNone/>
-            </a:pPr>
-            <a:endParaRPr lang="en-GB" sz="1000" dirty="0">
-              <a:solidFill>
-                <a:srgbClr val="2196F3"/>
-              </a:solidFill>
-              <a:latin typeface="Segoe UI" panose="020B0502040204020203" pitchFamily="34" charset="0"/>
-              <a:cs typeface="Segoe UI" panose="020B0502040204020203" pitchFamily="34" charset="0"/>
-            </a:endParaRPr>
-          </a:p>
-          <a:p>
-            <a:pPr marL="457200" lvl="1" indent="0">
-              <a:buNone/>
-            </a:pPr>
-            <a:endParaRPr lang="en-GB" sz="1050" dirty="0">
-              <a:solidFill>
-                <a:srgbClr val="2196F3"/>
-              </a:solidFill>
-              <a:latin typeface="Segoe UI" panose="020B0502040204020203" pitchFamily="34" charset="0"/>
-              <a:cs typeface="Segoe UI" panose="020B0502040204020203" pitchFamily="34" charset="0"/>
-            </a:endParaRPr>
-          </a:p>
-          <a:p>
-            <a:pPr lvl="1">
-              <a:lnSpc>
-                <a:spcPts val="4200"/>
-              </a:lnSpc>
-            </a:pPr>
-            <a:r>
-              <a:rPr lang="en-GB" sz="11200" dirty="0">
-                <a:solidFill>
-                  <a:srgbClr val="2196F3"/>
-                </a:solidFill>
-                <a:latin typeface="Segoe UI" panose="020B0502040204020203" pitchFamily="34" charset="0"/>
-                <a:cs typeface="Segoe UI" panose="020B0502040204020203" pitchFamily="34" charset="0"/>
-              </a:rPr>
-              <a:t>Microsoft Certified Systems Engineer (2000-2003)</a:t>
-            </a:r>
-          </a:p>
-          <a:p>
-            <a:pPr lvl="1">
-              <a:lnSpc>
-                <a:spcPts val="4200"/>
-              </a:lnSpc>
-            </a:pPr>
-            <a:r>
-              <a:rPr lang="en-GB" sz="11200" dirty="0">
-                <a:solidFill>
-                  <a:srgbClr val="2196F3"/>
-                </a:solidFill>
-                <a:latin typeface="Segoe UI" panose="020B0502040204020203" pitchFamily="34" charset="0"/>
-                <a:cs typeface="Segoe UI" panose="020B0502040204020203" pitchFamily="34" charset="0"/>
-              </a:rPr>
-              <a:t>Microsoft Certified Database Administrator (SQL2000)</a:t>
-            </a:r>
-          </a:p>
-          <a:p>
-            <a:pPr lvl="1">
-              <a:lnSpc>
-                <a:spcPts val="4200"/>
-              </a:lnSpc>
-            </a:pPr>
-            <a:r>
-              <a:rPr lang="en-GB" sz="11200" dirty="0">
-                <a:solidFill>
-                  <a:srgbClr val="2196F3"/>
-                </a:solidFill>
-                <a:latin typeface="Segoe UI" panose="020B0502040204020203" pitchFamily="34" charset="0"/>
-                <a:cs typeface="Segoe UI" panose="020B0502040204020203" pitchFamily="34" charset="0"/>
-              </a:rPr>
-              <a:t>Business Information Architect at a UK Recycling Company</a:t>
-            </a:r>
-          </a:p>
-          <a:p>
-            <a:pPr lvl="1">
-              <a:lnSpc>
-                <a:spcPts val="4200"/>
-              </a:lnSpc>
-            </a:pPr>
-            <a:r>
-              <a:rPr lang="en-GB" sz="11200" dirty="0">
-                <a:solidFill>
-                  <a:srgbClr val="2196F3"/>
-                </a:solidFill>
-                <a:latin typeface="Segoe UI" panose="020B0502040204020203" pitchFamily="34" charset="0"/>
-                <a:cs typeface="Segoe UI" panose="020B0502040204020203" pitchFamily="34" charset="0"/>
-              </a:rPr>
-              <a:t>WordPress 2017</a:t>
-            </a:r>
-          </a:p>
-          <a:p>
-            <a:pPr lvl="1">
-              <a:lnSpc>
-                <a:spcPts val="4200"/>
-              </a:lnSpc>
-            </a:pPr>
-            <a:r>
-              <a:rPr lang="en-GB" sz="11200" b="1" dirty="0">
-                <a:solidFill>
-                  <a:srgbClr val="00B050"/>
-                </a:solidFill>
-                <a:latin typeface="Segoe UI" panose="020B0502040204020203" pitchFamily="34" charset="0"/>
-                <a:cs typeface="Segoe UI" panose="020B0502040204020203" pitchFamily="34" charset="0"/>
-              </a:rPr>
-              <a:t>Currently</a:t>
-            </a:r>
-            <a:r>
-              <a:rPr lang="en-GB" sz="11200" dirty="0">
-                <a:solidFill>
-                  <a:srgbClr val="2196F3"/>
-                </a:solidFill>
-                <a:latin typeface="Segoe UI" panose="020B0502040204020203" pitchFamily="34" charset="0"/>
-                <a:cs typeface="Segoe UI" panose="020B0502040204020203" pitchFamily="34" charset="0"/>
-              </a:rPr>
-              <a:t> PWAs(offline/instant websites), Web Components, WordPress-HTML and Mobile Web Optimisation.</a:t>
-            </a:r>
-          </a:p>
-          <a:p>
-            <a:pPr lvl="1">
-              <a:lnSpc>
-                <a:spcPts val="4200"/>
-              </a:lnSpc>
-            </a:pPr>
-            <a:r>
-              <a:rPr lang="en-GB" sz="11200" dirty="0">
-                <a:solidFill>
-                  <a:srgbClr val="2196F3"/>
-                </a:solidFill>
-                <a:latin typeface="Segoe UI" panose="020B0502040204020203" pitchFamily="34" charset="0"/>
-                <a:cs typeface="Segoe UI" panose="020B0502040204020203" pitchFamily="34" charset="0"/>
-              </a:rPr>
-              <a:t>1-3 hour training seminars for companies and groups.</a:t>
-            </a:r>
-          </a:p>
-          <a:p>
-            <a:pPr lvl="1">
-              <a:lnSpc>
-                <a:spcPts val="4200"/>
-              </a:lnSpc>
-            </a:pPr>
-            <a:r>
-              <a:rPr lang="en-GB" sz="16000" dirty="0">
-                <a:solidFill>
-                  <a:srgbClr val="00B050"/>
-                </a:solidFill>
-                <a:latin typeface="Segoe UI" panose="020B0502040204020203" pitchFamily="34" charset="0"/>
-                <a:cs typeface="Segoe UI" panose="020B0502040204020203" pitchFamily="34" charset="0"/>
-              </a:rPr>
-              <a:t>Still just as ‘student’! Still overwhelmed! </a:t>
-            </a:r>
-          </a:p>
-          <a:p>
-            <a:pPr lvl="1">
-              <a:lnSpc>
-                <a:spcPts val="4200"/>
-              </a:lnSpc>
-            </a:pPr>
-            <a:r>
-              <a:rPr lang="en-GB" sz="16000" dirty="0" err="1">
-                <a:solidFill>
-                  <a:srgbClr val="00B050"/>
-                </a:solidFill>
-                <a:latin typeface="Segoe UI" panose="020B0502040204020203" pitchFamily="34" charset="0"/>
-                <a:cs typeface="Segoe UI" panose="020B0502040204020203" pitchFamily="34" charset="0"/>
-              </a:rPr>
-              <a:t>Volounteer</a:t>
-            </a:r>
-            <a:r>
-              <a:rPr lang="en-GB" sz="16000" dirty="0">
-                <a:solidFill>
-                  <a:srgbClr val="00B050"/>
-                </a:solidFill>
-                <a:latin typeface="Segoe UI" panose="020B0502040204020203" pitchFamily="34" charset="0"/>
-                <a:cs typeface="Segoe UI" panose="020B0502040204020203" pitchFamily="34" charset="0"/>
-              </a:rPr>
-              <a:t> Coach at Codebar.io (Brighton)</a:t>
-            </a:r>
-          </a:p>
-          <a:p>
-            <a:pPr marL="457200" lvl="1" indent="0">
-              <a:buNone/>
-            </a:pPr>
-            <a:endParaRPr lang="en-GB" sz="6700" dirty="0">
-              <a:solidFill>
-                <a:srgbClr val="2196F3"/>
-              </a:solidFill>
-              <a:latin typeface="Segoe UI" panose="020B0502040204020203" pitchFamily="34" charset="0"/>
-              <a:cs typeface="Segoe UI" panose="020B0502040204020203" pitchFamily="34" charset="0"/>
-            </a:endParaRPr>
-          </a:p>
-          <a:p>
-            <a:pPr marL="457200" lvl="1" indent="0">
-              <a:buNone/>
-            </a:pPr>
-            <a:endParaRPr lang="en-GB" sz="6700" dirty="0">
-              <a:solidFill>
-                <a:srgbClr val="2196F3"/>
-              </a:solidFill>
-              <a:latin typeface="Segoe UI" panose="020B0502040204020203" pitchFamily="34" charset="0"/>
-              <a:cs typeface="Segoe UI" panose="020B0502040204020203" pitchFamily="34" charset="0"/>
-            </a:endParaRPr>
-          </a:p>
-          <a:p>
-            <a:pPr marL="457200" lvl="1" indent="0">
-              <a:buNone/>
-            </a:pPr>
-            <a:endParaRPr lang="en-GB" sz="6700" dirty="0">
-              <a:solidFill>
-                <a:srgbClr val="2196F3"/>
-              </a:solidFill>
-              <a:latin typeface="Segoe UI" panose="020B0502040204020203" pitchFamily="34" charset="0"/>
-              <a:cs typeface="Segoe UI" panose="020B0502040204020203" pitchFamily="34" charset="0"/>
-            </a:endParaRPr>
-          </a:p>
-          <a:p>
-            <a:pPr marL="457200" lvl="1" indent="0">
-              <a:buNone/>
-            </a:pPr>
-            <a:endParaRPr lang="en-GB" sz="6700" dirty="0">
-              <a:latin typeface="Segoe UI" panose="020B0502040204020203" pitchFamily="34" charset="0"/>
-              <a:cs typeface="Segoe UI" panose="020B0502040204020203" pitchFamily="34" charset="0"/>
-            </a:endParaRPr>
-          </a:p>
-          <a:p>
-            <a:pPr marL="0" indent="0">
-              <a:buNone/>
-            </a:pPr>
-            <a:endParaRPr lang="en-GB" dirty="0">
-              <a:latin typeface="Segoe UI" panose="020B0502040204020203" pitchFamily="34" charset="0"/>
-              <a:cs typeface="Segoe UI" panose="020B0502040204020203" pitchFamily="34" charset="0"/>
-            </a:endParaRPr>
-          </a:p>
-          <a:p>
-            <a:endParaRPr lang="en-GB" dirty="0">
-              <a:latin typeface="Segoe UI" panose="020B0502040204020203" pitchFamily="34" charset="0"/>
-              <a:cs typeface="Segoe UI" panose="020B0502040204020203" pitchFamily="34" charset="0"/>
-            </a:endParaRPr>
-          </a:p>
-        </p:txBody>
-      </p:sp>
-      <p:sp>
-        <p:nvSpPr>
-          <p:cNvPr id="3" name="TextBox 2">
-            <a:extLst>
-              <a:ext uri="{FF2B5EF4-FFF2-40B4-BE49-F238E27FC236}">
-                <a16:creationId xmlns:a16="http://schemas.microsoft.com/office/drawing/2014/main" id="{D373F874-33F7-4988-AE13-A7A123EFA342}"/>
-              </a:ext>
-            </a:extLst>
-          </p:cNvPr>
-          <p:cNvSpPr txBox="1"/>
-          <p:nvPr/>
-        </p:nvSpPr>
-        <p:spPr>
-          <a:xfrm>
-            <a:off x="2641307" y="155347"/>
-            <a:ext cx="6909383" cy="646331"/>
-          </a:xfrm>
-          <a:prstGeom prst="rect">
-            <a:avLst/>
-          </a:prstGeom>
-          <a:noFill/>
-        </p:spPr>
-        <p:txBody>
-          <a:bodyPr wrap="square" rtlCol="0">
-            <a:spAutoFit/>
-          </a:bodyPr>
-          <a:lstStyle/>
-          <a:p>
-            <a:r>
-              <a:rPr lang="en-GB" sz="3600" dirty="0">
-                <a:solidFill>
-                  <a:srgbClr val="2196F3"/>
-                </a:solidFill>
-                <a:latin typeface="Segoe UI" panose="020B0502040204020203" pitchFamily="34" charset="0"/>
-                <a:cs typeface="Segoe UI" panose="020B0502040204020203" pitchFamily="34" charset="0"/>
-              </a:rPr>
-              <a:t>In and out of tech over the years</a:t>
-            </a:r>
-          </a:p>
-        </p:txBody>
-      </p:sp>
-    </p:spTree>
-    <p:extLst>
-      <p:ext uri="{BB962C8B-B14F-4D97-AF65-F5344CB8AC3E}">
-        <p14:creationId xmlns:p14="http://schemas.microsoft.com/office/powerpoint/2010/main" val="91563143"/>
-      </p:ext>
-    </p:extLst>
-  </p:cSld>
-  <p:clrMapOvr>
-    <a:masterClrMapping/>
-  </p:clrMapOvr>
-</p:sld>
-</file>
-
 <file path=ppt/slides/slide6.xml><?xml version="1.0" encoding="utf-8"?>
 <p:sld xmlns:a="http://schemas.openxmlformats.org/drawingml/2006/main" xmlns:r="http://schemas.openxmlformats.org/officeDocument/2006/relationships" xmlns:p="http://schemas.openxmlformats.org/presentationml/2006/main">
   <p:cSld>
@@ -5688,76 +5741,43 @@
       </p:grpSpPr>
       <p:sp>
         <p:nvSpPr>
-          <p:cNvPr id="2" name="Title 1">
-            <a:extLst>
-              <a:ext uri="{FF2B5EF4-FFF2-40B4-BE49-F238E27FC236}">
-                <a16:creationId xmlns:a16="http://schemas.microsoft.com/office/drawing/2014/main" id="{5D7568B3-EC9A-45DD-8A17-CFE685194B65}"/>
-              </a:ext>
-            </a:extLst>
-          </p:cNvPr>
-          <p:cNvSpPr>
-            <a:spLocks noGrp="1"/>
-          </p:cNvSpPr>
-          <p:nvPr>
-            <p:ph type="title"/>
+          <p:cNvPr id="4" name="Content Placeholder 2">
+            <a:extLst>
+              <a:ext uri="{FF2B5EF4-FFF2-40B4-BE49-F238E27FC236}">
+                <a16:creationId xmlns:a16="http://schemas.microsoft.com/office/drawing/2014/main" id="{088CCB65-11B4-408B-9ED3-1304FE85032F}"/>
+              </a:ext>
+            </a:extLst>
+          </p:cNvPr>
+          <p:cNvSpPr>
+            <a:spLocks noGrp="1"/>
+          </p:cNvSpPr>
+          <p:nvPr>
+            <p:ph idx="1"/>
           </p:nvPr>
         </p:nvSpPr>
         <p:spPr>
           <a:xfrm>
-            <a:off x="838200" y="0"/>
-            <a:ext cx="10515600" cy="1325563"/>
-          </a:xfrm>
-          <a:solidFill>
-            <a:srgbClr val="2196F3"/>
-          </a:solidFill>
-        </p:spPr>
-        <p:txBody>
-          <a:bodyPr>
-            <a:normAutofit/>
-          </a:bodyPr>
-          <a:lstStyle/>
-          <a:p>
-            <a:pPr algn="ctr"/>
-            <a:r>
-              <a:rPr lang="en-GB" sz="6600" dirty="0">
-                <a:solidFill>
-                  <a:schemeClr val="bg1"/>
-                </a:solidFill>
-                <a:latin typeface="Segoe UI" panose="020B0502040204020203" pitchFamily="34" charset="0"/>
-                <a:cs typeface="Segoe UI" panose="020B0502040204020203" pitchFamily="34" charset="0"/>
-              </a:rPr>
-              <a:t>PREVIOUS TALKS</a:t>
-            </a:r>
-          </a:p>
-        </p:txBody>
-      </p:sp>
-      <p:sp>
-        <p:nvSpPr>
-          <p:cNvPr id="4" name="Content Placeholder 2">
-            <a:extLst>
-              <a:ext uri="{FF2B5EF4-FFF2-40B4-BE49-F238E27FC236}">
-                <a16:creationId xmlns:a16="http://schemas.microsoft.com/office/drawing/2014/main" id="{088CCB65-11B4-408B-9ED3-1304FE85032F}"/>
-              </a:ext>
-            </a:extLst>
-          </p:cNvPr>
-          <p:cNvSpPr>
-            <a:spLocks noGrp="1"/>
-          </p:cNvSpPr>
-          <p:nvPr>
-            <p:ph idx="1"/>
-          </p:nvPr>
-        </p:nvSpPr>
-        <p:spPr>
-          <a:xfrm>
-            <a:off x="838200" y="1491818"/>
-            <a:ext cx="10515600" cy="5001346"/>
+            <a:off x="838198" y="801678"/>
+            <a:ext cx="10515600" cy="5718392"/>
           </a:xfrm>
         </p:spPr>
         <p:txBody>
           <a:bodyPr wrap="square" bIns="252000">
-            <a:normAutofit/>
+            <a:normAutofit fontScale="25000" lnSpcReduction="20000"/>
           </a:bodyPr>
           <a:lstStyle/>
+          <a:p>
+            <a:pPr marL="457200" lvl="1" indent="0">
+              <a:buNone/>
+            </a:pPr>
+            <a:endParaRPr lang="en-GB" sz="1000" dirty="0">
+              <a:solidFill>
+                <a:srgbClr val="2196F3"/>
+              </a:solidFill>
+              <a:latin typeface="Segoe UI" panose="020B0502040204020203" pitchFamily="34" charset="0"/>
+              <a:cs typeface="Segoe UI" panose="020B0502040204020203" pitchFamily="34" charset="0"/>
+            </a:endParaRPr>
+          </a:p>
           <a:p>
             <a:pPr marL="457200" lvl="1" indent="0">
               <a:buNone/>
@@ -5771,197 +5791,159 @@
             </a:endParaRPr>
           </a:p>
           <a:p>
-            <a:r>
-              <a:rPr lang="en-GB" sz="2200" dirty="0">
-                <a:solidFill>
-                  <a:srgbClr val="0070C0"/>
-                </a:solidFill>
-              </a:rPr>
-              <a:t>What is the WP REST API and how can I use it to make forms and pages that don’t need to do be reloaded? - </a:t>
-            </a:r>
-            <a:r>
-              <a:rPr lang="en-GB" sz="2200" dirty="0" err="1">
-                <a:solidFill>
-                  <a:srgbClr val="0070C0"/>
-                </a:solidFill>
-              </a:rPr>
-              <a:t>WordUp</a:t>
-            </a:r>
-            <a:r>
-              <a:rPr lang="en-GB" sz="2200" dirty="0">
-                <a:solidFill>
-                  <a:srgbClr val="0070C0"/>
-                </a:solidFill>
-              </a:rPr>
-              <a:t> Brighton May 2020.</a:t>
-            </a:r>
-          </a:p>
-          <a:p>
-            <a:r>
-              <a:rPr lang="en-GB" sz="2200" dirty="0">
-                <a:solidFill>
-                  <a:srgbClr val="0070C0"/>
-                </a:solidFill>
-              </a:rPr>
-              <a:t>WORKSHOP: WordPress REST API and AJAX Forms - WordCamp Geneva March 2020 [EVENT CANCELLED due to virus concerns :( ]</a:t>
-            </a:r>
-          </a:p>
-          <a:p>
-            <a:r>
-              <a:rPr lang="en-GB" sz="2200" dirty="0">
-                <a:solidFill>
-                  <a:srgbClr val="0070C0"/>
-                </a:solidFill>
-              </a:rPr>
-              <a:t>TALK - WP-HTML: </a:t>
-            </a:r>
-            <a:r>
-              <a:rPr lang="en-GB" sz="2200" b="1" dirty="0">
-                <a:solidFill>
-                  <a:schemeClr val="accent6">
-                    <a:lumMod val="75000"/>
-                  </a:schemeClr>
-                </a:solidFill>
-              </a:rPr>
-              <a:t>The marriage of WP and JS Frameworks for expansion, ubiquity and profit </a:t>
-            </a:r>
-            <a:r>
-              <a:rPr lang="en-GB" sz="2200" dirty="0">
-                <a:solidFill>
-                  <a:srgbClr val="0070C0"/>
-                </a:solidFill>
-              </a:rPr>
-              <a:t>- </a:t>
-            </a:r>
-            <a:r>
-              <a:rPr lang="en-GB" sz="2200" b="1" dirty="0">
-                <a:solidFill>
-                  <a:srgbClr val="0070C0"/>
-                </a:solidFill>
-              </a:rPr>
-              <a:t>WordCamp Vienna February 2020</a:t>
-            </a:r>
-            <a:r>
-              <a:rPr lang="en-GB" sz="2200" dirty="0">
-                <a:solidFill>
-                  <a:srgbClr val="0070C0"/>
-                </a:solidFill>
-              </a:rPr>
-              <a:t>.</a:t>
-            </a:r>
-          </a:p>
-          <a:p>
-            <a:r>
-              <a:rPr lang="en-GB" sz="2200" dirty="0">
-                <a:solidFill>
-                  <a:srgbClr val="0070C0"/>
-                </a:solidFill>
-              </a:rPr>
-              <a:t>WORKSHOP: WordPress REST API - WordCamp Vienna February 2020.</a:t>
-            </a:r>
-          </a:p>
-          <a:p>
-            <a:r>
-              <a:rPr lang="en-GB" sz="2200" dirty="0">
-                <a:solidFill>
-                  <a:srgbClr val="0070C0"/>
-                </a:solidFill>
-              </a:rPr>
-              <a:t>Progressive Web Apps - Brighton </a:t>
-            </a:r>
-            <a:r>
-              <a:rPr lang="en-GB" sz="2200" dirty="0" err="1">
-                <a:solidFill>
-                  <a:srgbClr val="0070C0"/>
-                </a:solidFill>
-              </a:rPr>
-              <a:t>WordUp</a:t>
-            </a:r>
-            <a:r>
-              <a:rPr lang="en-GB" sz="2200" dirty="0">
-                <a:solidFill>
-                  <a:srgbClr val="0070C0"/>
-                </a:solidFill>
-              </a:rPr>
-              <a:t> November 2019.</a:t>
-            </a:r>
-          </a:p>
-          <a:p>
-            <a:r>
-              <a:rPr lang="en-GB" sz="2200" dirty="0">
-                <a:solidFill>
-                  <a:srgbClr val="0070C0"/>
-                </a:solidFill>
-              </a:rPr>
-              <a:t>Decoupled WordPress (code along style) - </a:t>
-            </a:r>
-            <a:r>
-              <a:rPr lang="en-GB" sz="2200" b="1" dirty="0">
-                <a:solidFill>
-                  <a:srgbClr val="0070C0"/>
-                </a:solidFill>
-              </a:rPr>
-              <a:t>WordCamp Dublin October 2019</a:t>
-            </a:r>
-            <a:r>
-              <a:rPr lang="en-GB" sz="2200" dirty="0">
-                <a:solidFill>
-                  <a:srgbClr val="0070C0"/>
-                </a:solidFill>
-              </a:rPr>
-              <a:t>.</a:t>
-            </a:r>
-          </a:p>
-          <a:p>
-            <a:r>
-              <a:rPr lang="en-GB" sz="2200" dirty="0">
-                <a:solidFill>
-                  <a:srgbClr val="0070C0"/>
-                </a:solidFill>
-              </a:rPr>
-              <a:t>JWT and Authentication – </a:t>
-            </a:r>
-            <a:r>
-              <a:rPr lang="en-GB" sz="2200" dirty="0" err="1">
-                <a:solidFill>
-                  <a:srgbClr val="0070C0"/>
-                </a:solidFill>
-              </a:rPr>
-              <a:t>WPHooked</a:t>
-            </a:r>
-            <a:r>
-              <a:rPr lang="en-GB" sz="2200" dirty="0">
-                <a:solidFill>
-                  <a:srgbClr val="0070C0"/>
-                </a:solidFill>
-              </a:rPr>
-              <a:t> London September 2019.</a:t>
-            </a:r>
-          </a:p>
-          <a:p>
-            <a:r>
-              <a:rPr lang="en-GB" sz="2200" dirty="0">
-                <a:solidFill>
-                  <a:srgbClr val="0070C0"/>
-                </a:solidFill>
-              </a:rPr>
-              <a:t>Decoupled WordPress and WP Components - </a:t>
-            </a:r>
-            <a:r>
-              <a:rPr lang="en-GB" sz="2200" b="1" dirty="0">
-                <a:solidFill>
-                  <a:srgbClr val="0070C0"/>
-                </a:solidFill>
-              </a:rPr>
-              <a:t>WordCamp Brighton August 2019</a:t>
-            </a:r>
-            <a:r>
-              <a:rPr lang="en-GB" sz="2200" dirty="0">
-                <a:solidFill>
-                  <a:srgbClr val="0070C0"/>
-                </a:solidFill>
-              </a:rPr>
-              <a:t>.</a:t>
+            <a:pPr lvl="1">
+              <a:lnSpc>
+                <a:spcPts val="4200"/>
+              </a:lnSpc>
+            </a:pPr>
+            <a:r>
+              <a:rPr lang="en-GB" sz="11200" dirty="0">
+                <a:solidFill>
+                  <a:srgbClr val="2196F3"/>
+                </a:solidFill>
+                <a:latin typeface="Segoe UI" panose="020B0502040204020203" pitchFamily="34" charset="0"/>
+                <a:cs typeface="Segoe UI" panose="020B0502040204020203" pitchFamily="34" charset="0"/>
+              </a:rPr>
+              <a:t>Microsoft Certified Systems Engineer (2000-2003)</a:t>
+            </a:r>
+          </a:p>
+          <a:p>
+            <a:pPr lvl="1">
+              <a:lnSpc>
+                <a:spcPts val="4200"/>
+              </a:lnSpc>
+            </a:pPr>
+            <a:r>
+              <a:rPr lang="en-GB" sz="11200" dirty="0">
+                <a:solidFill>
+                  <a:srgbClr val="2196F3"/>
+                </a:solidFill>
+                <a:latin typeface="Segoe UI" panose="020B0502040204020203" pitchFamily="34" charset="0"/>
+                <a:cs typeface="Segoe UI" panose="020B0502040204020203" pitchFamily="34" charset="0"/>
+              </a:rPr>
+              <a:t>Microsoft Certified Database Administrator (SQL2000)</a:t>
+            </a:r>
+          </a:p>
+          <a:p>
+            <a:pPr lvl="1">
+              <a:lnSpc>
+                <a:spcPts val="4200"/>
+              </a:lnSpc>
+            </a:pPr>
+            <a:r>
+              <a:rPr lang="en-GB" sz="11200" dirty="0">
+                <a:solidFill>
+                  <a:srgbClr val="2196F3"/>
+                </a:solidFill>
+                <a:latin typeface="Segoe UI" panose="020B0502040204020203" pitchFamily="34" charset="0"/>
+                <a:cs typeface="Segoe UI" panose="020B0502040204020203" pitchFamily="34" charset="0"/>
+              </a:rPr>
+              <a:t>Business Information Architect at a UK Recycling Company</a:t>
+            </a:r>
+          </a:p>
+          <a:p>
+            <a:pPr lvl="1">
+              <a:lnSpc>
+                <a:spcPts val="4200"/>
+              </a:lnSpc>
+            </a:pPr>
+            <a:r>
+              <a:rPr lang="en-GB" sz="11200" dirty="0">
+                <a:solidFill>
+                  <a:srgbClr val="2196F3"/>
+                </a:solidFill>
+                <a:latin typeface="Segoe UI" panose="020B0502040204020203" pitchFamily="34" charset="0"/>
+                <a:cs typeface="Segoe UI" panose="020B0502040204020203" pitchFamily="34" charset="0"/>
+              </a:rPr>
+              <a:t>WordPress 2017</a:t>
+            </a:r>
+          </a:p>
+          <a:p>
+            <a:pPr lvl="1">
+              <a:lnSpc>
+                <a:spcPts val="4200"/>
+              </a:lnSpc>
+            </a:pPr>
+            <a:r>
+              <a:rPr lang="en-GB" sz="11200" b="1" dirty="0">
+                <a:solidFill>
+                  <a:srgbClr val="00B050"/>
+                </a:solidFill>
+                <a:latin typeface="Segoe UI" panose="020B0502040204020203" pitchFamily="34" charset="0"/>
+                <a:cs typeface="Segoe UI" panose="020B0502040204020203" pitchFamily="34" charset="0"/>
+              </a:rPr>
+              <a:t>Currently</a:t>
+            </a:r>
+            <a:r>
+              <a:rPr lang="en-GB" sz="11200" dirty="0">
+                <a:solidFill>
+                  <a:srgbClr val="2196F3"/>
+                </a:solidFill>
+                <a:latin typeface="Segoe UI" panose="020B0502040204020203" pitchFamily="34" charset="0"/>
+                <a:cs typeface="Segoe UI" panose="020B0502040204020203" pitchFamily="34" charset="0"/>
+              </a:rPr>
+              <a:t> PWAs(offline/instant websites), Web Components, WordPress-HTML and Mobile Web Optimisation.</a:t>
+            </a:r>
+          </a:p>
+          <a:p>
+            <a:pPr lvl="1">
+              <a:lnSpc>
+                <a:spcPts val="4200"/>
+              </a:lnSpc>
+            </a:pPr>
+            <a:r>
+              <a:rPr lang="en-GB" sz="11200" dirty="0">
+                <a:solidFill>
+                  <a:srgbClr val="2196F3"/>
+                </a:solidFill>
+                <a:latin typeface="Segoe UI" panose="020B0502040204020203" pitchFamily="34" charset="0"/>
+                <a:cs typeface="Segoe UI" panose="020B0502040204020203" pitchFamily="34" charset="0"/>
+              </a:rPr>
+              <a:t>1-3 hour training seminars for companies and groups.</a:t>
+            </a:r>
+          </a:p>
+          <a:p>
+            <a:pPr lvl="1">
+              <a:lnSpc>
+                <a:spcPts val="4200"/>
+              </a:lnSpc>
+            </a:pPr>
+            <a:r>
+              <a:rPr lang="en-GB" sz="16000" dirty="0">
+                <a:solidFill>
+                  <a:srgbClr val="00B050"/>
+                </a:solidFill>
+                <a:latin typeface="Segoe UI" panose="020B0502040204020203" pitchFamily="34" charset="0"/>
+                <a:cs typeface="Segoe UI" panose="020B0502040204020203" pitchFamily="34" charset="0"/>
+              </a:rPr>
+              <a:t>Still just as ‘student’! Still overwhelmed! </a:t>
+            </a:r>
+          </a:p>
+          <a:p>
+            <a:pPr lvl="1">
+              <a:lnSpc>
+                <a:spcPts val="4200"/>
+              </a:lnSpc>
+            </a:pPr>
+            <a:r>
+              <a:rPr lang="en-GB" sz="16000" dirty="0" err="1">
+                <a:solidFill>
+                  <a:srgbClr val="00B050"/>
+                </a:solidFill>
+                <a:latin typeface="Segoe UI" panose="020B0502040204020203" pitchFamily="34" charset="0"/>
+                <a:cs typeface="Segoe UI" panose="020B0502040204020203" pitchFamily="34" charset="0"/>
+              </a:rPr>
+              <a:t>Volounteer</a:t>
+            </a:r>
+            <a:r>
+              <a:rPr lang="en-GB" sz="16000" dirty="0">
+                <a:solidFill>
+                  <a:srgbClr val="00B050"/>
+                </a:solidFill>
+                <a:latin typeface="Segoe UI" panose="020B0502040204020203" pitchFamily="34" charset="0"/>
+                <a:cs typeface="Segoe UI" panose="020B0502040204020203" pitchFamily="34" charset="0"/>
+              </a:rPr>
+              <a:t> Coach at Codebar.io (Brighton)</a:t>
             </a:r>
           </a:p>
           <a:p>
@@ -6026,10 +6008,51 @@
           </a:p>
         </p:txBody>
       </p:sp>
+      <p:sp>
+        <p:nvSpPr>
+          <p:cNvPr id="3" name="TextBox 2">
+            <a:extLst>
+              <a:ext uri="{FF2B5EF4-FFF2-40B4-BE49-F238E27FC236}">
+                <a16:creationId xmlns:a16="http://schemas.microsoft.com/office/drawing/2014/main" id="{D373F874-33F7-4988-AE13-A7A123EFA342}"/>
+              </a:ext>
+            </a:extLst>
+          </p:cNvPr>
+          <p:cNvSpPr txBox="1"/>
+          <p:nvPr/>
+        </p:nvSpPr>
+        <p:spPr>
+          <a:xfrm>
+            <a:off x="2641307" y="155347"/>
+            <a:ext cx="6909383" cy="646331"/>
+          </a:xfrm>
+          <a:prstGeom prst="rect">
+            <a:avLst/>
+          </a:prstGeom>
+          <a:noFill/>
+        </p:spPr>
+        <p:txBody>
+          <a:bodyPr wrap="square" rtlCol="0">
+            <a:spAutoFit/>
+          </a:bodyPr>
+          <a:lstStyle/>
+          <a:p>
+            <a:r>
+              <a:rPr lang="en-GB" sz="3600" dirty="0">
+                <a:solidFill>
+                  <a:srgbClr val="2196F3"/>
+                </a:solidFill>
+                <a:latin typeface="Segoe UI" panose="020B0502040204020203" pitchFamily="34" charset="0"/>
+                <a:cs typeface="Segoe UI" panose="020B0502040204020203" pitchFamily="34" charset="0"/>
+              </a:rPr>
+              <a:t>In and out of tech over the years</a:t>
+            </a:r>
+          </a:p>
+        </p:txBody>
+      </p:sp>
     </p:spTree>
     <p:extLst>
       <p:ext uri="{BB962C8B-B14F-4D97-AF65-F5344CB8AC3E}">
-        <p14:creationId xmlns:p14="http://schemas.microsoft.com/office/powerpoint/2010/main" val="2972891001"/>
+        <p14:creationId xmlns:p14="http://schemas.microsoft.com/office/powerpoint/2010/main" val="91563143"/>
       </p:ext>
     </p:extLst>
   </p:cSld>
@@ -6058,6 +6081,376 @@
       </p:grpSpPr>
       <p:sp>
         <p:nvSpPr>
+          <p:cNvPr id="2" name="Title 1">
+            <a:extLst>
+              <a:ext uri="{FF2B5EF4-FFF2-40B4-BE49-F238E27FC236}">
+                <a16:creationId xmlns:a16="http://schemas.microsoft.com/office/drawing/2014/main" id="{5D7568B3-EC9A-45DD-8A17-CFE685194B65}"/>
+              </a:ext>
+            </a:extLst>
+          </p:cNvPr>
+          <p:cNvSpPr>
+            <a:spLocks noGrp="1"/>
+          </p:cNvSpPr>
+          <p:nvPr>
+            <p:ph type="title"/>
+          </p:nvPr>
+        </p:nvSpPr>
+        <p:spPr>
+          <a:xfrm>
+            <a:off x="838200" y="0"/>
+            <a:ext cx="10515600" cy="1325563"/>
+          </a:xfrm>
+          <a:solidFill>
+            <a:srgbClr val="2196F3"/>
+          </a:solidFill>
+        </p:spPr>
+        <p:txBody>
+          <a:bodyPr>
+            <a:normAutofit/>
+          </a:bodyPr>
+          <a:lstStyle/>
+          <a:p>
+            <a:pPr algn="ctr"/>
+            <a:r>
+              <a:rPr lang="en-GB" sz="6600" dirty="0">
+                <a:solidFill>
+                  <a:schemeClr val="bg1"/>
+                </a:solidFill>
+                <a:latin typeface="Segoe UI" panose="020B0502040204020203" pitchFamily="34" charset="0"/>
+                <a:cs typeface="Segoe UI" panose="020B0502040204020203" pitchFamily="34" charset="0"/>
+              </a:rPr>
+              <a:t>PREVIOUS TALKS</a:t>
+            </a:r>
+          </a:p>
+        </p:txBody>
+      </p:sp>
+      <p:sp>
+        <p:nvSpPr>
+          <p:cNvPr id="4" name="Content Placeholder 2">
+            <a:extLst>
+              <a:ext uri="{FF2B5EF4-FFF2-40B4-BE49-F238E27FC236}">
+                <a16:creationId xmlns:a16="http://schemas.microsoft.com/office/drawing/2014/main" id="{088CCB65-11B4-408B-9ED3-1304FE85032F}"/>
+              </a:ext>
+            </a:extLst>
+          </p:cNvPr>
+          <p:cNvSpPr>
+            <a:spLocks noGrp="1"/>
+          </p:cNvSpPr>
+          <p:nvPr>
+            <p:ph idx="1"/>
+          </p:nvPr>
+        </p:nvSpPr>
+        <p:spPr>
+          <a:xfrm>
+            <a:off x="838200" y="1491818"/>
+            <a:ext cx="10515600" cy="5001346"/>
+          </a:xfrm>
+        </p:spPr>
+        <p:txBody>
+          <a:bodyPr wrap="square" bIns="252000">
+            <a:normAutofit/>
+          </a:bodyPr>
+          <a:lstStyle/>
+          <a:p>
+            <a:pPr marL="457200" lvl="1" indent="0">
+              <a:buNone/>
+            </a:pPr>
+            <a:endParaRPr lang="en-GB" sz="1050" dirty="0">
+              <a:solidFill>
+                <a:srgbClr val="2196F3"/>
+              </a:solidFill>
+              <a:latin typeface="Segoe UI" panose="020B0502040204020203" pitchFamily="34" charset="0"/>
+              <a:cs typeface="Segoe UI" panose="020B0502040204020203" pitchFamily="34" charset="0"/>
+            </a:endParaRPr>
+          </a:p>
+          <a:p>
+            <a:r>
+              <a:rPr lang="en-GB" sz="2200" dirty="0">
+                <a:solidFill>
+                  <a:srgbClr val="0070C0"/>
+                </a:solidFill>
+              </a:rPr>
+              <a:t>What is the WP REST API and how can I use it to make forms and pages that don’t need to do be reloaded? - </a:t>
+            </a:r>
+            <a:r>
+              <a:rPr lang="en-GB" sz="2200" dirty="0" err="1">
+                <a:solidFill>
+                  <a:srgbClr val="0070C0"/>
+                </a:solidFill>
+              </a:rPr>
+              <a:t>WordUp</a:t>
+            </a:r>
+            <a:r>
+              <a:rPr lang="en-GB" sz="2200" dirty="0">
+                <a:solidFill>
+                  <a:srgbClr val="0070C0"/>
+                </a:solidFill>
+              </a:rPr>
+              <a:t> Brighton May 2020.</a:t>
+            </a:r>
+          </a:p>
+          <a:p>
+            <a:r>
+              <a:rPr lang="en-GB" sz="2200" dirty="0">
+                <a:solidFill>
+                  <a:srgbClr val="0070C0"/>
+                </a:solidFill>
+              </a:rPr>
+              <a:t>WORKSHOP: WordPress REST API and AJAX Forms - WordCamp Geneva March 2020 [EVENT CANCELLED due to virus concerns :( ]</a:t>
+            </a:r>
+          </a:p>
+          <a:p>
+            <a:r>
+              <a:rPr lang="en-GB" sz="2200" dirty="0">
+                <a:solidFill>
+                  <a:srgbClr val="0070C0"/>
+                </a:solidFill>
+              </a:rPr>
+              <a:t>TALK - WP-HTML: </a:t>
+            </a:r>
+            <a:r>
+              <a:rPr lang="en-GB" sz="2200" b="1" dirty="0">
+                <a:solidFill>
+                  <a:schemeClr val="accent6">
+                    <a:lumMod val="75000"/>
+                  </a:schemeClr>
+                </a:solidFill>
+              </a:rPr>
+              <a:t>The marriage of WP and JS Frameworks for expansion, ubiquity and profit </a:t>
+            </a:r>
+            <a:r>
+              <a:rPr lang="en-GB" sz="2200" dirty="0">
+                <a:solidFill>
+                  <a:srgbClr val="0070C0"/>
+                </a:solidFill>
+              </a:rPr>
+              <a:t>- </a:t>
+            </a:r>
+            <a:r>
+              <a:rPr lang="en-GB" sz="2200" b="1" dirty="0">
+                <a:solidFill>
+                  <a:srgbClr val="0070C0"/>
+                </a:solidFill>
+              </a:rPr>
+              <a:t>WordCamp Vienna February 2020</a:t>
+            </a:r>
+            <a:r>
+              <a:rPr lang="en-GB" sz="2200" dirty="0">
+                <a:solidFill>
+                  <a:srgbClr val="0070C0"/>
+                </a:solidFill>
+              </a:rPr>
+              <a:t>.</a:t>
+            </a:r>
+          </a:p>
+          <a:p>
+            <a:r>
+              <a:rPr lang="en-GB" sz="2200" dirty="0">
+                <a:solidFill>
+                  <a:srgbClr val="0070C0"/>
+                </a:solidFill>
+              </a:rPr>
+              <a:t>WORKSHOP: WordPress REST API - WordCamp Vienna February 2020.</a:t>
+            </a:r>
+          </a:p>
+          <a:p>
+            <a:r>
+              <a:rPr lang="en-GB" sz="2200" dirty="0">
+                <a:solidFill>
+                  <a:srgbClr val="0070C0"/>
+                </a:solidFill>
+              </a:rPr>
+              <a:t>Progressive Web Apps - Brighton </a:t>
+            </a:r>
+            <a:r>
+              <a:rPr lang="en-GB" sz="2200" dirty="0" err="1">
+                <a:solidFill>
+                  <a:srgbClr val="0070C0"/>
+                </a:solidFill>
+              </a:rPr>
+              <a:t>WordUp</a:t>
+            </a:r>
+            <a:r>
+              <a:rPr lang="en-GB" sz="2200" dirty="0">
+                <a:solidFill>
+                  <a:srgbClr val="0070C0"/>
+                </a:solidFill>
+              </a:rPr>
+              <a:t> November 2019.</a:t>
+            </a:r>
+          </a:p>
+          <a:p>
+            <a:r>
+              <a:rPr lang="en-GB" sz="2200" dirty="0">
+                <a:solidFill>
+                  <a:srgbClr val="0070C0"/>
+                </a:solidFill>
+              </a:rPr>
+              <a:t>Decoupled WordPress (code along style) - </a:t>
+            </a:r>
+            <a:r>
+              <a:rPr lang="en-GB" sz="2200" b="1" dirty="0">
+                <a:solidFill>
+                  <a:srgbClr val="0070C0"/>
+                </a:solidFill>
+              </a:rPr>
+              <a:t>WordCamp Dublin October 2019</a:t>
+            </a:r>
+            <a:r>
+              <a:rPr lang="en-GB" sz="2200" dirty="0">
+                <a:solidFill>
+                  <a:srgbClr val="0070C0"/>
+                </a:solidFill>
+              </a:rPr>
+              <a:t>.</a:t>
+            </a:r>
+          </a:p>
+          <a:p>
+            <a:r>
+              <a:rPr lang="en-GB" sz="2200" dirty="0">
+                <a:solidFill>
+                  <a:srgbClr val="0070C0"/>
+                </a:solidFill>
+              </a:rPr>
+              <a:t>JWT and Authentication – </a:t>
+            </a:r>
+            <a:r>
+              <a:rPr lang="en-GB" sz="2200" dirty="0" err="1">
+                <a:solidFill>
+                  <a:srgbClr val="0070C0"/>
+                </a:solidFill>
+              </a:rPr>
+              <a:t>WPHooked</a:t>
+            </a:r>
+            <a:r>
+              <a:rPr lang="en-GB" sz="2200" dirty="0">
+                <a:solidFill>
+                  <a:srgbClr val="0070C0"/>
+                </a:solidFill>
+              </a:rPr>
+              <a:t> London September 2019.</a:t>
+            </a:r>
+          </a:p>
+          <a:p>
+            <a:r>
+              <a:rPr lang="en-GB" sz="2200" dirty="0">
+                <a:solidFill>
+                  <a:srgbClr val="0070C0"/>
+                </a:solidFill>
+              </a:rPr>
+              <a:t>Decoupled WordPress and WP Components - </a:t>
+            </a:r>
+            <a:r>
+              <a:rPr lang="en-GB" sz="2200" b="1" dirty="0">
+                <a:solidFill>
+                  <a:srgbClr val="0070C0"/>
+                </a:solidFill>
+              </a:rPr>
+              <a:t>WordCamp Brighton August 2019</a:t>
+            </a:r>
+            <a:r>
+              <a:rPr lang="en-GB" sz="2200" dirty="0">
+                <a:solidFill>
+                  <a:srgbClr val="0070C0"/>
+                </a:solidFill>
+              </a:rPr>
+              <a:t>.</a:t>
+            </a:r>
+          </a:p>
+          <a:p>
+            <a:pPr marL="457200" lvl="1" indent="0">
+              <a:buNone/>
+            </a:pPr>
+            <a:endParaRPr lang="en-GB" sz="6700" dirty="0">
+              <a:solidFill>
+                <a:srgbClr val="2196F3"/>
+              </a:solidFill>
+              <a:latin typeface="Segoe UI" panose="020B0502040204020203" pitchFamily="34" charset="0"/>
+              <a:cs typeface="Segoe UI" panose="020B0502040204020203" pitchFamily="34" charset="0"/>
+            </a:endParaRPr>
+          </a:p>
+          <a:p>
+            <a:pPr marL="457200" lvl="1" indent="0">
+              <a:buNone/>
+            </a:pPr>
+            <a:endParaRPr lang="en-GB" sz="6700" dirty="0">
+              <a:solidFill>
+                <a:srgbClr val="2196F3"/>
+              </a:solidFill>
+              <a:latin typeface="Segoe UI" panose="020B0502040204020203" pitchFamily="34" charset="0"/>
+              <a:cs typeface="Segoe UI" panose="020B0502040204020203" pitchFamily="34" charset="0"/>
+            </a:endParaRPr>
+          </a:p>
+          <a:p>
+            <a:pPr marL="457200" lvl="1" indent="0">
+              <a:buNone/>
+            </a:pPr>
+            <a:endParaRPr lang="en-GB" sz="6700" dirty="0">
+              <a:solidFill>
+                <a:srgbClr val="2196F3"/>
+              </a:solidFill>
+              <a:latin typeface="Segoe UI" panose="020B0502040204020203" pitchFamily="34" charset="0"/>
+              <a:cs typeface="Segoe UI" panose="020B0502040204020203" pitchFamily="34" charset="0"/>
+            </a:endParaRPr>
+          </a:p>
+          <a:p>
+            <a:pPr marL="457200" lvl="1" indent="0">
+              <a:buNone/>
+            </a:pPr>
+            <a:endParaRPr lang="en-GB" sz="6700" dirty="0">
+              <a:latin typeface="Segoe UI" panose="020B0502040204020203" pitchFamily="34" charset="0"/>
+              <a:cs typeface="Segoe UI" panose="020B0502040204020203" pitchFamily="34" charset="0"/>
+            </a:endParaRPr>
+          </a:p>
+          <a:p>
+            <a:pPr marL="0" indent="0">
+              <a:buNone/>
+            </a:pPr>
+            <a:endParaRPr lang="en-GB" dirty="0">
+              <a:latin typeface="Segoe UI" panose="020B0502040204020203" pitchFamily="34" charset="0"/>
+              <a:cs typeface="Segoe UI" panose="020B0502040204020203" pitchFamily="34" charset="0"/>
+            </a:endParaRPr>
+          </a:p>
+          <a:p>
+            <a:endParaRPr lang="en-GB" dirty="0">
+              <a:latin typeface="Segoe UI" panose="020B0502040204020203" pitchFamily="34" charset="0"/>
+              <a:cs typeface="Segoe UI" panose="020B0502040204020203" pitchFamily="34" charset="0"/>
+            </a:endParaRPr>
+          </a:p>
+        </p:txBody>
+      </p:sp>
+    </p:spTree>
+    <p:extLst>
+      <p:ext uri="{BB962C8B-B14F-4D97-AF65-F5344CB8AC3E}">
+        <p14:creationId xmlns:p14="http://schemas.microsoft.com/office/powerpoint/2010/main" val="2972891001"/>
+      </p:ext>
+    </p:extLst>
+  </p:cSld>
+  <p:clrMapOvr>
+    <a:masterClrMapping/>
+  </p:clrMapOvr>
+</p:sld>
+</file>
+
+<file path=ppt/slides/slide8.xml><?xml version="1.0" encoding="utf-8"?>
+<p:sld xmlns:a="http://schemas.openxmlformats.org/drawingml/2006/main" xmlns:r="http://schemas.openxmlformats.org/officeDocument/2006/relationships" xmlns:p="http://schemas.openxmlformats.org/presentationml/2006/main">
+  <p:cSld>
+    <p:spTree>
+      <p:nvGrpSpPr>
+        <p:cNvPr id="1" name=""/>
+        <p:cNvGrpSpPr/>
+        <p:nvPr/>
+      </p:nvGrpSpPr>
+      <p:grpSpPr>
+        <a:xfrm>
+          <a:off x="0" y="0"/>
+          <a:ext cx="0" cy="0"/>
+          <a:chOff x="0" y="0"/>
+          <a:chExt cx="0" cy="0"/>
+        </a:xfrm>
+      </p:grpSpPr>
+      <p:sp>
+        <p:nvSpPr>
           <p:cNvPr id="4" name="Content Placeholder 2">
             <a:extLst>
               <a:ext uri="{FF2B5EF4-FFF2-40B4-BE49-F238E27FC236}">
@@ -6420,7 +6813,7 @@
 </p:sld>
 </file>
 
-<file path=ppt/slides/slide8.xml><?xml version="1.0" encoding="utf-8"?>
+<file path=ppt/slides/slide9.xml><?xml version="1.0" encoding="utf-8"?>
 <p:sld xmlns:a="http://schemas.openxmlformats.org/drawingml/2006/main" xmlns:r="http://schemas.openxmlformats.org/officeDocument/2006/relationships" xmlns:p="http://schemas.openxmlformats.org/presentationml/2006/main">
   <p:cSld>
     <p:spTree>

--- a/PWA.pptx
+++ b/PWA.pptx
@@ -4379,15 +4379,32 @@
               </a:lnSpc>
             </a:pPr>
             <a:r>
-              <a:rPr lang="en-GB" sz="3600" dirty="0">
-                <a:solidFill>
-                  <a:srgbClr val="2196F3"/>
+              <a:rPr lang="en-GB" sz="3600" b="1" dirty="0">
+                <a:solidFill>
+                  <a:srgbClr val="FF0000"/>
                 </a:solidFill>
                 <a:latin typeface="Segoe UI" panose="020B0502040204020203" pitchFamily="34" charset="0"/>
                 <a:cs typeface="Segoe UI" panose="020B0502040204020203" pitchFamily="34" charset="0"/>
               </a:rPr>
-              <a:t>A roadmap about PWA.</a:t>
-            </a:r>
+              <a:t>Learning how to </a:t>
+            </a:r>
+            <a:r>
+              <a:rPr lang="en-GB" sz="3600" b="1">
+                <a:solidFill>
+                  <a:srgbClr val="FF0000"/>
+                </a:solidFill>
+                <a:latin typeface="Segoe UI" panose="020B0502040204020203" pitchFamily="34" charset="0"/>
+                <a:cs typeface="Segoe UI" panose="020B0502040204020203" pitchFamily="34" charset="0"/>
+              </a:rPr>
+              <a:t>learn PWA.</a:t>
+            </a:r>
+            <a:endParaRPr lang="en-GB" sz="3600" b="1" dirty="0">
+              <a:solidFill>
+                <a:srgbClr val="FF0000"/>
+              </a:solidFill>
+              <a:latin typeface="Segoe UI" panose="020B0502040204020203" pitchFamily="34" charset="0"/>
+              <a:cs typeface="Segoe UI" panose="020B0502040204020203" pitchFamily="34" charset="0"/>
+            </a:endParaRPr>
           </a:p>
           <a:p>
             <a:pPr>

--- a/PWA.pptx
+++ b/PWA.pptx
@@ -5,18 +5,19 @@
     <p:sldMasterId id="2147483648" r:id="rId1"/>
   </p:sldMasterIdLst>
   <p:notesMasterIdLst>
-    <p:notesMasterId r:id="rId11"/>
+    <p:notesMasterId r:id="rId12"/>
   </p:notesMasterIdLst>
   <p:sldIdLst>
     <p:sldId id="315" r:id="rId2"/>
     <p:sldId id="264" r:id="rId3"/>
-    <p:sldId id="266" r:id="rId4"/>
-    <p:sldId id="320" r:id="rId5"/>
-    <p:sldId id="316" r:id="rId6"/>
-    <p:sldId id="317" r:id="rId7"/>
-    <p:sldId id="318" r:id="rId8"/>
-    <p:sldId id="319" r:id="rId9"/>
-    <p:sldId id="279" r:id="rId10"/>
+    <p:sldId id="321" r:id="rId4"/>
+    <p:sldId id="322" r:id="rId5"/>
+    <p:sldId id="266" r:id="rId6"/>
+    <p:sldId id="320" r:id="rId7"/>
+    <p:sldId id="316" r:id="rId8"/>
+    <p:sldId id="317" r:id="rId9"/>
+    <p:sldId id="318" r:id="rId10"/>
+    <p:sldId id="279" r:id="rId11"/>
   </p:sldIdLst>
   <p:sldSz cx="12192000" cy="6858000"/>
   <p:notesSz cx="6858000" cy="9144000"/>
@@ -122,12 +123,13 @@
           <p14:sldIdLst>
             <p14:sldId id="315"/>
             <p14:sldId id="264"/>
+            <p14:sldId id="321"/>
+            <p14:sldId id="322"/>
             <p14:sldId id="266"/>
             <p14:sldId id="320"/>
             <p14:sldId id="316"/>
             <p14:sldId id="317"/>
             <p14:sldId id="318"/>
-            <p14:sldId id="319"/>
             <p14:sldId id="279"/>
           </p14:sldIdLst>
         </p14:section>
@@ -233,7 +235,7 @@
           <a:p>
             <a:fld id="{70FE56F2-0B60-44FC-AC55-491897A4F355}" type="datetimeFigureOut">
               <a:rPr lang="en-GB" smtClean="0"/>
-              <a:t>07/06/2020</a:t>
+              <a:t>11/06/2020</a:t>
             </a:fld>
             <a:endParaRPr lang="en-GB"/>
           </a:p>
@@ -650,7 +652,7 @@
           <a:p>
             <a:fld id="{4D723AB6-704A-42C8-AB51-31B091223600}" type="datetimeFigureOut">
               <a:rPr lang="en-GB" smtClean="0"/>
-              <a:t>07/06/2020</a:t>
+              <a:t>11/06/2020</a:t>
             </a:fld>
             <a:endParaRPr lang="en-GB"/>
           </a:p>
@@ -850,7 +852,7 @@
           <a:p>
             <a:fld id="{4D723AB6-704A-42C8-AB51-31B091223600}" type="datetimeFigureOut">
               <a:rPr lang="en-GB" smtClean="0"/>
-              <a:t>07/06/2020</a:t>
+              <a:t>11/06/2020</a:t>
             </a:fld>
             <a:endParaRPr lang="en-GB"/>
           </a:p>
@@ -1060,7 +1062,7 @@
           <a:p>
             <a:fld id="{4D723AB6-704A-42C8-AB51-31B091223600}" type="datetimeFigureOut">
               <a:rPr lang="en-GB" smtClean="0"/>
-              <a:t>07/06/2020</a:t>
+              <a:t>11/06/2020</a:t>
             </a:fld>
             <a:endParaRPr lang="en-GB"/>
           </a:p>
@@ -1260,7 +1262,7 @@
           <a:p>
             <a:fld id="{4D723AB6-704A-42C8-AB51-31B091223600}" type="datetimeFigureOut">
               <a:rPr lang="en-GB" smtClean="0"/>
-              <a:t>07/06/2020</a:t>
+              <a:t>11/06/2020</a:t>
             </a:fld>
             <a:endParaRPr lang="en-GB"/>
           </a:p>
@@ -1536,7 +1538,7 @@
           <a:p>
             <a:fld id="{4D723AB6-704A-42C8-AB51-31B091223600}" type="datetimeFigureOut">
               <a:rPr lang="en-GB" smtClean="0"/>
-              <a:t>07/06/2020</a:t>
+              <a:t>11/06/2020</a:t>
             </a:fld>
             <a:endParaRPr lang="en-GB"/>
           </a:p>
@@ -1804,7 +1806,7 @@
           <a:p>
             <a:fld id="{4D723AB6-704A-42C8-AB51-31B091223600}" type="datetimeFigureOut">
               <a:rPr lang="en-GB" smtClean="0"/>
-              <a:t>07/06/2020</a:t>
+              <a:t>11/06/2020</a:t>
             </a:fld>
             <a:endParaRPr lang="en-GB"/>
           </a:p>
@@ -2219,7 +2221,7 @@
           <a:p>
             <a:fld id="{4D723AB6-704A-42C8-AB51-31B091223600}" type="datetimeFigureOut">
               <a:rPr lang="en-GB" smtClean="0"/>
-              <a:t>07/06/2020</a:t>
+              <a:t>11/06/2020</a:t>
             </a:fld>
             <a:endParaRPr lang="en-GB"/>
           </a:p>
@@ -2361,7 +2363,7 @@
           <a:p>
             <a:fld id="{4D723AB6-704A-42C8-AB51-31B091223600}" type="datetimeFigureOut">
               <a:rPr lang="en-GB" smtClean="0"/>
-              <a:t>07/06/2020</a:t>
+              <a:t>11/06/2020</a:t>
             </a:fld>
             <a:endParaRPr lang="en-GB"/>
           </a:p>
@@ -2474,7 +2476,7 @@
           <a:p>
             <a:fld id="{4D723AB6-704A-42C8-AB51-31B091223600}" type="datetimeFigureOut">
               <a:rPr lang="en-GB" smtClean="0"/>
-              <a:t>07/06/2020</a:t>
+              <a:t>11/06/2020</a:t>
             </a:fld>
             <a:endParaRPr lang="en-GB"/>
           </a:p>
@@ -2787,7 +2789,7 @@
           <a:p>
             <a:fld id="{4D723AB6-704A-42C8-AB51-31B091223600}" type="datetimeFigureOut">
               <a:rPr lang="en-GB" smtClean="0"/>
-              <a:t>07/06/2020</a:t>
+              <a:t>11/06/2020</a:t>
             </a:fld>
             <a:endParaRPr lang="en-GB"/>
           </a:p>
@@ -3076,7 +3078,7 @@
           <a:p>
             <a:fld id="{4D723AB6-704A-42C8-AB51-31B091223600}" type="datetimeFigureOut">
               <a:rPr lang="en-GB" smtClean="0"/>
-              <a:t>07/06/2020</a:t>
+              <a:t>11/06/2020</a:t>
             </a:fld>
             <a:endParaRPr lang="en-GB"/>
           </a:p>
@@ -3319,7 +3321,7 @@
           <a:p>
             <a:fld id="{4D723AB6-704A-42C8-AB51-31B091223600}" type="datetimeFigureOut">
               <a:rPr lang="en-GB" smtClean="0"/>
-              <a:t>07/06/2020</a:t>
+              <a:t>11/06/2020</a:t>
             </a:fld>
             <a:endParaRPr lang="en-GB"/>
           </a:p>
@@ -3805,7 +3807,7 @@
         </p:spPr>
         <p:txBody>
           <a:bodyPr wrap="square" bIns="252000">
-            <a:normAutofit/>
+            <a:normAutofit fontScale="92500" lnSpcReduction="10000"/>
           </a:bodyPr>
           <a:lstStyle/>
           <a:p>
@@ -3879,6 +3881,18 @@
             <a:pPr marL="457200" lvl="1" indent="0">
               <a:buNone/>
             </a:pPr>
+            <a:endParaRPr lang="en-GB" b="1" dirty="0">
+              <a:solidFill>
+                <a:srgbClr val="2196F3"/>
+              </a:solidFill>
+              <a:latin typeface="Segoe UI" panose="020B0502040204020203" pitchFamily="34" charset="0"/>
+              <a:cs typeface="Segoe UI" panose="020B0502040204020203" pitchFamily="34" charset="0"/>
+            </a:endParaRPr>
+          </a:p>
+          <a:p>
+            <a:pPr marL="457200" lvl="1" indent="0">
+              <a:buNone/>
+            </a:pPr>
             <a:r>
               <a:rPr lang="en-GB" b="1" dirty="0">
                 <a:solidFill>
@@ -3907,7 +3921,7 @@
             <a:r>
               <a:rPr lang="en-GB" sz="3200" b="1" dirty="0">
                 <a:solidFill>
-                  <a:srgbClr val="7030A0"/>
+                  <a:srgbClr val="FF0000"/>
                 </a:solidFill>
                 <a:hlinkClick r:id="rId3">
                   <a:extLst>
@@ -3921,7 +3935,7 @@
             </a:r>
             <a:endParaRPr lang="en-GB" sz="3200" b="1" dirty="0">
               <a:solidFill>
-                <a:srgbClr val="7030A0"/>
+                <a:srgbClr val="FF0000"/>
               </a:solidFill>
             </a:endParaRPr>
           </a:p>
@@ -3932,25 +3946,22 @@
                 <a:solidFill>
                   <a:srgbClr val="FF0000"/>
                 </a:solidFill>
+              </a:rPr>
+              <a:t>(link  in Slack and Chat)</a:t>
+            </a:r>
+          </a:p>
+          <a:p>
+            <a:pPr lvl="1"/>
+            <a:r>
+              <a:rPr lang="en-GB" sz="3200" b="1" dirty="0">
+                <a:solidFill>
+                  <a:srgbClr val="2196F3"/>
+                </a:solidFill>
                 <a:latin typeface="Segoe UI" panose="020B0502040204020203" pitchFamily="34" charset="0"/>
                 <a:cs typeface="Segoe UI" panose="020B0502040204020203" pitchFamily="34" charset="0"/>
-                <a:hlinkClick r:id="rId4">
-                  <a:extLst>
-                    <a:ext uri="{A12FA001-AC4F-418D-AE19-62706E023703}">
-                      <ahyp:hlinkClr xmlns:ahyp="http://schemas.microsoft.com/office/drawing/2018/hyperlinkcolor" val="tx"/>
-                    </a:ext>
-                  </a:extLst>
-                </a:hlinkClick>
-              </a:rPr>
-              <a:t>https://wpjs.co.uk/pwa.zip</a:t>
-            </a:r>
-            <a:endParaRPr lang="en-GB" sz="3200" b="1" dirty="0">
-              <a:solidFill>
-                <a:srgbClr val="FF0000"/>
-              </a:solidFill>
-              <a:latin typeface="Segoe UI" panose="020B0502040204020203" pitchFamily="34" charset="0"/>
-              <a:cs typeface="Segoe UI" panose="020B0502040204020203" pitchFamily="34" charset="0"/>
-            </a:endParaRPr>
+              </a:rPr>
+              <a:t>You can view demo of app on YouTube. Link in Slack and Chat…</a:t>
+            </a:r>
           </a:p>
           <a:p>
             <a:pPr lvl="1"/>
@@ -4052,6 +4063,218 @@
     <p:extLst>
       <p:ext uri="{BB962C8B-B14F-4D97-AF65-F5344CB8AC3E}">
         <p14:creationId xmlns:p14="http://schemas.microsoft.com/office/powerpoint/2010/main" val="3130116363"/>
+      </p:ext>
+    </p:extLst>
+  </p:cSld>
+  <p:clrMapOvr>
+    <a:masterClrMapping/>
+  </p:clrMapOvr>
+</p:sld>
+</file>
+
+<file path=ppt/slides/slide10.xml><?xml version="1.0" encoding="utf-8"?>
+<p:sld xmlns:a="http://schemas.openxmlformats.org/drawingml/2006/main" xmlns:r="http://schemas.openxmlformats.org/officeDocument/2006/relationships" xmlns:p="http://schemas.openxmlformats.org/presentationml/2006/main">
+  <p:cSld>
+    <p:spTree>
+      <p:nvGrpSpPr>
+        <p:cNvPr id="1" name=""/>
+        <p:cNvGrpSpPr/>
+        <p:nvPr/>
+      </p:nvGrpSpPr>
+      <p:grpSpPr>
+        <a:xfrm>
+          <a:off x="0" y="0"/>
+          <a:ext cx="0" cy="0"/>
+          <a:chOff x="0" y="0"/>
+          <a:chExt cx="0" cy="0"/>
+        </a:xfrm>
+      </p:grpSpPr>
+      <p:sp>
+        <p:nvSpPr>
+          <p:cNvPr id="3" name="Content Placeholder 2">
+            <a:extLst>
+              <a:ext uri="{FF2B5EF4-FFF2-40B4-BE49-F238E27FC236}">
+                <a16:creationId xmlns:a16="http://schemas.microsoft.com/office/drawing/2014/main" id="{380A49C7-87C7-4B50-A695-2297B5304E7B}"/>
+              </a:ext>
+            </a:extLst>
+          </p:cNvPr>
+          <p:cNvSpPr>
+            <a:spLocks noGrp="1"/>
+          </p:cNvSpPr>
+          <p:nvPr>
+            <p:ph idx="1"/>
+          </p:nvPr>
+        </p:nvSpPr>
+        <p:spPr>
+          <a:xfrm>
+            <a:off x="838200" y="1422953"/>
+            <a:ext cx="10515600" cy="4351338"/>
+          </a:xfrm>
+        </p:spPr>
+        <p:txBody>
+          <a:bodyPr>
+            <a:normAutofit/>
+          </a:bodyPr>
+          <a:lstStyle/>
+          <a:p>
+            <a:pPr marL="0" indent="0" algn="ctr">
+              <a:buNone/>
+            </a:pPr>
+            <a:r>
+              <a:rPr lang="en-GB" sz="5400" dirty="0">
+                <a:solidFill>
+                  <a:srgbClr val="2196F3"/>
+                </a:solidFill>
+                <a:latin typeface="Segoe UI" panose="020B0502040204020203" pitchFamily="34" charset="0"/>
+                <a:cs typeface="Segoe UI" panose="020B0502040204020203" pitchFamily="34" charset="0"/>
+              </a:rPr>
+              <a:t>Craig West</a:t>
+            </a:r>
+          </a:p>
+          <a:p>
+            <a:pPr marL="0" indent="0" algn="ctr">
+              <a:buNone/>
+            </a:pPr>
+            <a:r>
+              <a:rPr lang="en-GB" sz="5400" b="1" dirty="0">
+                <a:solidFill>
+                  <a:srgbClr val="2196F3"/>
+                </a:solidFill>
+                <a:latin typeface="Segoe UI" panose="020B0502040204020203" pitchFamily="34" charset="0"/>
+                <a:cs typeface="Segoe UI" panose="020B0502040204020203" pitchFamily="34" charset="0"/>
+              </a:rPr>
+              <a:t>wpjs.co.uk</a:t>
+            </a:r>
+          </a:p>
+          <a:p>
+            <a:pPr marL="0" indent="0" algn="ctr">
+              <a:buNone/>
+            </a:pPr>
+            <a:r>
+              <a:rPr lang="en-GB" sz="5400" dirty="0">
+                <a:solidFill>
+                  <a:srgbClr val="2196F3"/>
+                </a:solidFill>
+                <a:latin typeface="Segoe UI" panose="020B0502040204020203" pitchFamily="34" charset="0"/>
+                <a:cs typeface="Segoe UI" panose="020B0502040204020203" pitchFamily="34" charset="0"/>
+                <a:hlinkClick r:id="rId2">
+                  <a:extLst>
+                    <a:ext uri="{A12FA001-AC4F-418D-AE19-62706E023703}">
+                      <ahyp:hlinkClr xmlns:ahyp="http://schemas.microsoft.com/office/drawing/2018/hyperlinkcolor" val="tx"/>
+                    </a:ext>
+                  </a:extLst>
+                </a:hlinkClick>
+              </a:rPr>
+              <a:t>craig@wpjs.co.uk</a:t>
+            </a:r>
+            <a:endParaRPr lang="en-GB" sz="5400" dirty="0">
+              <a:solidFill>
+                <a:srgbClr val="2196F3"/>
+              </a:solidFill>
+              <a:latin typeface="Segoe UI" panose="020B0502040204020203" pitchFamily="34" charset="0"/>
+              <a:cs typeface="Segoe UI" panose="020B0502040204020203" pitchFamily="34" charset="0"/>
+            </a:endParaRPr>
+          </a:p>
+          <a:p>
+            <a:pPr marL="0" indent="0" algn="ctr">
+              <a:buNone/>
+            </a:pPr>
+            <a:r>
+              <a:rPr lang="en-GB" sz="5400" dirty="0">
+                <a:solidFill>
+                  <a:srgbClr val="2196F3"/>
+                </a:solidFill>
+                <a:latin typeface="Segoe UI" panose="020B0502040204020203" pitchFamily="34" charset="0"/>
+                <a:cs typeface="Segoe UI" panose="020B0502040204020203" pitchFamily="34" charset="0"/>
+              </a:rPr>
+              <a:t>Do contact me for the no-fee workshops I provide online.</a:t>
+            </a:r>
+          </a:p>
+          <a:p>
+            <a:pPr marL="0" indent="0">
+              <a:buNone/>
+            </a:pPr>
+            <a:endParaRPr lang="en-GB" dirty="0">
+              <a:latin typeface="Segoe UI" panose="020B0502040204020203" pitchFamily="34" charset="0"/>
+              <a:cs typeface="Segoe UI" panose="020B0502040204020203" pitchFamily="34" charset="0"/>
+            </a:endParaRPr>
+          </a:p>
+          <a:p>
+            <a:endParaRPr lang="en-GB" dirty="0">
+              <a:latin typeface="Segoe UI" panose="020B0502040204020203" pitchFamily="34" charset="0"/>
+              <a:cs typeface="Segoe UI" panose="020B0502040204020203" pitchFamily="34" charset="0"/>
+            </a:endParaRPr>
+          </a:p>
+          <a:p>
+            <a:endParaRPr lang="en-GB" dirty="0">
+              <a:latin typeface="Segoe UI" panose="020B0502040204020203" pitchFamily="34" charset="0"/>
+              <a:cs typeface="Segoe UI" panose="020B0502040204020203" pitchFamily="34" charset="0"/>
+            </a:endParaRPr>
+          </a:p>
+          <a:p>
+            <a:endParaRPr lang="en-GB" dirty="0">
+              <a:latin typeface="Segoe UI" panose="020B0502040204020203" pitchFamily="34" charset="0"/>
+              <a:cs typeface="Segoe UI" panose="020B0502040204020203" pitchFamily="34" charset="0"/>
+            </a:endParaRPr>
+          </a:p>
+        </p:txBody>
+      </p:sp>
+      <p:sp>
+        <p:nvSpPr>
+          <p:cNvPr id="6" name="Title 1">
+            <a:extLst>
+              <a:ext uri="{FF2B5EF4-FFF2-40B4-BE49-F238E27FC236}">
+                <a16:creationId xmlns:a16="http://schemas.microsoft.com/office/drawing/2014/main" id="{A9FE3B7A-AB00-444C-B7E7-EA48B7D72F9E}"/>
+              </a:ext>
+            </a:extLst>
+          </p:cNvPr>
+          <p:cNvSpPr>
+            <a:spLocks noGrp="1"/>
+          </p:cNvSpPr>
+          <p:nvPr>
+            <p:ph type="title"/>
+          </p:nvPr>
+        </p:nvSpPr>
+        <p:spPr>
+          <a:xfrm>
+            <a:off x="838200" y="0"/>
+            <a:ext cx="10515600" cy="1325563"/>
+          </a:xfrm>
+          <a:solidFill>
+            <a:srgbClr val="2196F3"/>
+          </a:solidFill>
+        </p:spPr>
+        <p:txBody>
+          <a:bodyPr>
+            <a:normAutofit/>
+          </a:bodyPr>
+          <a:lstStyle/>
+          <a:p>
+            <a:pPr algn="ctr"/>
+            <a:r>
+              <a:rPr lang="en-GB" sz="6600">
+                <a:solidFill>
+                  <a:schemeClr val="bg1"/>
+                </a:solidFill>
+                <a:latin typeface="Segoe UI" panose="020B0502040204020203" pitchFamily="34" charset="0"/>
+                <a:cs typeface="Segoe UI" panose="020B0502040204020203" pitchFamily="34" charset="0"/>
+              </a:rPr>
+              <a:t>SUMMARY</a:t>
+            </a:r>
+            <a:endParaRPr lang="en-GB" sz="6600" dirty="0">
+              <a:solidFill>
+                <a:schemeClr val="bg1"/>
+              </a:solidFill>
+              <a:latin typeface="Segoe UI" panose="020B0502040204020203" pitchFamily="34" charset="0"/>
+              <a:cs typeface="Segoe UI" panose="020B0502040204020203" pitchFamily="34" charset="0"/>
+            </a:endParaRPr>
+          </a:p>
+        </p:txBody>
+      </p:sp>
+    </p:spTree>
+    <p:extLst>
+      <p:ext uri="{BB962C8B-B14F-4D97-AF65-F5344CB8AC3E}">
+        <p14:creationId xmlns:p14="http://schemas.microsoft.com/office/powerpoint/2010/main" val="1180011134"/>
       </p:ext>
     </p:extLst>
   </p:cSld>
@@ -4182,14 +4405,24 @@
               <a:buNone/>
             </a:pPr>
             <a:r>
-              <a:rPr lang="en-GB" sz="4300" dirty="0">
+              <a:rPr lang="en-GB" sz="4300" b="1" dirty="0">
                 <a:solidFill>
                   <a:srgbClr val="2196F3"/>
                 </a:solidFill>
                 <a:latin typeface="Segoe UI" panose="020B0502040204020203" pitchFamily="34" charset="0"/>
                 <a:cs typeface="Segoe UI" panose="020B0502040204020203" pitchFamily="34" charset="0"/>
               </a:rPr>
-              <a:t>Regular websites with features added progressively, defaulting to SAFE if not available in the user’s browser.</a:t>
+              <a:t>Regular websites </a:t>
+            </a:r>
+            <a:r>
+              <a:rPr lang="en-GB" sz="4300" dirty="0">
+                <a:solidFill>
+                  <a:srgbClr val="2196F3"/>
+                </a:solidFill>
+                <a:latin typeface="Segoe UI" panose="020B0502040204020203" pitchFamily="34" charset="0"/>
+                <a:cs typeface="Segoe UI" panose="020B0502040204020203" pitchFamily="34" charset="0"/>
+              </a:rPr>
+              <a:t>with features added progressively, defaulting to SAFE if not available in the user’s browser.</a:t>
             </a:r>
           </a:p>
           <a:p>
@@ -4216,7 +4449,7 @@
                 <a:latin typeface="Segoe UI" panose="020B0502040204020203" pitchFamily="34" charset="0"/>
                 <a:cs typeface="Segoe UI" panose="020B0502040204020203" pitchFamily="34" charset="0"/>
               </a:rPr>
-              <a:t>Can be used to create a native app look.</a:t>
+              <a:t>Can be used to create a Native App look.</a:t>
             </a:r>
           </a:p>
           <a:p>
@@ -4243,7 +4476,7 @@
                 <a:latin typeface="Segoe UI" panose="020B0502040204020203" pitchFamily="34" charset="0"/>
                 <a:cs typeface="Segoe UI" panose="020B0502040204020203" pitchFamily="34" charset="0"/>
               </a:rPr>
-              <a:t>Enable offline use. ‘Instant’ pages.</a:t>
+              <a:t>Enable offline use and ‘instant’ pages.</a:t>
             </a:r>
             <a:endParaRPr lang="en-GB" sz="3600" dirty="0">
               <a:solidFill>
@@ -4335,265 +4568,10 @@
       </p:grpSpPr>
       <p:sp>
         <p:nvSpPr>
-          <p:cNvPr id="3" name="Content Placeholder 2">
-            <a:extLst>
-              <a:ext uri="{FF2B5EF4-FFF2-40B4-BE49-F238E27FC236}">
-                <a16:creationId xmlns:a16="http://schemas.microsoft.com/office/drawing/2014/main" id="{380A49C7-87C7-4B50-A695-2297B5304E7B}"/>
-              </a:ext>
-            </a:extLst>
-          </p:cNvPr>
-          <p:cNvSpPr>
-            <a:spLocks noGrp="1"/>
-          </p:cNvSpPr>
-          <p:nvPr>
-            <p:ph idx="1"/>
-          </p:nvPr>
-        </p:nvSpPr>
-        <p:spPr>
-          <a:xfrm>
-            <a:off x="838200" y="1325563"/>
-            <a:ext cx="10515600" cy="5175905"/>
-          </a:xfrm>
-        </p:spPr>
-        <p:txBody>
-          <a:bodyPr>
-            <a:normAutofit/>
-          </a:bodyPr>
-          <a:lstStyle/>
-          <a:p>
-            <a:pPr marL="0" indent="0">
-              <a:buNone/>
-            </a:pPr>
-            <a:endParaRPr lang="en-GB" sz="900" dirty="0">
-              <a:solidFill>
-                <a:srgbClr val="2196F3"/>
-              </a:solidFill>
-              <a:latin typeface="Segoe UI" panose="020B0502040204020203" pitchFamily="34" charset="0"/>
-              <a:cs typeface="Segoe UI" panose="020B0502040204020203" pitchFamily="34" charset="0"/>
-            </a:endParaRPr>
-          </a:p>
-          <a:p>
-            <a:pPr>
-              <a:lnSpc>
-                <a:spcPts val="4500"/>
-              </a:lnSpc>
-            </a:pPr>
-            <a:r>
-              <a:rPr lang="en-GB" sz="3600" b="1" dirty="0">
-                <a:solidFill>
-                  <a:srgbClr val="FF0000"/>
-                </a:solidFill>
-                <a:latin typeface="Segoe UI" panose="020B0502040204020203" pitchFamily="34" charset="0"/>
-                <a:cs typeface="Segoe UI" panose="020B0502040204020203" pitchFamily="34" charset="0"/>
-              </a:rPr>
-              <a:t>Learning how to </a:t>
-            </a:r>
-            <a:r>
-              <a:rPr lang="en-GB" sz="3600" b="1">
-                <a:solidFill>
-                  <a:srgbClr val="FF0000"/>
-                </a:solidFill>
-                <a:latin typeface="Segoe UI" panose="020B0502040204020203" pitchFamily="34" charset="0"/>
-                <a:cs typeface="Segoe UI" panose="020B0502040204020203" pitchFamily="34" charset="0"/>
-              </a:rPr>
-              <a:t>learn PWA.</a:t>
-            </a:r>
-            <a:endParaRPr lang="en-GB" sz="3600" b="1" dirty="0">
-              <a:solidFill>
-                <a:srgbClr val="FF0000"/>
-              </a:solidFill>
-              <a:latin typeface="Segoe UI" panose="020B0502040204020203" pitchFamily="34" charset="0"/>
-              <a:cs typeface="Segoe UI" panose="020B0502040204020203" pitchFamily="34" charset="0"/>
-            </a:endParaRPr>
-          </a:p>
-          <a:p>
-            <a:pPr>
-              <a:lnSpc>
-                <a:spcPts val="4500"/>
-              </a:lnSpc>
-            </a:pPr>
-            <a:r>
-              <a:rPr lang="en-GB" sz="3600" dirty="0">
-                <a:solidFill>
-                  <a:srgbClr val="2196F3"/>
-                </a:solidFill>
-                <a:latin typeface="Segoe UI" panose="020B0502040204020203" pitchFamily="34" charset="0"/>
-                <a:cs typeface="Segoe UI" panose="020B0502040204020203" pitchFamily="34" charset="0"/>
-              </a:rPr>
-              <a:t>To give an overview of PWA architecture.</a:t>
-            </a:r>
-          </a:p>
-          <a:p>
-            <a:pPr>
-              <a:lnSpc>
-                <a:spcPts val="4500"/>
-              </a:lnSpc>
-            </a:pPr>
-            <a:r>
-              <a:rPr lang="en-GB" sz="3600" dirty="0">
-                <a:solidFill>
-                  <a:srgbClr val="2196F3"/>
-                </a:solidFill>
-                <a:latin typeface="Segoe UI" panose="020B0502040204020203" pitchFamily="34" charset="0"/>
-                <a:cs typeface="Segoe UI" panose="020B0502040204020203" pitchFamily="34" charset="0"/>
-              </a:rPr>
-              <a:t>Prepare you to use all the resources after the workshop if you want to develop your PWA skills.</a:t>
-            </a:r>
-          </a:p>
-          <a:p>
-            <a:pPr>
-              <a:lnSpc>
-                <a:spcPts val="4500"/>
-              </a:lnSpc>
-            </a:pPr>
-            <a:r>
-              <a:rPr lang="en-GB" sz="3600" dirty="0">
-                <a:solidFill>
-                  <a:srgbClr val="2196F3"/>
-                </a:solidFill>
-                <a:latin typeface="Segoe UI" panose="020B0502040204020203" pitchFamily="34" charset="0"/>
-                <a:cs typeface="Segoe UI" panose="020B0502040204020203" pitchFamily="34" charset="0"/>
-              </a:rPr>
-              <a:t>Work though the sample PWA to </a:t>
-            </a:r>
-          </a:p>
-          <a:p>
-            <a:pPr marL="0" indent="0">
-              <a:lnSpc>
-                <a:spcPts val="4500"/>
-              </a:lnSpc>
-              <a:buNone/>
-            </a:pPr>
-            <a:r>
-              <a:rPr lang="en-GB" sz="3600" dirty="0">
-                <a:solidFill>
-                  <a:srgbClr val="2196F3"/>
-                </a:solidFill>
-                <a:latin typeface="Segoe UI" panose="020B0502040204020203" pitchFamily="34" charset="0"/>
-                <a:cs typeface="Segoe UI" panose="020B0502040204020203" pitchFamily="34" charset="0"/>
-              </a:rPr>
-              <a:t>  see what is</a:t>
-            </a:r>
-            <a:r>
-              <a:rPr lang="en-GB" sz="3600" b="1" dirty="0">
-                <a:solidFill>
-                  <a:srgbClr val="2196F3"/>
-                </a:solidFill>
-                <a:latin typeface="Segoe UI" panose="020B0502040204020203" pitchFamily="34" charset="0"/>
-                <a:cs typeface="Segoe UI" panose="020B0502040204020203" pitchFamily="34" charset="0"/>
-              </a:rPr>
-              <a:t> </a:t>
-            </a:r>
-            <a:r>
-              <a:rPr lang="en-GB" sz="3600" dirty="0">
-                <a:solidFill>
-                  <a:srgbClr val="2196F3"/>
-                </a:solidFill>
-                <a:latin typeface="Segoe UI" panose="020B0502040204020203" pitchFamily="34" charset="0"/>
-                <a:cs typeface="Segoe UI" panose="020B0502040204020203" pitchFamily="34" charset="0"/>
-              </a:rPr>
-              <a:t>needed to create a PWA.</a:t>
-            </a:r>
-          </a:p>
-          <a:p>
-            <a:pPr>
-              <a:lnSpc>
-                <a:spcPts val="4500"/>
-              </a:lnSpc>
-            </a:pPr>
-            <a:r>
-              <a:rPr lang="en-GB" sz="3600" dirty="0">
-                <a:solidFill>
-                  <a:srgbClr val="2196F3"/>
-                </a:solidFill>
-                <a:latin typeface="Segoe UI" panose="020B0502040204020203" pitchFamily="34" charset="0"/>
-                <a:cs typeface="Segoe UI" panose="020B0502040204020203" pitchFamily="34" charset="0"/>
-              </a:rPr>
-              <a:t>A ‘show and tell’…</a:t>
-            </a:r>
-          </a:p>
-          <a:p>
-            <a:pPr>
-              <a:lnSpc>
-                <a:spcPts val="4500"/>
-              </a:lnSpc>
-            </a:pPr>
-            <a:endParaRPr lang="en-GB" sz="4700" dirty="0">
-              <a:solidFill>
-                <a:srgbClr val="2196F3"/>
-              </a:solidFill>
-              <a:latin typeface="Segoe UI" panose="020B0502040204020203" pitchFamily="34" charset="0"/>
-              <a:cs typeface="Segoe UI" panose="020B0502040204020203" pitchFamily="34" charset="0"/>
-            </a:endParaRPr>
-          </a:p>
-          <a:p>
-            <a:pPr marL="0" indent="0">
-              <a:buNone/>
-            </a:pPr>
-            <a:endParaRPr lang="en-GB" sz="3600" i="1" dirty="0">
-              <a:solidFill>
-                <a:srgbClr val="2196F3"/>
-              </a:solidFill>
-              <a:latin typeface="Segoe UI" panose="020B0502040204020203" pitchFamily="34" charset="0"/>
-              <a:cs typeface="Segoe UI" panose="020B0502040204020203" pitchFamily="34" charset="0"/>
-            </a:endParaRPr>
-          </a:p>
-          <a:p>
-            <a:pPr marL="0" indent="0">
-              <a:buNone/>
-            </a:pPr>
-            <a:endParaRPr lang="en-GB" sz="1400" dirty="0">
-              <a:solidFill>
-                <a:srgbClr val="2196F3"/>
-              </a:solidFill>
-              <a:latin typeface="Segoe UI" panose="020B0502040204020203" pitchFamily="34" charset="0"/>
-              <a:cs typeface="Segoe UI" panose="020B0502040204020203" pitchFamily="34" charset="0"/>
-            </a:endParaRPr>
-          </a:p>
-          <a:p>
-            <a:pPr marL="0" indent="0">
-              <a:buNone/>
-            </a:pPr>
-            <a:endParaRPr lang="en-GB" i="1" dirty="0">
-              <a:solidFill>
-                <a:srgbClr val="2196F3"/>
-              </a:solidFill>
-              <a:latin typeface="Segoe UI" panose="020B0502040204020203" pitchFamily="34" charset="0"/>
-              <a:cs typeface="Segoe UI" panose="020B0502040204020203" pitchFamily="34" charset="0"/>
-            </a:endParaRPr>
-          </a:p>
-          <a:p>
-            <a:endParaRPr lang="en-GB" dirty="0">
-              <a:latin typeface="Segoe UI" panose="020B0502040204020203" pitchFamily="34" charset="0"/>
-              <a:cs typeface="Segoe UI" panose="020B0502040204020203" pitchFamily="34" charset="0"/>
-            </a:endParaRPr>
-          </a:p>
-          <a:p>
-            <a:endParaRPr lang="en-GB" dirty="0">
-              <a:latin typeface="Segoe UI" panose="020B0502040204020203" pitchFamily="34" charset="0"/>
-              <a:cs typeface="Segoe UI" panose="020B0502040204020203" pitchFamily="34" charset="0"/>
-            </a:endParaRPr>
-          </a:p>
-          <a:p>
-            <a:endParaRPr lang="en-GB" dirty="0">
-              <a:latin typeface="Segoe UI" panose="020B0502040204020203" pitchFamily="34" charset="0"/>
-              <a:cs typeface="Segoe UI" panose="020B0502040204020203" pitchFamily="34" charset="0"/>
-            </a:endParaRPr>
-          </a:p>
-          <a:p>
-            <a:endParaRPr lang="en-GB" dirty="0">
-              <a:latin typeface="Segoe UI" panose="020B0502040204020203" pitchFamily="34" charset="0"/>
-              <a:cs typeface="Segoe UI" panose="020B0502040204020203" pitchFamily="34" charset="0"/>
-            </a:endParaRPr>
-          </a:p>
-        </p:txBody>
-      </p:sp>
-      <p:sp>
-        <p:nvSpPr>
-          <p:cNvPr id="6" name="Title 1">
-            <a:extLst>
-              <a:ext uri="{FF2B5EF4-FFF2-40B4-BE49-F238E27FC236}">
-                <a16:creationId xmlns:a16="http://schemas.microsoft.com/office/drawing/2014/main" id="{A9FE3B7A-AB00-444C-B7E7-EA48B7D72F9E}"/>
+          <p:cNvPr id="2" name="Title 1">
+            <a:extLst>
+              <a:ext uri="{FF2B5EF4-FFF2-40B4-BE49-F238E27FC236}">
+                <a16:creationId xmlns:a16="http://schemas.microsoft.com/office/drawing/2014/main" id="{5D7568B3-EC9A-45DD-8A17-CFE685194B65}"/>
               </a:ext>
             </a:extLst>
           </p:cNvPr>
@@ -4628,64 +4606,206 @@
                 <a:latin typeface="Segoe UI" panose="020B0502040204020203" pitchFamily="34" charset="0"/>
                 <a:cs typeface="Segoe UI" panose="020B0502040204020203" pitchFamily="34" charset="0"/>
               </a:rPr>
-              <a:t>REALISTIC OUTCOMES</a:t>
-            </a:r>
-          </a:p>
-        </p:txBody>
-      </p:sp>
-      <p:sp>
-        <p:nvSpPr>
-          <p:cNvPr id="2" name="Flowchart: Sequential Access Storage 1">
-            <a:extLst>
-              <a:ext uri="{FF2B5EF4-FFF2-40B4-BE49-F238E27FC236}">
-                <a16:creationId xmlns:a16="http://schemas.microsoft.com/office/drawing/2014/main" id="{E83E7AD9-D360-4B1E-A742-EB5E731EA55E}"/>
-              </a:ext>
-            </a:extLst>
-          </p:cNvPr>
-          <p:cNvSpPr/>
-          <p:nvPr/>
+              <a:t>PROGRESSIVE WEB APPS</a:t>
+            </a:r>
+          </a:p>
+        </p:txBody>
+      </p:sp>
+      <p:sp>
+        <p:nvSpPr>
+          <p:cNvPr id="4" name="Content Placeholder 2">
+            <a:extLst>
+              <a:ext uri="{FF2B5EF4-FFF2-40B4-BE49-F238E27FC236}">
+                <a16:creationId xmlns:a16="http://schemas.microsoft.com/office/drawing/2014/main" id="{088CCB65-11B4-408B-9ED3-1304FE85032F}"/>
+              </a:ext>
+            </a:extLst>
+          </p:cNvPr>
+          <p:cNvSpPr>
+            <a:spLocks noGrp="1"/>
+          </p:cNvSpPr>
+          <p:nvPr>
+            <p:ph idx="1"/>
+          </p:nvPr>
         </p:nvSpPr>
         <p:spPr>
           <a:xfrm>
-            <a:off x="8674216" y="4117159"/>
-            <a:ext cx="2407640" cy="2048749"/>
+            <a:off x="838200" y="1325563"/>
+            <a:ext cx="10515600" cy="5326907"/>
           </a:xfrm>
-          <a:prstGeom prst="flowChartMagneticTape">
-            <a:avLst/>
-          </a:prstGeom>
         </p:spPr>
-        <p:style>
-          <a:lnRef idx="2">
-            <a:schemeClr val="accent1">
-              <a:shade val="50000"/>
-            </a:schemeClr>
-          </a:lnRef>
-          <a:fillRef idx="1">
-            <a:schemeClr val="accent1"/>
-          </a:fillRef>
-          <a:effectRef idx="0">
-            <a:schemeClr val="accent1"/>
-          </a:effectRef>
-          <a:fontRef idx="minor">
-            <a:schemeClr val="lt1"/>
-          </a:fontRef>
-        </p:style>
-        <p:txBody>
-          <a:bodyPr rtlCol="0" anchor="ctr"/>
-          <a:lstStyle/>
-          <a:p>
-            <a:pPr algn="ctr"/>
-            <a:r>
-              <a:rPr lang="en-GB" sz="2400" dirty="0"/>
-              <a:t>Don’t worry if you don’t understand</a:t>
-            </a:r>
+        <p:txBody>
+          <a:bodyPr wrap="square" bIns="252000">
+            <a:normAutofit/>
+          </a:bodyPr>
+          <a:lstStyle/>
+          <a:p>
+            <a:pPr marL="457200" lvl="1" indent="0">
+              <a:buNone/>
+            </a:pPr>
+            <a:endParaRPr lang="en-GB" sz="1600" i="1" dirty="0">
+              <a:solidFill>
+                <a:srgbClr val="FF0000"/>
+              </a:solidFill>
+              <a:latin typeface="Segoe UI" panose="020B0502040204020203" pitchFamily="34" charset="0"/>
+              <a:cs typeface="Segoe UI" panose="020B0502040204020203" pitchFamily="34" charset="0"/>
+            </a:endParaRPr>
+          </a:p>
+          <a:p>
+            <a:pPr marL="457200" lvl="1" indent="0">
+              <a:buNone/>
+            </a:pPr>
+            <a:r>
+              <a:rPr lang="en-GB" sz="2800" i="1" dirty="0">
+                <a:solidFill>
+                  <a:srgbClr val="FF0000"/>
+                </a:solidFill>
+                <a:latin typeface="Segoe UI" panose="020B0502040204020203" pitchFamily="34" charset="0"/>
+                <a:cs typeface="Segoe UI" panose="020B0502040204020203" pitchFamily="34" charset="0"/>
+              </a:rPr>
+              <a:t>Traditionally…</a:t>
+            </a:r>
+          </a:p>
+          <a:p>
+            <a:pPr marL="457200" lvl="1" indent="0">
+              <a:buNone/>
+            </a:pPr>
+            <a:r>
+              <a:rPr lang="en-GB" sz="2800" dirty="0">
+                <a:solidFill>
+                  <a:srgbClr val="2196F3"/>
+                </a:solidFill>
+                <a:latin typeface="Segoe UI" panose="020B0502040204020203" pitchFamily="34" charset="0"/>
+                <a:cs typeface="Segoe UI" panose="020B0502040204020203" pitchFamily="34" charset="0"/>
+              </a:rPr>
+              <a:t>Native Apps have more functionality</a:t>
+            </a:r>
+          </a:p>
+          <a:p>
+            <a:pPr marL="457200" lvl="1" indent="0">
+              <a:buNone/>
+            </a:pPr>
+            <a:r>
+              <a:rPr lang="en-GB" sz="2800" dirty="0">
+                <a:solidFill>
+                  <a:srgbClr val="2196F3"/>
+                </a:solidFill>
+                <a:latin typeface="Segoe UI" panose="020B0502040204020203" pitchFamily="34" charset="0"/>
+                <a:cs typeface="Segoe UI" panose="020B0502040204020203" pitchFamily="34" charset="0"/>
+              </a:rPr>
+              <a:t>PWAs have greater discoverability</a:t>
+            </a:r>
+          </a:p>
+          <a:p>
+            <a:pPr marL="457200" lvl="1" indent="0">
+              <a:buNone/>
+            </a:pPr>
+            <a:endParaRPr lang="en-GB" sz="600" dirty="0">
+              <a:solidFill>
+                <a:srgbClr val="2196F3"/>
+              </a:solidFill>
+              <a:latin typeface="Segoe UI" panose="020B0502040204020203" pitchFamily="34" charset="0"/>
+              <a:cs typeface="Segoe UI" panose="020B0502040204020203" pitchFamily="34" charset="0"/>
+            </a:endParaRPr>
+          </a:p>
+          <a:p>
+            <a:pPr marL="457200" lvl="1" indent="0">
+              <a:buNone/>
+            </a:pPr>
+            <a:r>
+              <a:rPr lang="en-GB" sz="2800" dirty="0">
+                <a:solidFill>
+                  <a:srgbClr val="2196F3"/>
+                </a:solidFill>
+                <a:latin typeface="Segoe UI" panose="020B0502040204020203" pitchFamily="34" charset="0"/>
+                <a:cs typeface="Segoe UI" panose="020B0502040204020203" pitchFamily="34" charset="0"/>
+              </a:rPr>
+              <a:t>Google’s Project Fugu has goal of no difference between Native App and PWA.</a:t>
+            </a:r>
+            <a:endParaRPr lang="en-GB" sz="1000" dirty="0">
+              <a:solidFill>
+                <a:srgbClr val="2196F3"/>
+              </a:solidFill>
+              <a:latin typeface="Segoe UI" panose="020B0502040204020203" pitchFamily="34" charset="0"/>
+              <a:cs typeface="Segoe UI" panose="020B0502040204020203" pitchFamily="34" charset="0"/>
+            </a:endParaRPr>
+          </a:p>
+          <a:p>
+            <a:pPr marL="457200" lvl="1" indent="0">
+              <a:buNone/>
+            </a:pPr>
+            <a:r>
+              <a:rPr lang="en-GB" sz="1200" dirty="0">
+                <a:latin typeface="Segoe UI" panose="020B0502040204020203" pitchFamily="34" charset="0"/>
+                <a:cs typeface="Segoe UI" panose="020B0502040204020203" pitchFamily="34" charset="0"/>
+                <a:hlinkClick r:id="rId2"/>
+              </a:rPr>
+              <a:t>https://docs.google.com/spreadsheets/d/1de0ZYDOcafNXXwMcg4EZhT0346QM-QFvZfoD8ZffHeA/edit#gid=557099940</a:t>
+            </a:r>
+            <a:endParaRPr lang="en-GB" sz="1100" dirty="0">
+              <a:solidFill>
+                <a:srgbClr val="2196F3"/>
+              </a:solidFill>
+              <a:latin typeface="Segoe UI" panose="020B0502040204020203" pitchFamily="34" charset="0"/>
+              <a:cs typeface="Segoe UI" panose="020B0502040204020203" pitchFamily="34" charset="0"/>
+            </a:endParaRPr>
+          </a:p>
+          <a:p>
+            <a:pPr marL="457200" lvl="1" indent="0">
+              <a:buNone/>
+            </a:pPr>
+            <a:endParaRPr lang="en-GB" sz="2000" dirty="0">
+              <a:solidFill>
+                <a:srgbClr val="2196F3"/>
+              </a:solidFill>
+              <a:latin typeface="Segoe UI" panose="020B0502040204020203" pitchFamily="34" charset="0"/>
+              <a:cs typeface="Segoe UI" panose="020B0502040204020203" pitchFamily="34" charset="0"/>
+            </a:endParaRPr>
+          </a:p>
+          <a:p>
+            <a:pPr marL="457200" lvl="1" indent="0">
+              <a:buNone/>
+            </a:pPr>
+            <a:r>
+              <a:rPr lang="en-GB" sz="2000" dirty="0">
+                <a:solidFill>
+                  <a:srgbClr val="2196F3"/>
+                </a:solidFill>
+                <a:latin typeface="Segoe UI" panose="020B0502040204020203" pitchFamily="34" charset="0"/>
+                <a:cs typeface="Segoe UI" panose="020B0502040204020203" pitchFamily="34" charset="0"/>
+              </a:rPr>
+              <a:t>A Google statistic states that every step a user has to take will result in 20% loss. PWAs involve less steps to install than Native Apps.</a:t>
+            </a:r>
+          </a:p>
+          <a:p>
+            <a:pPr marL="457200" lvl="1" indent="0">
+              <a:buNone/>
+            </a:pPr>
+            <a:endParaRPr lang="en-GB" sz="6700" dirty="0">
+              <a:latin typeface="Segoe UI" panose="020B0502040204020203" pitchFamily="34" charset="0"/>
+              <a:cs typeface="Segoe UI" panose="020B0502040204020203" pitchFamily="34" charset="0"/>
+            </a:endParaRPr>
+          </a:p>
+          <a:p>
+            <a:pPr marL="0" indent="0">
+              <a:buNone/>
+            </a:pPr>
+            <a:endParaRPr lang="en-GB" dirty="0">
+              <a:latin typeface="Segoe UI" panose="020B0502040204020203" pitchFamily="34" charset="0"/>
+              <a:cs typeface="Segoe UI" panose="020B0502040204020203" pitchFamily="34" charset="0"/>
+            </a:endParaRPr>
+          </a:p>
+          <a:p>
+            <a:endParaRPr lang="en-GB" dirty="0">
+              <a:latin typeface="Segoe UI" panose="020B0502040204020203" pitchFamily="34" charset="0"/>
+              <a:cs typeface="Segoe UI" panose="020B0502040204020203" pitchFamily="34" charset="0"/>
+            </a:endParaRPr>
           </a:p>
         </p:txBody>
       </p:sp>
     </p:spTree>
     <p:extLst>
       <p:ext uri="{BB962C8B-B14F-4D97-AF65-F5344CB8AC3E}">
-        <p14:creationId xmlns:p14="http://schemas.microsoft.com/office/powerpoint/2010/main" val="653117765"/>
+        <p14:creationId xmlns:p14="http://schemas.microsoft.com/office/powerpoint/2010/main" val="421213878"/>
       </p:ext>
     </p:extLst>
   </p:cSld>
@@ -4736,7 +4856,7 @@
         </p:spPr>
         <p:txBody>
           <a:bodyPr>
-            <a:normAutofit/>
+            <a:normAutofit fontScale="92500" lnSpcReduction="10000"/>
           </a:bodyPr>
           <a:lstStyle/>
           <a:p>
@@ -4752,12 +4872,158 @@
             </a:endParaRPr>
           </a:p>
           <a:p>
+            <a:r>
+              <a:rPr lang="en-GB" sz="2100" b="1" dirty="0">
+                <a:solidFill>
+                  <a:srgbClr val="2196F3"/>
+                </a:solidFill>
+              </a:rPr>
+              <a:t>Add to Homescreen/Desktop installation.</a:t>
+            </a:r>
+          </a:p>
+          <a:p>
+            <a:r>
+              <a:rPr lang="en-GB" sz="2100" b="1" dirty="0">
+                <a:solidFill>
+                  <a:srgbClr val="2196F3"/>
+                </a:solidFill>
+              </a:rPr>
+              <a:t>Open with Native App UI.</a:t>
+            </a:r>
+          </a:p>
+          <a:p>
+            <a:r>
+              <a:rPr lang="en-GB" sz="2100" b="1" dirty="0">
+                <a:solidFill>
+                  <a:srgbClr val="2196F3"/>
+                </a:solidFill>
+              </a:rPr>
+              <a:t>Enable Notifications.</a:t>
+            </a:r>
+          </a:p>
+          <a:p>
+            <a:r>
+              <a:rPr lang="en-GB" sz="2100" b="1" dirty="0">
+                <a:solidFill>
+                  <a:srgbClr val="2196F3"/>
+                </a:solidFill>
+              </a:rPr>
+              <a:t>Service Worker with </a:t>
+            </a:r>
+            <a:r>
+              <a:rPr lang="en-GB" sz="2100" b="1" dirty="0" err="1">
+                <a:solidFill>
+                  <a:srgbClr val="2196F3"/>
+                </a:solidFill>
+              </a:rPr>
+              <a:t>CacheAndNetworkThenStoreOrFallback</a:t>
+            </a:r>
+            <a:r>
+              <a:rPr lang="en-GB" sz="2100" b="1" dirty="0">
+                <a:solidFill>
+                  <a:srgbClr val="2196F3"/>
+                </a:solidFill>
+              </a:rPr>
+              <a:t> strategy.</a:t>
+            </a:r>
+          </a:p>
+          <a:p>
+            <a:r>
+              <a:rPr lang="en-GB" sz="2100" b="1" dirty="0">
+                <a:solidFill>
+                  <a:srgbClr val="2196F3"/>
+                </a:solidFill>
+              </a:rPr>
+              <a:t>Use of Cache API to store pages initially and dynamically.</a:t>
+            </a:r>
+          </a:p>
+          <a:p>
+            <a:r>
+              <a:rPr lang="en-GB" sz="2100" b="1" dirty="0">
+                <a:solidFill>
+                  <a:srgbClr val="2196F3"/>
+                </a:solidFill>
+              </a:rPr>
+              <a:t>Detect ONLINE | OFFLINE status and notify user via styling and OFFLINE message.</a:t>
+            </a:r>
+          </a:p>
+          <a:p>
+            <a:r>
+              <a:rPr lang="en-GB" sz="2100" b="1" dirty="0">
+                <a:solidFill>
+                  <a:srgbClr val="2196F3"/>
+                </a:solidFill>
+              </a:rPr>
+              <a:t>Offline capability for cached pages.</a:t>
+            </a:r>
+          </a:p>
+          <a:p>
+            <a:r>
+              <a:rPr lang="en-GB" sz="2100" b="1" dirty="0">
+                <a:solidFill>
+                  <a:srgbClr val="2196F3"/>
+                </a:solidFill>
+              </a:rPr>
+              <a:t>Graceful FALLBACK page for form.html</a:t>
+            </a:r>
+          </a:p>
+          <a:p>
+            <a:r>
+              <a:rPr lang="en-GB" sz="2100" b="1" dirty="0">
+                <a:solidFill>
+                  <a:srgbClr val="2196F3"/>
+                </a:solidFill>
+              </a:rPr>
+              <a:t>Graceful generic FALLBACK page for all other html pages.</a:t>
+            </a:r>
+          </a:p>
+          <a:p>
+            <a:r>
+              <a:rPr lang="en-GB" sz="2100" b="1" dirty="0">
+                <a:solidFill>
+                  <a:srgbClr val="2196F3"/>
+                </a:solidFill>
+              </a:rPr>
+              <a:t>IndexedDB to store data in browser's own database.</a:t>
+            </a:r>
+          </a:p>
+          <a:p>
+            <a:r>
+              <a:rPr lang="en-GB" sz="2100" b="1" dirty="0">
+                <a:solidFill>
+                  <a:srgbClr val="2196F3"/>
+                </a:solidFill>
+              </a:rPr>
+              <a:t>BackgroundSync to save form data and POST when back online.</a:t>
+            </a:r>
+          </a:p>
+          <a:p>
+            <a:r>
+              <a:rPr lang="en-GB" sz="2100" b="1" dirty="0">
+                <a:solidFill>
+                  <a:srgbClr val="2196F3"/>
+                </a:solidFill>
+              </a:rPr>
+              <a:t>Two way messaging between Page and Service Worker.</a:t>
+            </a:r>
+          </a:p>
+          <a:p>
+            <a:r>
+              <a:rPr lang="en-GB" sz="2100" b="1" i="1" dirty="0">
+                <a:solidFill>
+                  <a:srgbClr val="2196F3"/>
+                </a:solidFill>
+              </a:rPr>
+              <a:t>(Normally at full day workshop…)</a:t>
+            </a:r>
+          </a:p>
+          <a:p>
             <a:pPr>
               <a:lnSpc>
                 <a:spcPts val="4500"/>
               </a:lnSpc>
             </a:pPr>
-            <a:endParaRPr lang="en-GB" sz="3600" dirty="0">
+            <a:endParaRPr lang="en-GB" sz="1200" dirty="0">
               <a:solidFill>
                 <a:srgbClr val="2196F3"/>
               </a:solidFill>
@@ -4766,20 +5032,196 @@
             </a:endParaRPr>
           </a:p>
           <a:p>
+            <a:pPr marL="0" indent="0">
+              <a:buNone/>
+            </a:pPr>
+            <a:endParaRPr lang="en-GB" sz="3600" i="1" dirty="0">
+              <a:solidFill>
+                <a:srgbClr val="2196F3"/>
+              </a:solidFill>
+              <a:latin typeface="Segoe UI" panose="020B0502040204020203" pitchFamily="34" charset="0"/>
+              <a:cs typeface="Segoe UI" panose="020B0502040204020203" pitchFamily="34" charset="0"/>
+            </a:endParaRPr>
+          </a:p>
+          <a:p>
+            <a:pPr marL="0" indent="0">
+              <a:buNone/>
+            </a:pPr>
+            <a:endParaRPr lang="en-GB" sz="1400" dirty="0">
+              <a:solidFill>
+                <a:srgbClr val="2196F3"/>
+              </a:solidFill>
+              <a:latin typeface="Segoe UI" panose="020B0502040204020203" pitchFamily="34" charset="0"/>
+              <a:cs typeface="Segoe UI" panose="020B0502040204020203" pitchFamily="34" charset="0"/>
+            </a:endParaRPr>
+          </a:p>
+          <a:p>
+            <a:pPr marL="0" indent="0">
+              <a:buNone/>
+            </a:pPr>
+            <a:endParaRPr lang="en-GB" i="1" dirty="0">
+              <a:solidFill>
+                <a:srgbClr val="2196F3"/>
+              </a:solidFill>
+              <a:latin typeface="Segoe UI" panose="020B0502040204020203" pitchFamily="34" charset="0"/>
+              <a:cs typeface="Segoe UI" panose="020B0502040204020203" pitchFamily="34" charset="0"/>
+            </a:endParaRPr>
+          </a:p>
+          <a:p>
+            <a:endParaRPr lang="en-GB" dirty="0">
+              <a:latin typeface="Segoe UI" panose="020B0502040204020203" pitchFamily="34" charset="0"/>
+              <a:cs typeface="Segoe UI" panose="020B0502040204020203" pitchFamily="34" charset="0"/>
+            </a:endParaRPr>
+          </a:p>
+          <a:p>
+            <a:endParaRPr lang="en-GB" dirty="0">
+              <a:latin typeface="Segoe UI" panose="020B0502040204020203" pitchFamily="34" charset="0"/>
+              <a:cs typeface="Segoe UI" panose="020B0502040204020203" pitchFamily="34" charset="0"/>
+            </a:endParaRPr>
+          </a:p>
+          <a:p>
+            <a:endParaRPr lang="en-GB" dirty="0">
+              <a:latin typeface="Segoe UI" panose="020B0502040204020203" pitchFamily="34" charset="0"/>
+              <a:cs typeface="Segoe UI" panose="020B0502040204020203" pitchFamily="34" charset="0"/>
+            </a:endParaRPr>
+          </a:p>
+          <a:p>
+            <a:endParaRPr lang="en-GB" dirty="0">
+              <a:latin typeface="Segoe UI" panose="020B0502040204020203" pitchFamily="34" charset="0"/>
+              <a:cs typeface="Segoe UI" panose="020B0502040204020203" pitchFamily="34" charset="0"/>
+            </a:endParaRPr>
+          </a:p>
+        </p:txBody>
+      </p:sp>
+      <p:sp>
+        <p:nvSpPr>
+          <p:cNvPr id="6" name="Title 1">
+            <a:extLst>
+              <a:ext uri="{FF2B5EF4-FFF2-40B4-BE49-F238E27FC236}">
+                <a16:creationId xmlns:a16="http://schemas.microsoft.com/office/drawing/2014/main" id="{A9FE3B7A-AB00-444C-B7E7-EA48B7D72F9E}"/>
+              </a:ext>
+            </a:extLst>
+          </p:cNvPr>
+          <p:cNvSpPr>
+            <a:spLocks noGrp="1"/>
+          </p:cNvSpPr>
+          <p:nvPr>
+            <p:ph type="title"/>
+          </p:nvPr>
+        </p:nvSpPr>
+        <p:spPr>
+          <a:xfrm>
+            <a:off x="838200" y="0"/>
+            <a:ext cx="10515600" cy="1325563"/>
+          </a:xfrm>
+          <a:solidFill>
+            <a:srgbClr val="2196F3"/>
+          </a:solidFill>
+        </p:spPr>
+        <p:txBody>
+          <a:bodyPr>
+            <a:normAutofit/>
+          </a:bodyPr>
+          <a:lstStyle/>
+          <a:p>
+            <a:pPr algn="ctr"/>
+            <a:r>
+              <a:rPr lang="en-GB" sz="6600" dirty="0">
+                <a:solidFill>
+                  <a:schemeClr val="bg1"/>
+                </a:solidFill>
+                <a:latin typeface="Segoe UI" panose="020B0502040204020203" pitchFamily="34" charset="0"/>
+                <a:cs typeface="Segoe UI" panose="020B0502040204020203" pitchFamily="34" charset="0"/>
+              </a:rPr>
+              <a:t>WHAT OUR APP CAN DO</a:t>
+            </a:r>
+          </a:p>
+        </p:txBody>
+      </p:sp>
+    </p:spTree>
+    <p:extLst>
+      <p:ext uri="{BB962C8B-B14F-4D97-AF65-F5344CB8AC3E}">
+        <p14:creationId xmlns:p14="http://schemas.microsoft.com/office/powerpoint/2010/main" val="1926042436"/>
+      </p:ext>
+    </p:extLst>
+  </p:cSld>
+  <p:clrMapOvr>
+    <a:masterClrMapping/>
+  </p:clrMapOvr>
+</p:sld>
+</file>
+
+<file path=ppt/slides/slide5.xml><?xml version="1.0" encoding="utf-8"?>
+<p:sld xmlns:a="http://schemas.openxmlformats.org/drawingml/2006/main" xmlns:r="http://schemas.openxmlformats.org/officeDocument/2006/relationships" xmlns:p="http://schemas.openxmlformats.org/presentationml/2006/main">
+  <p:cSld>
+    <p:spTree>
+      <p:nvGrpSpPr>
+        <p:cNvPr id="1" name=""/>
+        <p:cNvGrpSpPr/>
+        <p:nvPr/>
+      </p:nvGrpSpPr>
+      <p:grpSpPr>
+        <a:xfrm>
+          <a:off x="0" y="0"/>
+          <a:ext cx="0" cy="0"/>
+          <a:chOff x="0" y="0"/>
+          <a:chExt cx="0" cy="0"/>
+        </a:xfrm>
+      </p:grpSpPr>
+      <p:sp>
+        <p:nvSpPr>
+          <p:cNvPr id="3" name="Content Placeholder 2">
+            <a:extLst>
+              <a:ext uri="{FF2B5EF4-FFF2-40B4-BE49-F238E27FC236}">
+                <a16:creationId xmlns:a16="http://schemas.microsoft.com/office/drawing/2014/main" id="{380A49C7-87C7-4B50-A695-2297B5304E7B}"/>
+              </a:ext>
+            </a:extLst>
+          </p:cNvPr>
+          <p:cNvSpPr>
+            <a:spLocks noGrp="1"/>
+          </p:cNvSpPr>
+          <p:nvPr>
+            <p:ph idx="1"/>
+          </p:nvPr>
+        </p:nvSpPr>
+        <p:spPr>
+          <a:xfrm>
+            <a:off x="838200" y="1325563"/>
+            <a:ext cx="10515600" cy="5175905"/>
+          </a:xfrm>
+        </p:spPr>
+        <p:txBody>
+          <a:bodyPr>
+            <a:normAutofit/>
+          </a:bodyPr>
+          <a:lstStyle/>
+          <a:p>
+            <a:pPr marL="0" indent="0">
+              <a:buNone/>
+            </a:pPr>
+            <a:endParaRPr lang="en-GB" sz="900" dirty="0">
+              <a:solidFill>
+                <a:srgbClr val="2196F3"/>
+              </a:solidFill>
+              <a:latin typeface="Segoe UI" panose="020B0502040204020203" pitchFamily="34" charset="0"/>
+              <a:cs typeface="Segoe UI" panose="020B0502040204020203" pitchFamily="34" charset="0"/>
+            </a:endParaRPr>
+          </a:p>
+          <a:p>
             <a:pPr>
               <a:lnSpc>
                 <a:spcPts val="4500"/>
               </a:lnSpc>
             </a:pPr>
             <a:r>
-              <a:rPr lang="en-GB" sz="3600" dirty="0">
-                <a:solidFill>
-                  <a:srgbClr val="2196F3"/>
+              <a:rPr lang="en-GB" sz="3600" b="1" dirty="0">
+                <a:solidFill>
+                  <a:srgbClr val="FF0000"/>
                 </a:solidFill>
                 <a:latin typeface="Segoe UI" panose="020B0502040204020203" pitchFamily="34" charset="0"/>
                 <a:cs typeface="Segoe UI" panose="020B0502040204020203" pitchFamily="34" charset="0"/>
               </a:rPr>
-              <a:t>You can use bits as you please.</a:t>
+              <a:t>Learning how to learn PWA.</a:t>
             </a:r>
           </a:p>
           <a:p>
@@ -4796,7 +5238,7 @@
                 <a:latin typeface="Segoe UI" panose="020B0502040204020203" pitchFamily="34" charset="0"/>
                 <a:cs typeface="Segoe UI" panose="020B0502040204020203" pitchFamily="34" charset="0"/>
               </a:rPr>
-              <a:t>These are enhancements that work in some browsers and those that don’t fail safely.</a:t>
+              <a:t>To give an overview of PWA architecture.</a:t>
             </a:r>
           </a:p>
           <a:p>
@@ -4813,7 +5255,372 @@
                 <a:latin typeface="Segoe UI" panose="020B0502040204020203" pitchFamily="34" charset="0"/>
                 <a:cs typeface="Segoe UI" panose="020B0502040204020203" pitchFamily="34" charset="0"/>
               </a:rPr>
+              <a:t>Prepare you to use all the resources after the workshop if you want to develop your PWA skills.</a:t>
+            </a:r>
+          </a:p>
+          <a:p>
+            <a:pPr>
+              <a:lnSpc>
+                <a:spcPts val="4500"/>
+              </a:lnSpc>
+            </a:pPr>
+            <a:r>
+              <a:rPr lang="en-GB" sz="3600" dirty="0">
+                <a:solidFill>
+                  <a:srgbClr val="2196F3"/>
+                </a:solidFill>
+                <a:latin typeface="Segoe UI" panose="020B0502040204020203" pitchFamily="34" charset="0"/>
+                <a:cs typeface="Segoe UI" panose="020B0502040204020203" pitchFamily="34" charset="0"/>
+              </a:rPr>
+              <a:t>Work though the sample PWA to </a:t>
+            </a:r>
+          </a:p>
+          <a:p>
+            <a:pPr marL="0" indent="0">
+              <a:lnSpc>
+                <a:spcPts val="4500"/>
+              </a:lnSpc>
+              <a:buNone/>
+            </a:pPr>
+            <a:r>
+              <a:rPr lang="en-GB" sz="3600" dirty="0">
+                <a:solidFill>
+                  <a:srgbClr val="2196F3"/>
+                </a:solidFill>
+                <a:latin typeface="Segoe UI" panose="020B0502040204020203" pitchFamily="34" charset="0"/>
+                <a:cs typeface="Segoe UI" panose="020B0502040204020203" pitchFamily="34" charset="0"/>
+              </a:rPr>
+              <a:t>  see what is</a:t>
+            </a:r>
+            <a:r>
+              <a:rPr lang="en-GB" sz="3600" b="1" dirty="0">
+                <a:solidFill>
+                  <a:srgbClr val="2196F3"/>
+                </a:solidFill>
+                <a:latin typeface="Segoe UI" panose="020B0502040204020203" pitchFamily="34" charset="0"/>
+                <a:cs typeface="Segoe UI" panose="020B0502040204020203" pitchFamily="34" charset="0"/>
+              </a:rPr>
+              <a:t> </a:t>
+            </a:r>
+            <a:r>
+              <a:rPr lang="en-GB" sz="3600" dirty="0">
+                <a:solidFill>
+                  <a:srgbClr val="2196F3"/>
+                </a:solidFill>
+                <a:latin typeface="Segoe UI" panose="020B0502040204020203" pitchFamily="34" charset="0"/>
+                <a:cs typeface="Segoe UI" panose="020B0502040204020203" pitchFamily="34" charset="0"/>
+              </a:rPr>
+              <a:t>needed to create a PWA.</a:t>
+            </a:r>
+          </a:p>
+          <a:p>
+            <a:pPr>
+              <a:lnSpc>
+                <a:spcPts val="4500"/>
+              </a:lnSpc>
+            </a:pPr>
+            <a:endParaRPr lang="en-GB" sz="4700" dirty="0">
+              <a:solidFill>
+                <a:srgbClr val="2196F3"/>
+              </a:solidFill>
+              <a:latin typeface="Segoe UI" panose="020B0502040204020203" pitchFamily="34" charset="0"/>
+              <a:cs typeface="Segoe UI" panose="020B0502040204020203" pitchFamily="34" charset="0"/>
+            </a:endParaRPr>
+          </a:p>
+          <a:p>
+            <a:pPr marL="0" indent="0">
+              <a:buNone/>
+            </a:pPr>
+            <a:endParaRPr lang="en-GB" sz="3600" i="1" dirty="0">
+              <a:solidFill>
+                <a:srgbClr val="2196F3"/>
+              </a:solidFill>
+              <a:latin typeface="Segoe UI" panose="020B0502040204020203" pitchFamily="34" charset="0"/>
+              <a:cs typeface="Segoe UI" panose="020B0502040204020203" pitchFamily="34" charset="0"/>
+            </a:endParaRPr>
+          </a:p>
+          <a:p>
+            <a:pPr marL="0" indent="0">
+              <a:buNone/>
+            </a:pPr>
+            <a:endParaRPr lang="en-GB" sz="1400" dirty="0">
+              <a:solidFill>
+                <a:srgbClr val="2196F3"/>
+              </a:solidFill>
+              <a:latin typeface="Segoe UI" panose="020B0502040204020203" pitchFamily="34" charset="0"/>
+              <a:cs typeface="Segoe UI" panose="020B0502040204020203" pitchFamily="34" charset="0"/>
+            </a:endParaRPr>
+          </a:p>
+          <a:p>
+            <a:pPr marL="0" indent="0">
+              <a:buNone/>
+            </a:pPr>
+            <a:endParaRPr lang="en-GB" i="1" dirty="0">
+              <a:solidFill>
+                <a:srgbClr val="2196F3"/>
+              </a:solidFill>
+              <a:latin typeface="Segoe UI" panose="020B0502040204020203" pitchFamily="34" charset="0"/>
+              <a:cs typeface="Segoe UI" panose="020B0502040204020203" pitchFamily="34" charset="0"/>
+            </a:endParaRPr>
+          </a:p>
+          <a:p>
+            <a:endParaRPr lang="en-GB" dirty="0">
+              <a:latin typeface="Segoe UI" panose="020B0502040204020203" pitchFamily="34" charset="0"/>
+              <a:cs typeface="Segoe UI" panose="020B0502040204020203" pitchFamily="34" charset="0"/>
+            </a:endParaRPr>
+          </a:p>
+          <a:p>
+            <a:endParaRPr lang="en-GB" dirty="0">
+              <a:latin typeface="Segoe UI" panose="020B0502040204020203" pitchFamily="34" charset="0"/>
+              <a:cs typeface="Segoe UI" panose="020B0502040204020203" pitchFamily="34" charset="0"/>
+            </a:endParaRPr>
+          </a:p>
+          <a:p>
+            <a:endParaRPr lang="en-GB" dirty="0">
+              <a:latin typeface="Segoe UI" panose="020B0502040204020203" pitchFamily="34" charset="0"/>
+              <a:cs typeface="Segoe UI" panose="020B0502040204020203" pitchFamily="34" charset="0"/>
+            </a:endParaRPr>
+          </a:p>
+          <a:p>
+            <a:endParaRPr lang="en-GB" dirty="0">
+              <a:latin typeface="Segoe UI" panose="020B0502040204020203" pitchFamily="34" charset="0"/>
+              <a:cs typeface="Segoe UI" panose="020B0502040204020203" pitchFamily="34" charset="0"/>
+            </a:endParaRPr>
+          </a:p>
+        </p:txBody>
+      </p:sp>
+      <p:sp>
+        <p:nvSpPr>
+          <p:cNvPr id="6" name="Title 1">
+            <a:extLst>
+              <a:ext uri="{FF2B5EF4-FFF2-40B4-BE49-F238E27FC236}">
+                <a16:creationId xmlns:a16="http://schemas.microsoft.com/office/drawing/2014/main" id="{A9FE3B7A-AB00-444C-B7E7-EA48B7D72F9E}"/>
+              </a:ext>
+            </a:extLst>
+          </p:cNvPr>
+          <p:cNvSpPr>
+            <a:spLocks noGrp="1"/>
+          </p:cNvSpPr>
+          <p:nvPr>
+            <p:ph type="title"/>
+          </p:nvPr>
+        </p:nvSpPr>
+        <p:spPr>
+          <a:xfrm>
+            <a:off x="838200" y="0"/>
+            <a:ext cx="10515600" cy="1325563"/>
+          </a:xfrm>
+          <a:solidFill>
+            <a:srgbClr val="2196F3"/>
+          </a:solidFill>
+        </p:spPr>
+        <p:txBody>
+          <a:bodyPr>
+            <a:normAutofit/>
+          </a:bodyPr>
+          <a:lstStyle/>
+          <a:p>
+            <a:pPr algn="ctr"/>
+            <a:r>
+              <a:rPr lang="en-GB" sz="6600" dirty="0">
+                <a:solidFill>
+                  <a:schemeClr val="bg1"/>
+                </a:solidFill>
+                <a:latin typeface="Segoe UI" panose="020B0502040204020203" pitchFamily="34" charset="0"/>
+                <a:cs typeface="Segoe UI" panose="020B0502040204020203" pitchFamily="34" charset="0"/>
+              </a:rPr>
+              <a:t>REALISTIC OUTCOMES</a:t>
+            </a:r>
+          </a:p>
+        </p:txBody>
+      </p:sp>
+      <p:sp>
+        <p:nvSpPr>
+          <p:cNvPr id="2" name="Flowchart: Sequential Access Storage 1">
+            <a:extLst>
+              <a:ext uri="{FF2B5EF4-FFF2-40B4-BE49-F238E27FC236}">
+                <a16:creationId xmlns:a16="http://schemas.microsoft.com/office/drawing/2014/main" id="{E83E7AD9-D360-4B1E-A742-EB5E731EA55E}"/>
+              </a:ext>
+            </a:extLst>
+          </p:cNvPr>
+          <p:cNvSpPr/>
+          <p:nvPr/>
+        </p:nvSpPr>
+        <p:spPr>
+          <a:xfrm>
+            <a:off x="8674216" y="4117159"/>
+            <a:ext cx="2407640" cy="2048749"/>
+          </a:xfrm>
+          <a:prstGeom prst="flowChartMagneticTape">
+            <a:avLst/>
+          </a:prstGeom>
+        </p:spPr>
+        <p:style>
+          <a:lnRef idx="2">
+            <a:schemeClr val="accent1">
+              <a:shade val="50000"/>
+            </a:schemeClr>
+          </a:lnRef>
+          <a:fillRef idx="1">
+            <a:schemeClr val="accent1"/>
+          </a:fillRef>
+          <a:effectRef idx="0">
+            <a:schemeClr val="accent1"/>
+          </a:effectRef>
+          <a:fontRef idx="minor">
+            <a:schemeClr val="lt1"/>
+          </a:fontRef>
+        </p:style>
+        <p:txBody>
+          <a:bodyPr rtlCol="0" anchor="ctr"/>
+          <a:lstStyle/>
+          <a:p>
+            <a:pPr algn="ctr"/>
+            <a:r>
+              <a:rPr lang="en-GB" sz="2400" dirty="0"/>
+              <a:t>Don’t worry if you don’t understand</a:t>
+            </a:r>
+          </a:p>
+        </p:txBody>
+      </p:sp>
+    </p:spTree>
+    <p:extLst>
+      <p:ext uri="{BB962C8B-B14F-4D97-AF65-F5344CB8AC3E}">
+        <p14:creationId xmlns:p14="http://schemas.microsoft.com/office/powerpoint/2010/main" val="653117765"/>
+      </p:ext>
+    </p:extLst>
+  </p:cSld>
+  <p:clrMapOvr>
+    <a:masterClrMapping/>
+  </p:clrMapOvr>
+</p:sld>
+</file>
+
+<file path=ppt/slides/slide6.xml><?xml version="1.0" encoding="utf-8"?>
+<p:sld xmlns:a="http://schemas.openxmlformats.org/drawingml/2006/main" xmlns:r="http://schemas.openxmlformats.org/officeDocument/2006/relationships" xmlns:p="http://schemas.openxmlformats.org/presentationml/2006/main">
+  <p:cSld>
+    <p:spTree>
+      <p:nvGrpSpPr>
+        <p:cNvPr id="1" name=""/>
+        <p:cNvGrpSpPr/>
+        <p:nvPr/>
+      </p:nvGrpSpPr>
+      <p:grpSpPr>
+        <a:xfrm>
+          <a:off x="0" y="0"/>
+          <a:ext cx="0" cy="0"/>
+          <a:chOff x="0" y="0"/>
+          <a:chExt cx="0" cy="0"/>
+        </a:xfrm>
+      </p:grpSpPr>
+      <p:sp>
+        <p:nvSpPr>
+          <p:cNvPr id="3" name="Content Placeholder 2">
+            <a:extLst>
+              <a:ext uri="{FF2B5EF4-FFF2-40B4-BE49-F238E27FC236}">
+                <a16:creationId xmlns:a16="http://schemas.microsoft.com/office/drawing/2014/main" id="{380A49C7-87C7-4B50-A695-2297B5304E7B}"/>
+              </a:ext>
+            </a:extLst>
+          </p:cNvPr>
+          <p:cNvSpPr>
+            <a:spLocks noGrp="1"/>
+          </p:cNvSpPr>
+          <p:nvPr>
+            <p:ph idx="1"/>
+          </p:nvPr>
+        </p:nvSpPr>
+        <p:spPr>
+          <a:xfrm>
+            <a:off x="838200" y="1325563"/>
+            <a:ext cx="10515600" cy="5175905"/>
+          </a:xfrm>
+        </p:spPr>
+        <p:txBody>
+          <a:bodyPr>
+            <a:normAutofit/>
+          </a:bodyPr>
+          <a:lstStyle/>
+          <a:p>
+            <a:pPr marL="0" indent="0">
+              <a:lnSpc>
+                <a:spcPts val="4500"/>
+              </a:lnSpc>
+              <a:buNone/>
+            </a:pPr>
+            <a:endParaRPr lang="en-GB" sz="900" dirty="0">
+              <a:solidFill>
+                <a:srgbClr val="2196F3"/>
+              </a:solidFill>
+              <a:latin typeface="Segoe UI" panose="020B0502040204020203" pitchFamily="34" charset="0"/>
+              <a:cs typeface="Segoe UI" panose="020B0502040204020203" pitchFamily="34" charset="0"/>
+            </a:endParaRPr>
+          </a:p>
+          <a:p>
+            <a:pPr>
+              <a:lnSpc>
+                <a:spcPts val="4500"/>
+              </a:lnSpc>
+            </a:pPr>
+            <a:r>
+              <a:rPr lang="en-GB" sz="3600" dirty="0">
+                <a:solidFill>
+                  <a:srgbClr val="2196F3"/>
+                </a:solidFill>
+                <a:latin typeface="Segoe UI" panose="020B0502040204020203" pitchFamily="34" charset="0"/>
+                <a:cs typeface="Segoe UI" panose="020B0502040204020203" pitchFamily="34" charset="0"/>
+              </a:rPr>
+              <a:t>You can use bits as you please.</a:t>
+            </a:r>
+          </a:p>
+          <a:p>
+            <a:pPr>
+              <a:lnSpc>
+                <a:spcPts val="4500"/>
+              </a:lnSpc>
+            </a:pPr>
+            <a:r>
+              <a:rPr lang="en-GB" sz="3600" dirty="0">
+                <a:solidFill>
+                  <a:srgbClr val="2196F3"/>
+                </a:solidFill>
+                <a:latin typeface="Segoe UI" panose="020B0502040204020203" pitchFamily="34" charset="0"/>
+                <a:cs typeface="Segoe UI" panose="020B0502040204020203" pitchFamily="34" charset="0"/>
+              </a:rPr>
+              <a:t>These are enhancements that work in some browsers and those that don’t fail safely.</a:t>
+            </a:r>
+          </a:p>
+          <a:p>
+            <a:pPr>
+              <a:lnSpc>
+                <a:spcPts val="4500"/>
+              </a:lnSpc>
+            </a:pPr>
+            <a:r>
+              <a:rPr lang="en-GB" sz="3600" dirty="0">
+                <a:solidFill>
+                  <a:srgbClr val="2196F3"/>
+                </a:solidFill>
+                <a:latin typeface="Segoe UI" panose="020B0502040204020203" pitchFamily="34" charset="0"/>
+                <a:cs typeface="Segoe UI" panose="020B0502040204020203" pitchFamily="34" charset="0"/>
+              </a:rPr>
               <a:t>I am available to offer my experience – email me.</a:t>
+            </a:r>
+          </a:p>
+          <a:p>
+            <a:pPr>
+              <a:lnSpc>
+                <a:spcPts val="4500"/>
+              </a:lnSpc>
+            </a:pPr>
+            <a:r>
+              <a:rPr lang="en-GB" sz="3600" dirty="0">
+                <a:solidFill>
+                  <a:srgbClr val="2196F3"/>
+                </a:solidFill>
+                <a:latin typeface="Segoe UI" panose="020B0502040204020203" pitchFamily="34" charset="0"/>
+                <a:cs typeface="Segoe UI" panose="020B0502040204020203" pitchFamily="34" charset="0"/>
+              </a:rPr>
+              <a:t>Real learning of PWAs comes after workshop when you dive into them.</a:t>
             </a:r>
           </a:p>
           <a:p>
@@ -4950,7 +5757,7 @@
 </p:sld>
 </file>
 
-<file path=ppt/slides/slide5.xml><?xml version="1.0" encoding="utf-8"?>
+<file path=ppt/slides/slide7.xml><?xml version="1.0" encoding="utf-8"?>
 <p:sld xmlns:a="http://schemas.openxmlformats.org/drawingml/2006/main" xmlns:r="http://schemas.openxmlformats.org/officeDocument/2006/relationships" xmlns:p="http://schemas.openxmlformats.org/presentationml/2006/main">
   <p:cSld>
     <p:spTree>
@@ -5739,716 +6546,6 @@
 </p:sld>
 </file>
 
-<file path=ppt/slides/slide6.xml><?xml version="1.0" encoding="utf-8"?>
-<p:sld xmlns:a="http://schemas.openxmlformats.org/drawingml/2006/main" xmlns:r="http://schemas.openxmlformats.org/officeDocument/2006/relationships" xmlns:p="http://schemas.openxmlformats.org/presentationml/2006/main">
-  <p:cSld>
-    <p:spTree>
-      <p:nvGrpSpPr>
-        <p:cNvPr id="1" name=""/>
-        <p:cNvGrpSpPr/>
-        <p:nvPr/>
-      </p:nvGrpSpPr>
-      <p:grpSpPr>
-        <a:xfrm>
-          <a:off x="0" y="0"/>
-          <a:ext cx="0" cy="0"/>
-          <a:chOff x="0" y="0"/>
-          <a:chExt cx="0" cy="0"/>
-        </a:xfrm>
-      </p:grpSpPr>
-      <p:sp>
-        <p:nvSpPr>
-          <p:cNvPr id="4" name="Content Placeholder 2">
-            <a:extLst>
-              <a:ext uri="{FF2B5EF4-FFF2-40B4-BE49-F238E27FC236}">
-                <a16:creationId xmlns:a16="http://schemas.microsoft.com/office/drawing/2014/main" id="{088CCB65-11B4-408B-9ED3-1304FE85032F}"/>
-              </a:ext>
-            </a:extLst>
-          </p:cNvPr>
-          <p:cNvSpPr>
-            <a:spLocks noGrp="1"/>
-          </p:cNvSpPr>
-          <p:nvPr>
-            <p:ph idx="1"/>
-          </p:nvPr>
-        </p:nvSpPr>
-        <p:spPr>
-          <a:xfrm>
-            <a:off x="838198" y="801678"/>
-            <a:ext cx="10515600" cy="5718392"/>
-          </a:xfrm>
-        </p:spPr>
-        <p:txBody>
-          <a:bodyPr wrap="square" bIns="252000">
-            <a:normAutofit fontScale="25000" lnSpcReduction="20000"/>
-          </a:bodyPr>
-          <a:lstStyle/>
-          <a:p>
-            <a:pPr marL="457200" lvl="1" indent="0">
-              <a:buNone/>
-            </a:pPr>
-            <a:endParaRPr lang="en-GB" sz="1000" dirty="0">
-              <a:solidFill>
-                <a:srgbClr val="2196F3"/>
-              </a:solidFill>
-              <a:latin typeface="Segoe UI" panose="020B0502040204020203" pitchFamily="34" charset="0"/>
-              <a:cs typeface="Segoe UI" panose="020B0502040204020203" pitchFamily="34" charset="0"/>
-            </a:endParaRPr>
-          </a:p>
-          <a:p>
-            <a:pPr marL="457200" lvl="1" indent="0">
-              <a:buNone/>
-            </a:pPr>
-            <a:endParaRPr lang="en-GB" sz="1050" dirty="0">
-              <a:solidFill>
-                <a:srgbClr val="2196F3"/>
-              </a:solidFill>
-              <a:latin typeface="Segoe UI" panose="020B0502040204020203" pitchFamily="34" charset="0"/>
-              <a:cs typeface="Segoe UI" panose="020B0502040204020203" pitchFamily="34" charset="0"/>
-            </a:endParaRPr>
-          </a:p>
-          <a:p>
-            <a:pPr lvl="1">
-              <a:lnSpc>
-                <a:spcPts val="4200"/>
-              </a:lnSpc>
-            </a:pPr>
-            <a:r>
-              <a:rPr lang="en-GB" sz="11200" dirty="0">
-                <a:solidFill>
-                  <a:srgbClr val="2196F3"/>
-                </a:solidFill>
-                <a:latin typeface="Segoe UI" panose="020B0502040204020203" pitchFamily="34" charset="0"/>
-                <a:cs typeface="Segoe UI" panose="020B0502040204020203" pitchFamily="34" charset="0"/>
-              </a:rPr>
-              <a:t>Microsoft Certified Systems Engineer (2000-2003)</a:t>
-            </a:r>
-          </a:p>
-          <a:p>
-            <a:pPr lvl="1">
-              <a:lnSpc>
-                <a:spcPts val="4200"/>
-              </a:lnSpc>
-            </a:pPr>
-            <a:r>
-              <a:rPr lang="en-GB" sz="11200" dirty="0">
-                <a:solidFill>
-                  <a:srgbClr val="2196F3"/>
-                </a:solidFill>
-                <a:latin typeface="Segoe UI" panose="020B0502040204020203" pitchFamily="34" charset="0"/>
-                <a:cs typeface="Segoe UI" panose="020B0502040204020203" pitchFamily="34" charset="0"/>
-              </a:rPr>
-              <a:t>Microsoft Certified Database Administrator (SQL2000)</a:t>
-            </a:r>
-          </a:p>
-          <a:p>
-            <a:pPr lvl="1">
-              <a:lnSpc>
-                <a:spcPts val="4200"/>
-              </a:lnSpc>
-            </a:pPr>
-            <a:r>
-              <a:rPr lang="en-GB" sz="11200" dirty="0">
-                <a:solidFill>
-                  <a:srgbClr val="2196F3"/>
-                </a:solidFill>
-                <a:latin typeface="Segoe UI" panose="020B0502040204020203" pitchFamily="34" charset="0"/>
-                <a:cs typeface="Segoe UI" panose="020B0502040204020203" pitchFamily="34" charset="0"/>
-              </a:rPr>
-              <a:t>Business Information Architect at a UK Recycling Company</a:t>
-            </a:r>
-          </a:p>
-          <a:p>
-            <a:pPr lvl="1">
-              <a:lnSpc>
-                <a:spcPts val="4200"/>
-              </a:lnSpc>
-            </a:pPr>
-            <a:r>
-              <a:rPr lang="en-GB" sz="11200" dirty="0">
-                <a:solidFill>
-                  <a:srgbClr val="2196F3"/>
-                </a:solidFill>
-                <a:latin typeface="Segoe UI" panose="020B0502040204020203" pitchFamily="34" charset="0"/>
-                <a:cs typeface="Segoe UI" panose="020B0502040204020203" pitchFamily="34" charset="0"/>
-              </a:rPr>
-              <a:t>WordPress 2017</a:t>
-            </a:r>
-          </a:p>
-          <a:p>
-            <a:pPr lvl="1">
-              <a:lnSpc>
-                <a:spcPts val="4200"/>
-              </a:lnSpc>
-            </a:pPr>
-            <a:r>
-              <a:rPr lang="en-GB" sz="11200" b="1" dirty="0">
-                <a:solidFill>
-                  <a:srgbClr val="00B050"/>
-                </a:solidFill>
-                <a:latin typeface="Segoe UI" panose="020B0502040204020203" pitchFamily="34" charset="0"/>
-                <a:cs typeface="Segoe UI" panose="020B0502040204020203" pitchFamily="34" charset="0"/>
-              </a:rPr>
-              <a:t>Currently</a:t>
-            </a:r>
-            <a:r>
-              <a:rPr lang="en-GB" sz="11200" dirty="0">
-                <a:solidFill>
-                  <a:srgbClr val="2196F3"/>
-                </a:solidFill>
-                <a:latin typeface="Segoe UI" panose="020B0502040204020203" pitchFamily="34" charset="0"/>
-                <a:cs typeface="Segoe UI" panose="020B0502040204020203" pitchFamily="34" charset="0"/>
-              </a:rPr>
-              <a:t> PWAs(offline/instant websites), Web Components, WordPress-HTML and Mobile Web Optimisation.</a:t>
-            </a:r>
-          </a:p>
-          <a:p>
-            <a:pPr lvl="1">
-              <a:lnSpc>
-                <a:spcPts val="4200"/>
-              </a:lnSpc>
-            </a:pPr>
-            <a:r>
-              <a:rPr lang="en-GB" sz="11200" dirty="0">
-                <a:solidFill>
-                  <a:srgbClr val="2196F3"/>
-                </a:solidFill>
-                <a:latin typeface="Segoe UI" panose="020B0502040204020203" pitchFamily="34" charset="0"/>
-                <a:cs typeface="Segoe UI" panose="020B0502040204020203" pitchFamily="34" charset="0"/>
-              </a:rPr>
-              <a:t>1-3 hour training seminars for companies and groups.</a:t>
-            </a:r>
-          </a:p>
-          <a:p>
-            <a:pPr lvl="1">
-              <a:lnSpc>
-                <a:spcPts val="4200"/>
-              </a:lnSpc>
-            </a:pPr>
-            <a:r>
-              <a:rPr lang="en-GB" sz="16000" dirty="0">
-                <a:solidFill>
-                  <a:srgbClr val="00B050"/>
-                </a:solidFill>
-                <a:latin typeface="Segoe UI" panose="020B0502040204020203" pitchFamily="34" charset="0"/>
-                <a:cs typeface="Segoe UI" panose="020B0502040204020203" pitchFamily="34" charset="0"/>
-              </a:rPr>
-              <a:t>Still just as ‘student’! Still overwhelmed! </a:t>
-            </a:r>
-          </a:p>
-          <a:p>
-            <a:pPr lvl="1">
-              <a:lnSpc>
-                <a:spcPts val="4200"/>
-              </a:lnSpc>
-            </a:pPr>
-            <a:r>
-              <a:rPr lang="en-GB" sz="16000" dirty="0" err="1">
-                <a:solidFill>
-                  <a:srgbClr val="00B050"/>
-                </a:solidFill>
-                <a:latin typeface="Segoe UI" panose="020B0502040204020203" pitchFamily="34" charset="0"/>
-                <a:cs typeface="Segoe UI" panose="020B0502040204020203" pitchFamily="34" charset="0"/>
-              </a:rPr>
-              <a:t>Volounteer</a:t>
-            </a:r>
-            <a:r>
-              <a:rPr lang="en-GB" sz="16000" dirty="0">
-                <a:solidFill>
-                  <a:srgbClr val="00B050"/>
-                </a:solidFill>
-                <a:latin typeface="Segoe UI" panose="020B0502040204020203" pitchFamily="34" charset="0"/>
-                <a:cs typeface="Segoe UI" panose="020B0502040204020203" pitchFamily="34" charset="0"/>
-              </a:rPr>
-              <a:t> Coach at Codebar.io (Brighton)</a:t>
-            </a:r>
-          </a:p>
-          <a:p>
-            <a:pPr marL="457200" lvl="1" indent="0">
-              <a:buNone/>
-            </a:pPr>
-            <a:endParaRPr lang="en-GB" sz="6700" dirty="0">
-              <a:solidFill>
-                <a:srgbClr val="2196F3"/>
-              </a:solidFill>
-              <a:latin typeface="Segoe UI" panose="020B0502040204020203" pitchFamily="34" charset="0"/>
-              <a:cs typeface="Segoe UI" panose="020B0502040204020203" pitchFamily="34" charset="0"/>
-            </a:endParaRPr>
-          </a:p>
-          <a:p>
-            <a:pPr marL="457200" lvl="1" indent="0">
-              <a:buNone/>
-            </a:pPr>
-            <a:endParaRPr lang="en-GB" sz="6700" dirty="0">
-              <a:solidFill>
-                <a:srgbClr val="2196F3"/>
-              </a:solidFill>
-              <a:latin typeface="Segoe UI" panose="020B0502040204020203" pitchFamily="34" charset="0"/>
-              <a:cs typeface="Segoe UI" panose="020B0502040204020203" pitchFamily="34" charset="0"/>
-            </a:endParaRPr>
-          </a:p>
-          <a:p>
-            <a:pPr marL="457200" lvl="1" indent="0">
-              <a:buNone/>
-            </a:pPr>
-            <a:endParaRPr lang="en-GB" sz="6700" dirty="0">
-              <a:solidFill>
-                <a:srgbClr val="2196F3"/>
-              </a:solidFill>
-              <a:latin typeface="Segoe UI" panose="020B0502040204020203" pitchFamily="34" charset="0"/>
-              <a:cs typeface="Segoe UI" panose="020B0502040204020203" pitchFamily="34" charset="0"/>
-            </a:endParaRPr>
-          </a:p>
-          <a:p>
-            <a:pPr marL="457200" lvl="1" indent="0">
-              <a:buNone/>
-            </a:pPr>
-            <a:endParaRPr lang="en-GB" sz="6700" dirty="0">
-              <a:latin typeface="Segoe UI" panose="020B0502040204020203" pitchFamily="34" charset="0"/>
-              <a:cs typeface="Segoe UI" panose="020B0502040204020203" pitchFamily="34" charset="0"/>
-            </a:endParaRPr>
-          </a:p>
-          <a:p>
-            <a:pPr marL="0" indent="0">
-              <a:buNone/>
-            </a:pPr>
-            <a:endParaRPr lang="en-GB" dirty="0">
-              <a:latin typeface="Segoe UI" panose="020B0502040204020203" pitchFamily="34" charset="0"/>
-              <a:cs typeface="Segoe UI" panose="020B0502040204020203" pitchFamily="34" charset="0"/>
-            </a:endParaRPr>
-          </a:p>
-          <a:p>
-            <a:endParaRPr lang="en-GB" dirty="0">
-              <a:latin typeface="Segoe UI" panose="020B0502040204020203" pitchFamily="34" charset="0"/>
-              <a:cs typeface="Segoe UI" panose="020B0502040204020203" pitchFamily="34" charset="0"/>
-            </a:endParaRPr>
-          </a:p>
-        </p:txBody>
-      </p:sp>
-      <p:sp>
-        <p:nvSpPr>
-          <p:cNvPr id="3" name="TextBox 2">
-            <a:extLst>
-              <a:ext uri="{FF2B5EF4-FFF2-40B4-BE49-F238E27FC236}">
-                <a16:creationId xmlns:a16="http://schemas.microsoft.com/office/drawing/2014/main" id="{D373F874-33F7-4988-AE13-A7A123EFA342}"/>
-              </a:ext>
-            </a:extLst>
-          </p:cNvPr>
-          <p:cNvSpPr txBox="1"/>
-          <p:nvPr/>
-        </p:nvSpPr>
-        <p:spPr>
-          <a:xfrm>
-            <a:off x="2641307" y="155347"/>
-            <a:ext cx="6909383" cy="646331"/>
-          </a:xfrm>
-          <a:prstGeom prst="rect">
-            <a:avLst/>
-          </a:prstGeom>
-          <a:noFill/>
-        </p:spPr>
-        <p:txBody>
-          <a:bodyPr wrap="square" rtlCol="0">
-            <a:spAutoFit/>
-          </a:bodyPr>
-          <a:lstStyle/>
-          <a:p>
-            <a:r>
-              <a:rPr lang="en-GB" sz="3600" dirty="0">
-                <a:solidFill>
-                  <a:srgbClr val="2196F3"/>
-                </a:solidFill>
-                <a:latin typeface="Segoe UI" panose="020B0502040204020203" pitchFamily="34" charset="0"/>
-                <a:cs typeface="Segoe UI" panose="020B0502040204020203" pitchFamily="34" charset="0"/>
-              </a:rPr>
-              <a:t>In and out of tech over the years</a:t>
-            </a:r>
-          </a:p>
-        </p:txBody>
-      </p:sp>
-    </p:spTree>
-    <p:extLst>
-      <p:ext uri="{BB962C8B-B14F-4D97-AF65-F5344CB8AC3E}">
-        <p14:creationId xmlns:p14="http://schemas.microsoft.com/office/powerpoint/2010/main" val="91563143"/>
-      </p:ext>
-    </p:extLst>
-  </p:cSld>
-  <p:clrMapOvr>
-    <a:masterClrMapping/>
-  </p:clrMapOvr>
-</p:sld>
-</file>
-
-<file path=ppt/slides/slide7.xml><?xml version="1.0" encoding="utf-8"?>
-<p:sld xmlns:a="http://schemas.openxmlformats.org/drawingml/2006/main" xmlns:r="http://schemas.openxmlformats.org/officeDocument/2006/relationships" xmlns:p="http://schemas.openxmlformats.org/presentationml/2006/main">
-  <p:cSld>
-    <p:spTree>
-      <p:nvGrpSpPr>
-        <p:cNvPr id="1" name=""/>
-        <p:cNvGrpSpPr/>
-        <p:nvPr/>
-      </p:nvGrpSpPr>
-      <p:grpSpPr>
-        <a:xfrm>
-          <a:off x="0" y="0"/>
-          <a:ext cx="0" cy="0"/>
-          <a:chOff x="0" y="0"/>
-          <a:chExt cx="0" cy="0"/>
-        </a:xfrm>
-      </p:grpSpPr>
-      <p:sp>
-        <p:nvSpPr>
-          <p:cNvPr id="2" name="Title 1">
-            <a:extLst>
-              <a:ext uri="{FF2B5EF4-FFF2-40B4-BE49-F238E27FC236}">
-                <a16:creationId xmlns:a16="http://schemas.microsoft.com/office/drawing/2014/main" id="{5D7568B3-EC9A-45DD-8A17-CFE685194B65}"/>
-              </a:ext>
-            </a:extLst>
-          </p:cNvPr>
-          <p:cNvSpPr>
-            <a:spLocks noGrp="1"/>
-          </p:cNvSpPr>
-          <p:nvPr>
-            <p:ph type="title"/>
-          </p:nvPr>
-        </p:nvSpPr>
-        <p:spPr>
-          <a:xfrm>
-            <a:off x="838200" y="0"/>
-            <a:ext cx="10515600" cy="1325563"/>
-          </a:xfrm>
-          <a:solidFill>
-            <a:srgbClr val="2196F3"/>
-          </a:solidFill>
-        </p:spPr>
-        <p:txBody>
-          <a:bodyPr>
-            <a:normAutofit/>
-          </a:bodyPr>
-          <a:lstStyle/>
-          <a:p>
-            <a:pPr algn="ctr"/>
-            <a:r>
-              <a:rPr lang="en-GB" sz="6600" dirty="0">
-                <a:solidFill>
-                  <a:schemeClr val="bg1"/>
-                </a:solidFill>
-                <a:latin typeface="Segoe UI" panose="020B0502040204020203" pitchFamily="34" charset="0"/>
-                <a:cs typeface="Segoe UI" panose="020B0502040204020203" pitchFamily="34" charset="0"/>
-              </a:rPr>
-              <a:t>PREVIOUS TALKS</a:t>
-            </a:r>
-          </a:p>
-        </p:txBody>
-      </p:sp>
-      <p:sp>
-        <p:nvSpPr>
-          <p:cNvPr id="4" name="Content Placeholder 2">
-            <a:extLst>
-              <a:ext uri="{FF2B5EF4-FFF2-40B4-BE49-F238E27FC236}">
-                <a16:creationId xmlns:a16="http://schemas.microsoft.com/office/drawing/2014/main" id="{088CCB65-11B4-408B-9ED3-1304FE85032F}"/>
-              </a:ext>
-            </a:extLst>
-          </p:cNvPr>
-          <p:cNvSpPr>
-            <a:spLocks noGrp="1"/>
-          </p:cNvSpPr>
-          <p:nvPr>
-            <p:ph idx="1"/>
-          </p:nvPr>
-        </p:nvSpPr>
-        <p:spPr>
-          <a:xfrm>
-            <a:off x="838200" y="1491818"/>
-            <a:ext cx="10515600" cy="5001346"/>
-          </a:xfrm>
-        </p:spPr>
-        <p:txBody>
-          <a:bodyPr wrap="square" bIns="252000">
-            <a:normAutofit/>
-          </a:bodyPr>
-          <a:lstStyle/>
-          <a:p>
-            <a:pPr marL="457200" lvl="1" indent="0">
-              <a:buNone/>
-            </a:pPr>
-            <a:endParaRPr lang="en-GB" sz="1050" dirty="0">
-              <a:solidFill>
-                <a:srgbClr val="2196F3"/>
-              </a:solidFill>
-              <a:latin typeface="Segoe UI" panose="020B0502040204020203" pitchFamily="34" charset="0"/>
-              <a:cs typeface="Segoe UI" panose="020B0502040204020203" pitchFamily="34" charset="0"/>
-            </a:endParaRPr>
-          </a:p>
-          <a:p>
-            <a:r>
-              <a:rPr lang="en-GB" sz="2200" dirty="0">
-                <a:solidFill>
-                  <a:srgbClr val="0070C0"/>
-                </a:solidFill>
-              </a:rPr>
-              <a:t>What is the WP REST API and how can I use it to make forms and pages that don’t need to do be reloaded? - </a:t>
-            </a:r>
-            <a:r>
-              <a:rPr lang="en-GB" sz="2200" dirty="0" err="1">
-                <a:solidFill>
-                  <a:srgbClr val="0070C0"/>
-                </a:solidFill>
-              </a:rPr>
-              <a:t>WordUp</a:t>
-            </a:r>
-            <a:r>
-              <a:rPr lang="en-GB" sz="2200" dirty="0">
-                <a:solidFill>
-                  <a:srgbClr val="0070C0"/>
-                </a:solidFill>
-              </a:rPr>
-              <a:t> Brighton May 2020.</a:t>
-            </a:r>
-          </a:p>
-          <a:p>
-            <a:r>
-              <a:rPr lang="en-GB" sz="2200" dirty="0">
-                <a:solidFill>
-                  <a:srgbClr val="0070C0"/>
-                </a:solidFill>
-              </a:rPr>
-              <a:t>WORKSHOP: WordPress REST API and AJAX Forms - WordCamp Geneva March 2020 [EVENT CANCELLED due to virus concerns :( ]</a:t>
-            </a:r>
-          </a:p>
-          <a:p>
-            <a:r>
-              <a:rPr lang="en-GB" sz="2200" dirty="0">
-                <a:solidFill>
-                  <a:srgbClr val="0070C0"/>
-                </a:solidFill>
-              </a:rPr>
-              <a:t>TALK - WP-HTML: </a:t>
-            </a:r>
-            <a:r>
-              <a:rPr lang="en-GB" sz="2200" b="1" dirty="0">
-                <a:solidFill>
-                  <a:schemeClr val="accent6">
-                    <a:lumMod val="75000"/>
-                  </a:schemeClr>
-                </a:solidFill>
-              </a:rPr>
-              <a:t>The marriage of WP and JS Frameworks for expansion, ubiquity and profit </a:t>
-            </a:r>
-            <a:r>
-              <a:rPr lang="en-GB" sz="2200" dirty="0">
-                <a:solidFill>
-                  <a:srgbClr val="0070C0"/>
-                </a:solidFill>
-              </a:rPr>
-              <a:t>- </a:t>
-            </a:r>
-            <a:r>
-              <a:rPr lang="en-GB" sz="2200" b="1" dirty="0">
-                <a:solidFill>
-                  <a:srgbClr val="0070C0"/>
-                </a:solidFill>
-              </a:rPr>
-              <a:t>WordCamp Vienna February 2020</a:t>
-            </a:r>
-            <a:r>
-              <a:rPr lang="en-GB" sz="2200" dirty="0">
-                <a:solidFill>
-                  <a:srgbClr val="0070C0"/>
-                </a:solidFill>
-              </a:rPr>
-              <a:t>.</a:t>
-            </a:r>
-          </a:p>
-          <a:p>
-            <a:r>
-              <a:rPr lang="en-GB" sz="2200" dirty="0">
-                <a:solidFill>
-                  <a:srgbClr val="0070C0"/>
-                </a:solidFill>
-              </a:rPr>
-              <a:t>WORKSHOP: WordPress REST API - WordCamp Vienna February 2020.</a:t>
-            </a:r>
-          </a:p>
-          <a:p>
-            <a:r>
-              <a:rPr lang="en-GB" sz="2200" dirty="0">
-                <a:solidFill>
-                  <a:srgbClr val="0070C0"/>
-                </a:solidFill>
-              </a:rPr>
-              <a:t>Progressive Web Apps - Brighton </a:t>
-            </a:r>
-            <a:r>
-              <a:rPr lang="en-GB" sz="2200" dirty="0" err="1">
-                <a:solidFill>
-                  <a:srgbClr val="0070C0"/>
-                </a:solidFill>
-              </a:rPr>
-              <a:t>WordUp</a:t>
-            </a:r>
-            <a:r>
-              <a:rPr lang="en-GB" sz="2200" dirty="0">
-                <a:solidFill>
-                  <a:srgbClr val="0070C0"/>
-                </a:solidFill>
-              </a:rPr>
-              <a:t> November 2019.</a:t>
-            </a:r>
-          </a:p>
-          <a:p>
-            <a:r>
-              <a:rPr lang="en-GB" sz="2200" dirty="0">
-                <a:solidFill>
-                  <a:srgbClr val="0070C0"/>
-                </a:solidFill>
-              </a:rPr>
-              <a:t>Decoupled WordPress (code along style) - </a:t>
-            </a:r>
-            <a:r>
-              <a:rPr lang="en-GB" sz="2200" b="1" dirty="0">
-                <a:solidFill>
-                  <a:srgbClr val="0070C0"/>
-                </a:solidFill>
-              </a:rPr>
-              <a:t>WordCamp Dublin October 2019</a:t>
-            </a:r>
-            <a:r>
-              <a:rPr lang="en-GB" sz="2200" dirty="0">
-                <a:solidFill>
-                  <a:srgbClr val="0070C0"/>
-                </a:solidFill>
-              </a:rPr>
-              <a:t>.</a:t>
-            </a:r>
-          </a:p>
-          <a:p>
-            <a:r>
-              <a:rPr lang="en-GB" sz="2200" dirty="0">
-                <a:solidFill>
-                  <a:srgbClr val="0070C0"/>
-                </a:solidFill>
-              </a:rPr>
-              <a:t>JWT and Authentication – </a:t>
-            </a:r>
-            <a:r>
-              <a:rPr lang="en-GB" sz="2200" dirty="0" err="1">
-                <a:solidFill>
-                  <a:srgbClr val="0070C0"/>
-                </a:solidFill>
-              </a:rPr>
-              <a:t>WPHooked</a:t>
-            </a:r>
-            <a:r>
-              <a:rPr lang="en-GB" sz="2200" dirty="0">
-                <a:solidFill>
-                  <a:srgbClr val="0070C0"/>
-                </a:solidFill>
-              </a:rPr>
-              <a:t> London September 2019.</a:t>
-            </a:r>
-          </a:p>
-          <a:p>
-            <a:r>
-              <a:rPr lang="en-GB" sz="2200" dirty="0">
-                <a:solidFill>
-                  <a:srgbClr val="0070C0"/>
-                </a:solidFill>
-              </a:rPr>
-              <a:t>Decoupled WordPress and WP Components - </a:t>
-            </a:r>
-            <a:r>
-              <a:rPr lang="en-GB" sz="2200" b="1" dirty="0">
-                <a:solidFill>
-                  <a:srgbClr val="0070C0"/>
-                </a:solidFill>
-              </a:rPr>
-              <a:t>WordCamp Brighton August 2019</a:t>
-            </a:r>
-            <a:r>
-              <a:rPr lang="en-GB" sz="2200" dirty="0">
-                <a:solidFill>
-                  <a:srgbClr val="0070C0"/>
-                </a:solidFill>
-              </a:rPr>
-              <a:t>.</a:t>
-            </a:r>
-          </a:p>
-          <a:p>
-            <a:pPr marL="457200" lvl="1" indent="0">
-              <a:buNone/>
-            </a:pPr>
-            <a:endParaRPr lang="en-GB" sz="6700" dirty="0">
-              <a:solidFill>
-                <a:srgbClr val="2196F3"/>
-              </a:solidFill>
-              <a:latin typeface="Segoe UI" panose="020B0502040204020203" pitchFamily="34" charset="0"/>
-              <a:cs typeface="Segoe UI" panose="020B0502040204020203" pitchFamily="34" charset="0"/>
-            </a:endParaRPr>
-          </a:p>
-          <a:p>
-            <a:pPr marL="457200" lvl="1" indent="0">
-              <a:buNone/>
-            </a:pPr>
-            <a:endParaRPr lang="en-GB" sz="6700" dirty="0">
-              <a:solidFill>
-                <a:srgbClr val="2196F3"/>
-              </a:solidFill>
-              <a:latin typeface="Segoe UI" panose="020B0502040204020203" pitchFamily="34" charset="0"/>
-              <a:cs typeface="Segoe UI" panose="020B0502040204020203" pitchFamily="34" charset="0"/>
-            </a:endParaRPr>
-          </a:p>
-          <a:p>
-            <a:pPr marL="457200" lvl="1" indent="0">
-              <a:buNone/>
-            </a:pPr>
-            <a:endParaRPr lang="en-GB" sz="6700" dirty="0">
-              <a:solidFill>
-                <a:srgbClr val="2196F3"/>
-              </a:solidFill>
-              <a:latin typeface="Segoe UI" panose="020B0502040204020203" pitchFamily="34" charset="0"/>
-              <a:cs typeface="Segoe UI" panose="020B0502040204020203" pitchFamily="34" charset="0"/>
-            </a:endParaRPr>
-          </a:p>
-          <a:p>
-            <a:pPr marL="457200" lvl="1" indent="0">
-              <a:buNone/>
-            </a:pPr>
-            <a:endParaRPr lang="en-GB" sz="6700" dirty="0">
-              <a:latin typeface="Segoe UI" panose="020B0502040204020203" pitchFamily="34" charset="0"/>
-              <a:cs typeface="Segoe UI" panose="020B0502040204020203" pitchFamily="34" charset="0"/>
-            </a:endParaRPr>
-          </a:p>
-          <a:p>
-            <a:pPr marL="0" indent="0">
-              <a:buNone/>
-            </a:pPr>
-            <a:endParaRPr lang="en-GB" dirty="0">
-              <a:latin typeface="Segoe UI" panose="020B0502040204020203" pitchFamily="34" charset="0"/>
-              <a:cs typeface="Segoe UI" panose="020B0502040204020203" pitchFamily="34" charset="0"/>
-            </a:endParaRPr>
-          </a:p>
-          <a:p>
-            <a:endParaRPr lang="en-GB" dirty="0">
-              <a:latin typeface="Segoe UI" panose="020B0502040204020203" pitchFamily="34" charset="0"/>
-              <a:cs typeface="Segoe UI" panose="020B0502040204020203" pitchFamily="34" charset="0"/>
-            </a:endParaRPr>
-          </a:p>
-        </p:txBody>
-      </p:sp>
-    </p:spTree>
-    <p:extLst>
-      <p:ext uri="{BB962C8B-B14F-4D97-AF65-F5344CB8AC3E}">
-        <p14:creationId xmlns:p14="http://schemas.microsoft.com/office/powerpoint/2010/main" val="2972891001"/>
-      </p:ext>
-    </p:extLst>
-  </p:cSld>
-  <p:clrMapOvr>
-    <a:masterClrMapping/>
-  </p:clrMapOvr>
-</p:sld>
-</file>
-
 <file path=ppt/slides/slide8.xml><?xml version="1.0" encoding="utf-8"?>
 <p:sld xmlns:a="http://schemas.openxmlformats.org/drawingml/2006/main" xmlns:r="http://schemas.openxmlformats.org/officeDocument/2006/relationships" xmlns:p="http://schemas.openxmlformats.org/presentationml/2006/main">
   <p:cSld>
@@ -6776,51 +6873,10 @@
           </a:p>
         </p:txBody>
       </p:sp>
-      <p:sp>
-        <p:nvSpPr>
-          <p:cNvPr id="2" name="Rectangle 1">
-            <a:extLst>
-              <a:ext uri="{FF2B5EF4-FFF2-40B4-BE49-F238E27FC236}">
-                <a16:creationId xmlns:a16="http://schemas.microsoft.com/office/drawing/2014/main" id="{E6D0A169-4464-4665-9975-B3943769A329}"/>
-              </a:ext>
-            </a:extLst>
-          </p:cNvPr>
-          <p:cNvSpPr/>
-          <p:nvPr/>
-        </p:nvSpPr>
-        <p:spPr>
-          <a:xfrm>
-            <a:off x="4731203" y="3244334"/>
-            <a:ext cx="2729593" cy="369332"/>
-          </a:xfrm>
-          <a:prstGeom prst="rect">
-            <a:avLst/>
-          </a:prstGeom>
-        </p:spPr>
-        <p:txBody>
-          <a:bodyPr wrap="none">
-            <a:spAutoFit/>
-          </a:bodyPr>
-          <a:lstStyle/>
-          <a:p>
-            <a:r>
-              <a:rPr lang="en-GB" dirty="0">
-                <a:solidFill>
-                  <a:schemeClr val="bg1"/>
-                </a:solidFill>
-                <a:latin typeface="Segoe UI" panose="020B0502040204020203" pitchFamily="34" charset="0"/>
-                <a:cs typeface="Segoe UI" panose="020B0502040204020203" pitchFamily="34" charset="0"/>
-              </a:rPr>
-              <a:t>PROGRESSIVE WEB APPS</a:t>
-            </a:r>
-            <a:endParaRPr lang="en-GB" dirty="0"/>
-          </a:p>
-        </p:txBody>
-      </p:sp>
     </p:spTree>
     <p:extLst>
       <p:ext uri="{BB962C8B-B14F-4D97-AF65-F5344CB8AC3E}">
-        <p14:creationId xmlns:p14="http://schemas.microsoft.com/office/powerpoint/2010/main" val="3914645655"/>
+        <p14:creationId xmlns:p14="http://schemas.microsoft.com/office/powerpoint/2010/main" val="91563143"/>
       </p:ext>
     </p:extLst>
   </p:cSld>
@@ -6849,132 +6905,10 @@
       </p:grpSpPr>
       <p:sp>
         <p:nvSpPr>
-          <p:cNvPr id="3" name="Content Placeholder 2">
-            <a:extLst>
-              <a:ext uri="{FF2B5EF4-FFF2-40B4-BE49-F238E27FC236}">
-                <a16:creationId xmlns:a16="http://schemas.microsoft.com/office/drawing/2014/main" id="{380A49C7-87C7-4B50-A695-2297B5304E7B}"/>
-              </a:ext>
-            </a:extLst>
-          </p:cNvPr>
-          <p:cNvSpPr>
-            <a:spLocks noGrp="1"/>
-          </p:cNvSpPr>
-          <p:nvPr>
-            <p:ph idx="1"/>
-          </p:nvPr>
-        </p:nvSpPr>
-        <p:spPr/>
-        <p:txBody>
-          <a:bodyPr>
-            <a:normAutofit/>
-          </a:bodyPr>
-          <a:lstStyle/>
-          <a:p>
-            <a:pPr marL="0" indent="0" algn="ctr">
-              <a:buNone/>
-            </a:pPr>
-            <a:r>
-              <a:rPr lang="en-GB" sz="5400" dirty="0">
-                <a:solidFill>
-                  <a:srgbClr val="2196F3"/>
-                </a:solidFill>
-                <a:latin typeface="Segoe UI" panose="020B0502040204020203" pitchFamily="34" charset="0"/>
-                <a:cs typeface="Segoe UI" panose="020B0502040204020203" pitchFamily="34" charset="0"/>
-              </a:rPr>
-              <a:t>Craig West</a:t>
-            </a:r>
-          </a:p>
-          <a:p>
-            <a:pPr marL="0" indent="0" algn="ctr">
-              <a:buNone/>
-            </a:pPr>
-            <a:r>
-              <a:rPr lang="en-GB" sz="5400" dirty="0">
-                <a:solidFill>
-                  <a:srgbClr val="2196F3"/>
-                </a:solidFill>
-                <a:latin typeface="Segoe UI" panose="020B0502040204020203" pitchFamily="34" charset="0"/>
-                <a:cs typeface="Segoe UI" panose="020B0502040204020203" pitchFamily="34" charset="0"/>
-              </a:rPr>
-              <a:t>wpjs.co.uk</a:t>
-            </a:r>
-          </a:p>
-          <a:p>
-            <a:pPr marL="0" indent="0" algn="ctr">
-              <a:buNone/>
-            </a:pPr>
-            <a:r>
-              <a:rPr lang="en-GB" sz="5400" dirty="0">
-                <a:solidFill>
-                  <a:srgbClr val="2196F3"/>
-                </a:solidFill>
-                <a:latin typeface="Segoe UI" panose="020B0502040204020203" pitchFamily="34" charset="0"/>
-                <a:cs typeface="Segoe UI" panose="020B0502040204020203" pitchFamily="34" charset="0"/>
-                <a:hlinkClick r:id="rId2">
-                  <a:extLst>
-                    <a:ext uri="{A12FA001-AC4F-418D-AE19-62706E023703}">
-                      <ahyp:hlinkClr xmlns:ahyp="http://schemas.microsoft.com/office/drawing/2018/hyperlinkcolor" val="tx"/>
-                    </a:ext>
-                  </a:extLst>
-                </a:hlinkClick>
-              </a:rPr>
-              <a:t>craig@wpjs.co.uk</a:t>
-            </a:r>
-            <a:endParaRPr lang="en-GB" sz="5400" dirty="0">
-              <a:solidFill>
-                <a:srgbClr val="2196F3"/>
-              </a:solidFill>
-              <a:latin typeface="Segoe UI" panose="020B0502040204020203" pitchFamily="34" charset="0"/>
-              <a:cs typeface="Segoe UI" panose="020B0502040204020203" pitchFamily="34" charset="0"/>
-            </a:endParaRPr>
-          </a:p>
-          <a:p>
-            <a:pPr marL="0" indent="0" algn="ctr">
-              <a:buNone/>
-            </a:pPr>
-            <a:endParaRPr lang="en-GB" sz="5400" dirty="0">
-              <a:solidFill>
-                <a:srgbClr val="2196F3"/>
-              </a:solidFill>
-              <a:latin typeface="Segoe UI" panose="020B0502040204020203" pitchFamily="34" charset="0"/>
-              <a:cs typeface="Segoe UI" panose="020B0502040204020203" pitchFamily="34" charset="0"/>
-            </a:endParaRPr>
-          </a:p>
-          <a:p>
-            <a:pPr marL="0" indent="0">
-              <a:buNone/>
-            </a:pPr>
-            <a:endParaRPr lang="en-GB" dirty="0">
-              <a:latin typeface="Segoe UI" panose="020B0502040204020203" pitchFamily="34" charset="0"/>
-              <a:cs typeface="Segoe UI" panose="020B0502040204020203" pitchFamily="34" charset="0"/>
-            </a:endParaRPr>
-          </a:p>
-          <a:p>
-            <a:endParaRPr lang="en-GB" dirty="0">
-              <a:latin typeface="Segoe UI" panose="020B0502040204020203" pitchFamily="34" charset="0"/>
-              <a:cs typeface="Segoe UI" panose="020B0502040204020203" pitchFamily="34" charset="0"/>
-            </a:endParaRPr>
-          </a:p>
-          <a:p>
-            <a:endParaRPr lang="en-GB" dirty="0">
-              <a:latin typeface="Segoe UI" panose="020B0502040204020203" pitchFamily="34" charset="0"/>
-              <a:cs typeface="Segoe UI" panose="020B0502040204020203" pitchFamily="34" charset="0"/>
-            </a:endParaRPr>
-          </a:p>
-          <a:p>
-            <a:endParaRPr lang="en-GB" dirty="0">
-              <a:latin typeface="Segoe UI" panose="020B0502040204020203" pitchFamily="34" charset="0"/>
-              <a:cs typeface="Segoe UI" panose="020B0502040204020203" pitchFamily="34" charset="0"/>
-            </a:endParaRPr>
-          </a:p>
-        </p:txBody>
-      </p:sp>
-      <p:sp>
-        <p:nvSpPr>
-          <p:cNvPr id="6" name="Title 1">
-            <a:extLst>
-              <a:ext uri="{FF2B5EF4-FFF2-40B4-BE49-F238E27FC236}">
-                <a16:creationId xmlns:a16="http://schemas.microsoft.com/office/drawing/2014/main" id="{A9FE3B7A-AB00-444C-B7E7-EA48B7D72F9E}"/>
+          <p:cNvPr id="2" name="Title 1">
+            <a:extLst>
+              <a:ext uri="{FF2B5EF4-FFF2-40B4-BE49-F238E27FC236}">
+                <a16:creationId xmlns:a16="http://schemas.microsoft.com/office/drawing/2014/main" id="{5D7568B3-EC9A-45DD-8A17-CFE685194B65}"/>
               </a:ext>
             </a:extLst>
           </p:cNvPr>
@@ -7002,29 +6936,327 @@
           <a:p>
             <a:pPr algn="ctr"/>
             <a:r>
-              <a:rPr lang="en-GB" sz="6600">
+              <a:rPr lang="en-GB" sz="6600" dirty="0">
                 <a:solidFill>
                   <a:schemeClr val="bg1"/>
                 </a:solidFill>
                 <a:latin typeface="Segoe UI" panose="020B0502040204020203" pitchFamily="34" charset="0"/>
                 <a:cs typeface="Segoe UI" panose="020B0502040204020203" pitchFamily="34" charset="0"/>
               </a:rPr>
-              <a:t>SUMMARY</a:t>
-            </a:r>
-            <a:endParaRPr lang="en-GB" sz="6600" dirty="0">
+              <a:t>PREVIOUS TALKS</a:t>
+            </a:r>
+          </a:p>
+        </p:txBody>
+      </p:sp>
+      <p:sp>
+        <p:nvSpPr>
+          <p:cNvPr id="4" name="Content Placeholder 2">
+            <a:extLst>
+              <a:ext uri="{FF2B5EF4-FFF2-40B4-BE49-F238E27FC236}">
+                <a16:creationId xmlns:a16="http://schemas.microsoft.com/office/drawing/2014/main" id="{088CCB65-11B4-408B-9ED3-1304FE85032F}"/>
+              </a:ext>
+            </a:extLst>
+          </p:cNvPr>
+          <p:cNvSpPr>
+            <a:spLocks noGrp="1"/>
+          </p:cNvSpPr>
+          <p:nvPr>
+            <p:ph idx="1"/>
+          </p:nvPr>
+        </p:nvSpPr>
+        <p:spPr>
+          <a:xfrm>
+            <a:off x="838200" y="1491818"/>
+            <a:ext cx="10515600" cy="5001346"/>
+          </a:xfrm>
+        </p:spPr>
+        <p:txBody>
+          <a:bodyPr wrap="square" bIns="252000">
+            <a:normAutofit lnSpcReduction="10000"/>
+          </a:bodyPr>
+          <a:lstStyle/>
+          <a:p>
+            <a:pPr marL="457200" lvl="1" indent="0">
+              <a:buNone/>
+            </a:pPr>
+            <a:endParaRPr lang="en-GB" sz="1050" dirty="0">
               <a:solidFill>
-                <a:schemeClr val="bg1"/>
+                <a:srgbClr val="2196F3"/>
               </a:solidFill>
               <a:latin typeface="Segoe UI" panose="020B0502040204020203" pitchFamily="34" charset="0"/>
               <a:cs typeface="Segoe UI" panose="020B0502040204020203" pitchFamily="34" charset="0"/>
             </a:endParaRPr>
           </a:p>
+          <a:p>
+            <a:r>
+              <a:rPr lang="en-GB" sz="2200" dirty="0">
+                <a:solidFill>
+                  <a:srgbClr val="0070C0"/>
+                </a:solidFill>
+              </a:rPr>
+              <a:t>Web Components workshop here at NDC Oslo yesterday.</a:t>
+            </a:r>
+          </a:p>
+          <a:p>
+            <a:r>
+              <a:rPr lang="en-GB" sz="2200" dirty="0">
+                <a:solidFill>
+                  <a:srgbClr val="0070C0"/>
+                </a:solidFill>
+              </a:rPr>
+              <a:t>What is the WP REST API and how can I use it to make forms and pages that don’t need to do be reloaded? - </a:t>
+            </a:r>
+            <a:r>
+              <a:rPr lang="en-GB" sz="2200" dirty="0" err="1">
+                <a:solidFill>
+                  <a:srgbClr val="0070C0"/>
+                </a:solidFill>
+              </a:rPr>
+              <a:t>WordUp</a:t>
+            </a:r>
+            <a:r>
+              <a:rPr lang="en-GB" sz="2200" dirty="0">
+                <a:solidFill>
+                  <a:srgbClr val="0070C0"/>
+                </a:solidFill>
+              </a:rPr>
+              <a:t> Brighton May 2020.</a:t>
+            </a:r>
+          </a:p>
+          <a:p>
+            <a:r>
+              <a:rPr lang="en-GB" sz="2200" dirty="0">
+                <a:solidFill>
+                  <a:srgbClr val="0070C0"/>
+                </a:solidFill>
+              </a:rPr>
+              <a:t>WORKSHOP: WordPress REST API and AJAX Forms - WordCamp Geneva March 2020 [EVENT CANCELLED due to virus concerns :( ]</a:t>
+            </a:r>
+          </a:p>
+          <a:p>
+            <a:r>
+              <a:rPr lang="en-GB" sz="2200" dirty="0">
+                <a:solidFill>
+                  <a:srgbClr val="0070C0"/>
+                </a:solidFill>
+              </a:rPr>
+              <a:t>TALK - WP-HTML: </a:t>
+            </a:r>
+            <a:r>
+              <a:rPr lang="en-GB" sz="2200" b="1" dirty="0">
+                <a:solidFill>
+                  <a:schemeClr val="accent6">
+                    <a:lumMod val="75000"/>
+                  </a:schemeClr>
+                </a:solidFill>
+              </a:rPr>
+              <a:t>The marriage of WP and JS Frameworks for expansion, ubiquity and profit </a:t>
+            </a:r>
+            <a:r>
+              <a:rPr lang="en-GB" sz="2200" dirty="0">
+                <a:solidFill>
+                  <a:srgbClr val="0070C0"/>
+                </a:solidFill>
+              </a:rPr>
+              <a:t>- </a:t>
+            </a:r>
+            <a:r>
+              <a:rPr lang="en-GB" sz="2200" b="1" dirty="0">
+                <a:solidFill>
+                  <a:srgbClr val="0070C0"/>
+                </a:solidFill>
+              </a:rPr>
+              <a:t>WordCamp Vienna February 2020</a:t>
+            </a:r>
+            <a:r>
+              <a:rPr lang="en-GB" sz="2200" dirty="0">
+                <a:solidFill>
+                  <a:srgbClr val="0070C0"/>
+                </a:solidFill>
+              </a:rPr>
+              <a:t>.</a:t>
+            </a:r>
+          </a:p>
+          <a:p>
+            <a:r>
+              <a:rPr lang="en-GB" sz="2200" dirty="0">
+                <a:solidFill>
+                  <a:srgbClr val="0070C0"/>
+                </a:solidFill>
+              </a:rPr>
+              <a:t>WORKSHOP: WordPress REST API - WordCamp Vienna February 2020.</a:t>
+            </a:r>
+          </a:p>
+          <a:p>
+            <a:r>
+              <a:rPr lang="en-GB" sz="2200" dirty="0">
+                <a:solidFill>
+                  <a:srgbClr val="0070C0"/>
+                </a:solidFill>
+              </a:rPr>
+              <a:t>Progressive Web Apps - Brighton </a:t>
+            </a:r>
+            <a:r>
+              <a:rPr lang="en-GB" sz="2200" dirty="0" err="1">
+                <a:solidFill>
+                  <a:srgbClr val="0070C0"/>
+                </a:solidFill>
+              </a:rPr>
+              <a:t>WordUp</a:t>
+            </a:r>
+            <a:r>
+              <a:rPr lang="en-GB" sz="2200" dirty="0">
+                <a:solidFill>
+                  <a:srgbClr val="0070C0"/>
+                </a:solidFill>
+              </a:rPr>
+              <a:t> November 2019.</a:t>
+            </a:r>
+          </a:p>
+          <a:p>
+            <a:r>
+              <a:rPr lang="en-GB" sz="2200" dirty="0">
+                <a:solidFill>
+                  <a:srgbClr val="0070C0"/>
+                </a:solidFill>
+              </a:rPr>
+              <a:t>Decoupled WordPress (code along style) - </a:t>
+            </a:r>
+            <a:r>
+              <a:rPr lang="en-GB" sz="2200" b="1" dirty="0">
+                <a:solidFill>
+                  <a:srgbClr val="0070C0"/>
+                </a:solidFill>
+              </a:rPr>
+              <a:t>WordCamp Dublin October 2019</a:t>
+            </a:r>
+            <a:r>
+              <a:rPr lang="en-GB" sz="2200" dirty="0">
+                <a:solidFill>
+                  <a:srgbClr val="0070C0"/>
+                </a:solidFill>
+              </a:rPr>
+              <a:t>.</a:t>
+            </a:r>
+          </a:p>
+          <a:p>
+            <a:r>
+              <a:rPr lang="en-GB" sz="2200" dirty="0">
+                <a:solidFill>
+                  <a:srgbClr val="0070C0"/>
+                </a:solidFill>
+              </a:rPr>
+              <a:t>JWT and Authentication – </a:t>
+            </a:r>
+            <a:r>
+              <a:rPr lang="en-GB" sz="2200" dirty="0" err="1">
+                <a:solidFill>
+                  <a:srgbClr val="0070C0"/>
+                </a:solidFill>
+              </a:rPr>
+              <a:t>WPHooked</a:t>
+            </a:r>
+            <a:r>
+              <a:rPr lang="en-GB" sz="2200" dirty="0">
+                <a:solidFill>
+                  <a:srgbClr val="0070C0"/>
+                </a:solidFill>
+              </a:rPr>
+              <a:t> London September 2019.</a:t>
+            </a:r>
+          </a:p>
+          <a:p>
+            <a:r>
+              <a:rPr lang="en-GB" sz="2200" dirty="0">
+                <a:solidFill>
+                  <a:srgbClr val="0070C0"/>
+                </a:solidFill>
+              </a:rPr>
+              <a:t>Decoupled WordPress and WP Components - </a:t>
+            </a:r>
+            <a:r>
+              <a:rPr lang="en-GB" sz="2200" b="1" dirty="0">
+                <a:solidFill>
+                  <a:srgbClr val="0070C0"/>
+                </a:solidFill>
+              </a:rPr>
+              <a:t>WordCamp Brighton August 2019</a:t>
+            </a:r>
+            <a:r>
+              <a:rPr lang="en-GB" sz="2200" dirty="0">
+                <a:solidFill>
+                  <a:srgbClr val="0070C0"/>
+                </a:solidFill>
+              </a:rPr>
+              <a:t>.</a:t>
+            </a:r>
+          </a:p>
+          <a:p>
+            <a:pPr marL="457200" lvl="1" indent="0">
+              <a:buNone/>
+            </a:pPr>
+            <a:endParaRPr lang="en-GB" sz="6700" dirty="0">
+              <a:solidFill>
+                <a:srgbClr val="2196F3"/>
+              </a:solidFill>
+              <a:latin typeface="Segoe UI" panose="020B0502040204020203" pitchFamily="34" charset="0"/>
+              <a:cs typeface="Segoe UI" panose="020B0502040204020203" pitchFamily="34" charset="0"/>
+            </a:endParaRPr>
+          </a:p>
+          <a:p>
+            <a:pPr marL="457200" lvl="1" indent="0">
+              <a:buNone/>
+            </a:pPr>
+            <a:endParaRPr lang="en-GB" sz="6700" dirty="0">
+              <a:solidFill>
+                <a:srgbClr val="2196F3"/>
+              </a:solidFill>
+              <a:latin typeface="Segoe UI" panose="020B0502040204020203" pitchFamily="34" charset="0"/>
+              <a:cs typeface="Segoe UI" panose="020B0502040204020203" pitchFamily="34" charset="0"/>
+            </a:endParaRPr>
+          </a:p>
+          <a:p>
+            <a:pPr marL="457200" lvl="1" indent="0">
+              <a:buNone/>
+            </a:pPr>
+            <a:endParaRPr lang="en-GB" sz="6700" dirty="0">
+              <a:solidFill>
+                <a:srgbClr val="2196F3"/>
+              </a:solidFill>
+              <a:latin typeface="Segoe UI" panose="020B0502040204020203" pitchFamily="34" charset="0"/>
+              <a:cs typeface="Segoe UI" panose="020B0502040204020203" pitchFamily="34" charset="0"/>
+            </a:endParaRPr>
+          </a:p>
+          <a:p>
+            <a:pPr marL="457200" lvl="1" indent="0">
+              <a:buNone/>
+            </a:pPr>
+            <a:endParaRPr lang="en-GB" sz="6700" dirty="0">
+              <a:latin typeface="Segoe UI" panose="020B0502040204020203" pitchFamily="34" charset="0"/>
+              <a:cs typeface="Segoe UI" panose="020B0502040204020203" pitchFamily="34" charset="0"/>
+            </a:endParaRPr>
+          </a:p>
+          <a:p>
+            <a:pPr marL="0" indent="0">
+              <a:buNone/>
+            </a:pPr>
+            <a:endParaRPr lang="en-GB" dirty="0">
+              <a:latin typeface="Segoe UI" panose="020B0502040204020203" pitchFamily="34" charset="0"/>
+              <a:cs typeface="Segoe UI" panose="020B0502040204020203" pitchFamily="34" charset="0"/>
+            </a:endParaRPr>
+          </a:p>
+          <a:p>
+            <a:endParaRPr lang="en-GB" dirty="0">
+              <a:latin typeface="Segoe UI" panose="020B0502040204020203" pitchFamily="34" charset="0"/>
+              <a:cs typeface="Segoe UI" panose="020B0502040204020203" pitchFamily="34" charset="0"/>
+            </a:endParaRPr>
+          </a:p>
         </p:txBody>
       </p:sp>
     </p:spTree>
     <p:extLst>
       <p:ext uri="{BB962C8B-B14F-4D97-AF65-F5344CB8AC3E}">
-        <p14:creationId xmlns:p14="http://schemas.microsoft.com/office/powerpoint/2010/main" val="1180011134"/>
+        <p14:creationId xmlns:p14="http://schemas.microsoft.com/office/powerpoint/2010/main" val="2972891001"/>
       </p:ext>
     </p:extLst>
   </p:cSld>
